--- a/CCP.pptx
+++ b/CCP.pptx
@@ -5,17 +5,18 @@
     <p:sldMasterId id="2147483648" r:id="rId1"/>
   </p:sldMasterIdLst>
   <p:notesMasterIdLst>
-    <p:notesMasterId r:id="rId10"/>
+    <p:notesMasterId r:id="rId11"/>
   </p:notesMasterIdLst>
   <p:sldIdLst>
     <p:sldId id="256" r:id="rId2"/>
     <p:sldId id="257" r:id="rId3"/>
     <p:sldId id="258" r:id="rId4"/>
-    <p:sldId id="263" r:id="rId5"/>
-    <p:sldId id="264" r:id="rId6"/>
-    <p:sldId id="260" r:id="rId7"/>
-    <p:sldId id="265" r:id="rId8"/>
-    <p:sldId id="262" r:id="rId9"/>
+    <p:sldId id="264" r:id="rId5"/>
+    <p:sldId id="263" r:id="rId6"/>
+    <p:sldId id="266" r:id="rId7"/>
+    <p:sldId id="260" r:id="rId8"/>
+    <p:sldId id="265" r:id="rId9"/>
+    <p:sldId id="267" r:id="rId10"/>
   </p:sldIdLst>
   <p:sldSz cx="12192000" cy="6858000"/>
   <p:notesSz cx="6858000" cy="9144000"/>
@@ -125,6 +126,7 @@
 <file path=ppt/revisionInfo.xml><?xml version="1.0" encoding="utf-8"?>
 <p1510:revInfo xmlns:a="http://schemas.openxmlformats.org/drawingml/2006/main" xmlns:r="http://schemas.openxmlformats.org/officeDocument/2006/relationships" xmlns:p1510="http://schemas.microsoft.com/office/powerpoint/2015/10/main">
   <p1510:revLst>
+    <p1510:client id="{143155F1-9A7B-48EE-BAA1-026E529D72FC}" v="9" dt="2025-07-03T13:40:26.597"/>
     <p1510:client id="{75F4D61B-5668-4960-B965-5E8A07F8DDA3}" v="52" dt="2025-07-02T17:37:33.521"/>
   </p1510:revLst>
 </p1510:revInfo>
@@ -313,3566 +315,101 @@
       </pc:sldChg>
     </pc:docChg>
   </pc:docChgLst>
+  <pc:docChgLst>
+    <pc:chgData name="NAVDEEP RAJINI" userId="d189acb877b5413a" providerId="LiveId" clId="{143155F1-9A7B-48EE-BAA1-026E529D72FC}"/>
+    <pc:docChg chg="custSel addSld delSld modSld">
+      <pc:chgData name="NAVDEEP RAJINI" userId="d189acb877b5413a" providerId="LiveId" clId="{143155F1-9A7B-48EE-BAA1-026E529D72FC}" dt="2025-07-03T13:40:26.597" v="11"/>
+      <pc:docMkLst>
+        <pc:docMk/>
+      </pc:docMkLst>
+      <pc:sldChg chg="del">
+        <pc:chgData name="NAVDEEP RAJINI" userId="d189acb877b5413a" providerId="LiveId" clId="{143155F1-9A7B-48EE-BAA1-026E529D72FC}" dt="2025-07-03T04:54:42.200" v="4" actId="47"/>
+        <pc:sldMkLst>
+          <pc:docMk/>
+          <pc:sldMk cId="1661839101" sldId="262"/>
+        </pc:sldMkLst>
+      </pc:sldChg>
+      <pc:sldChg chg="addSp delSp modSp new mod modClrScheme chgLayout">
+        <pc:chgData name="NAVDEEP RAJINI" userId="d189acb877b5413a" providerId="LiveId" clId="{143155F1-9A7B-48EE-BAA1-026E529D72FC}" dt="2025-07-03T04:52:16.526" v="3"/>
+        <pc:sldMkLst>
+          <pc:docMk/>
+          <pc:sldMk cId="3274781086" sldId="266"/>
+        </pc:sldMkLst>
+        <pc:spChg chg="del">
+          <ac:chgData name="NAVDEEP RAJINI" userId="d189acb877b5413a" providerId="LiveId" clId="{143155F1-9A7B-48EE-BAA1-026E529D72FC}" dt="2025-07-03T04:52:15.809" v="2" actId="700"/>
+          <ac:spMkLst>
+            <pc:docMk/>
+            <pc:sldMk cId="3274781086" sldId="266"/>
+            <ac:spMk id="2" creationId="{E5F3E460-D98D-E320-1554-4F41D12B40D8}"/>
+          </ac:spMkLst>
+        </pc:spChg>
+        <pc:spChg chg="del">
+          <ac:chgData name="NAVDEEP RAJINI" userId="d189acb877b5413a" providerId="LiveId" clId="{143155F1-9A7B-48EE-BAA1-026E529D72FC}" dt="2025-07-03T04:52:15.809" v="2" actId="700"/>
+          <ac:spMkLst>
+            <pc:docMk/>
+            <pc:sldMk cId="3274781086" sldId="266"/>
+            <ac:spMk id="3" creationId="{2842B071-2ECB-FC3F-B3F6-780209C9D431}"/>
+          </ac:spMkLst>
+        </pc:spChg>
+        <pc:spChg chg="mod ord">
+          <ac:chgData name="NAVDEEP RAJINI" userId="d189acb877b5413a" providerId="LiveId" clId="{143155F1-9A7B-48EE-BAA1-026E529D72FC}" dt="2025-07-03T04:52:15.809" v="2" actId="700"/>
+          <ac:spMkLst>
+            <pc:docMk/>
+            <pc:sldMk cId="3274781086" sldId="266"/>
+            <ac:spMk id="4" creationId="{169FF1A9-CE03-BC8E-C77F-25A15C52447C}"/>
+          </ac:spMkLst>
+        </pc:spChg>
+        <pc:spChg chg="mod ord">
+          <ac:chgData name="NAVDEEP RAJINI" userId="d189acb877b5413a" providerId="LiveId" clId="{143155F1-9A7B-48EE-BAA1-026E529D72FC}" dt="2025-07-03T04:52:15.809" v="2" actId="700"/>
+          <ac:spMkLst>
+            <pc:docMk/>
+            <pc:sldMk cId="3274781086" sldId="266"/>
+            <ac:spMk id="5" creationId="{D6A8C690-8126-26FD-127C-7326C3EDCCC9}"/>
+          </ac:spMkLst>
+        </pc:spChg>
+        <pc:spChg chg="mod ord">
+          <ac:chgData name="NAVDEEP RAJINI" userId="d189acb877b5413a" providerId="LiveId" clId="{143155F1-9A7B-48EE-BAA1-026E529D72FC}" dt="2025-07-03T04:52:15.809" v="2" actId="700"/>
+          <ac:spMkLst>
+            <pc:docMk/>
+            <pc:sldMk cId="3274781086" sldId="266"/>
+            <ac:spMk id="6" creationId="{DBAF995C-B1C7-DDB3-F174-4E098CECC971}"/>
+          </ac:spMkLst>
+        </pc:spChg>
+        <pc:picChg chg="add">
+          <ac:chgData name="NAVDEEP RAJINI" userId="d189acb877b5413a" providerId="LiveId" clId="{143155F1-9A7B-48EE-BAA1-026E529D72FC}" dt="2025-07-03T04:52:11.600" v="1"/>
+          <ac:picMkLst>
+            <pc:docMk/>
+            <pc:sldMk cId="3274781086" sldId="266"/>
+            <ac:picMk id="1026" creationId="{B378072A-FFE4-6563-355B-3D91A94CBE6B}"/>
+          </ac:picMkLst>
+        </pc:picChg>
+        <pc:picChg chg="add">
+          <ac:chgData name="NAVDEEP RAJINI" userId="d189acb877b5413a" providerId="LiveId" clId="{143155F1-9A7B-48EE-BAA1-026E529D72FC}" dt="2025-07-03T04:52:16.526" v="3"/>
+          <ac:picMkLst>
+            <pc:docMk/>
+            <pc:sldMk cId="3274781086" sldId="266"/>
+            <ac:picMk id="1028" creationId="{1DC524BE-7441-A184-018B-D5A7C89D6D26}"/>
+          </ac:picMkLst>
+        </pc:picChg>
+      </pc:sldChg>
+      <pc:sldChg chg="addSp delSp modSp new setBg">
+        <pc:chgData name="NAVDEEP RAJINI" userId="d189acb877b5413a" providerId="LiveId" clId="{143155F1-9A7B-48EE-BAA1-026E529D72FC}" dt="2025-07-03T13:40:26.597" v="11"/>
+        <pc:sldMkLst>
+          <pc:docMk/>
+          <pc:sldMk cId="785267798" sldId="267"/>
+        </pc:sldMkLst>
+        <pc:picChg chg="add del mod">
+          <ac:chgData name="NAVDEEP RAJINI" userId="d189acb877b5413a" providerId="LiveId" clId="{143155F1-9A7B-48EE-BAA1-026E529D72FC}" dt="2025-07-03T13:40:19.499" v="8" actId="21"/>
+          <ac:picMkLst>
+            <pc:docMk/>
+            <pc:sldMk cId="785267798" sldId="267"/>
+            <ac:picMk id="1026" creationId="{488E8AB2-C082-E276-A89A-2F67CDA9BD63}"/>
+          </ac:picMkLst>
+        </pc:picChg>
+      </pc:sldChg>
+    </pc:docChg>
+  </pc:docChgLst>
 </pc:chgInfo>
-</file>
-
-<file path=ppt/diagrams/colors1.xml><?xml version="1.0" encoding="utf-8"?>
-<dgm:colorsDef xmlns:dgm="http://schemas.openxmlformats.org/drawingml/2006/diagram" xmlns:a="http://schemas.openxmlformats.org/drawingml/2006/main" uniqueId="urn:microsoft.com/office/officeart/2005/8/colors/accent1_2">
-  <dgm:title val=""/>
-  <dgm:desc val=""/>
-  <dgm:catLst>
-    <dgm:cat type="accent1" pri="11200"/>
-  </dgm:catLst>
-  <dgm:styleLbl name="node0">
-    <dgm:fillClrLst meth="repeat">
-      <a:schemeClr val="accent1"/>
-    </dgm:fillClrLst>
-    <dgm:linClrLst meth="repeat">
-      <a:schemeClr val="lt1"/>
-    </dgm:linClrLst>
-    <dgm:effectClrLst/>
-    <dgm:txLinClrLst/>
-    <dgm:txFillClrLst/>
-    <dgm:txEffectClrLst/>
-  </dgm:styleLbl>
-  <dgm:styleLbl name="alignNode1">
-    <dgm:fillClrLst meth="repeat">
-      <a:schemeClr val="accent1"/>
-    </dgm:fillClrLst>
-    <dgm:linClrLst meth="repeat">
-      <a:schemeClr val="accent1"/>
-    </dgm:linClrLst>
-    <dgm:effectClrLst/>
-    <dgm:txLinClrLst/>
-    <dgm:txFillClrLst/>
-    <dgm:txEffectClrLst/>
-  </dgm:styleLbl>
-  <dgm:styleLbl name="node1">
-    <dgm:fillClrLst meth="repeat">
-      <a:schemeClr val="accent1"/>
-    </dgm:fillClrLst>
-    <dgm:linClrLst meth="repeat">
-      <a:schemeClr val="lt1"/>
-    </dgm:linClrLst>
-    <dgm:effectClrLst/>
-    <dgm:txLinClrLst/>
-    <dgm:txFillClrLst/>
-    <dgm:txEffectClrLst/>
-  </dgm:styleLbl>
-  <dgm:styleLbl name="lnNode1">
-    <dgm:fillClrLst meth="repeat">
-      <a:schemeClr val="accent1"/>
-    </dgm:fillClrLst>
-    <dgm:linClrLst meth="repeat">
-      <a:schemeClr val="lt1"/>
-    </dgm:linClrLst>
-    <dgm:effectClrLst/>
-    <dgm:txLinClrLst/>
-    <dgm:txFillClrLst/>
-    <dgm:txEffectClrLst/>
-  </dgm:styleLbl>
-  <dgm:styleLbl name="vennNode1">
-    <dgm:fillClrLst meth="repeat">
-      <a:schemeClr val="accent1">
-        <a:alpha val="50000"/>
-      </a:schemeClr>
-    </dgm:fillClrLst>
-    <dgm:linClrLst meth="repeat">
-      <a:schemeClr val="lt1"/>
-    </dgm:linClrLst>
-    <dgm:effectClrLst/>
-    <dgm:txLinClrLst/>
-    <dgm:txFillClrLst/>
-    <dgm:txEffectClrLst/>
-  </dgm:styleLbl>
-  <dgm:styleLbl name="node2">
-    <dgm:fillClrLst meth="repeat">
-      <a:schemeClr val="accent1"/>
-    </dgm:fillClrLst>
-    <dgm:linClrLst meth="repeat">
-      <a:schemeClr val="lt1"/>
-    </dgm:linClrLst>
-    <dgm:effectClrLst/>
-    <dgm:txLinClrLst/>
-    <dgm:txFillClrLst/>
-    <dgm:txEffectClrLst/>
-  </dgm:styleLbl>
-  <dgm:styleLbl name="node3">
-    <dgm:fillClrLst meth="repeat">
-      <a:schemeClr val="accent1"/>
-    </dgm:fillClrLst>
-    <dgm:linClrLst meth="repeat">
-      <a:schemeClr val="lt1"/>
-    </dgm:linClrLst>
-    <dgm:effectClrLst/>
-    <dgm:txLinClrLst/>
-    <dgm:txFillClrLst/>
-    <dgm:txEffectClrLst/>
-  </dgm:styleLbl>
-  <dgm:styleLbl name="node4">
-    <dgm:fillClrLst meth="repeat">
-      <a:schemeClr val="accent1"/>
-    </dgm:fillClrLst>
-    <dgm:linClrLst meth="repeat">
-      <a:schemeClr val="lt1"/>
-    </dgm:linClrLst>
-    <dgm:effectClrLst/>
-    <dgm:txLinClrLst/>
-    <dgm:txFillClrLst/>
-    <dgm:txEffectClrLst/>
-  </dgm:styleLbl>
-  <dgm:styleLbl name="fgImgPlace1">
-    <dgm:fillClrLst meth="repeat">
-      <a:schemeClr val="accent1">
-        <a:tint val="50000"/>
-      </a:schemeClr>
-    </dgm:fillClrLst>
-    <dgm:linClrLst meth="repeat">
-      <a:schemeClr val="lt1"/>
-    </dgm:linClrLst>
-    <dgm:effectClrLst/>
-    <dgm:txLinClrLst/>
-    <dgm:txFillClrLst meth="repeat">
-      <a:schemeClr val="lt1"/>
-    </dgm:txFillClrLst>
-    <dgm:txEffectClrLst/>
-  </dgm:styleLbl>
-  <dgm:styleLbl name="alignImgPlace1">
-    <dgm:fillClrLst meth="repeat">
-      <a:schemeClr val="accent1">
-        <a:tint val="50000"/>
-      </a:schemeClr>
-    </dgm:fillClrLst>
-    <dgm:linClrLst meth="repeat">
-      <a:schemeClr val="lt1"/>
-    </dgm:linClrLst>
-    <dgm:effectClrLst/>
-    <dgm:txLinClrLst/>
-    <dgm:txFillClrLst meth="repeat">
-      <a:schemeClr val="lt1"/>
-    </dgm:txFillClrLst>
-    <dgm:txEffectClrLst/>
-  </dgm:styleLbl>
-  <dgm:styleLbl name="bgImgPlace1">
-    <dgm:fillClrLst meth="repeat">
-      <a:schemeClr val="accent1">
-        <a:tint val="50000"/>
-      </a:schemeClr>
-    </dgm:fillClrLst>
-    <dgm:linClrLst meth="repeat">
-      <a:schemeClr val="lt1"/>
-    </dgm:linClrLst>
-    <dgm:effectClrLst/>
-    <dgm:txLinClrLst/>
-    <dgm:txFillClrLst meth="repeat">
-      <a:schemeClr val="lt1"/>
-    </dgm:txFillClrLst>
-    <dgm:txEffectClrLst/>
-  </dgm:styleLbl>
-  <dgm:styleLbl name="sibTrans2D1">
-    <dgm:fillClrLst meth="repeat">
-      <a:schemeClr val="accent1">
-        <a:tint val="60000"/>
-      </a:schemeClr>
-    </dgm:fillClrLst>
-    <dgm:linClrLst meth="repeat">
-      <a:schemeClr val="accent1">
-        <a:tint val="60000"/>
-      </a:schemeClr>
-    </dgm:linClrLst>
-    <dgm:effectClrLst/>
-    <dgm:txLinClrLst/>
-    <dgm:txFillClrLst/>
-    <dgm:txEffectClrLst/>
-  </dgm:styleLbl>
-  <dgm:styleLbl name="fgSibTrans2D1">
-    <dgm:fillClrLst meth="repeat">
-      <a:schemeClr val="accent1">
-        <a:tint val="60000"/>
-      </a:schemeClr>
-    </dgm:fillClrLst>
-    <dgm:linClrLst meth="repeat">
-      <a:schemeClr val="accent1">
-        <a:tint val="60000"/>
-      </a:schemeClr>
-    </dgm:linClrLst>
-    <dgm:effectClrLst/>
-    <dgm:txLinClrLst/>
-    <dgm:txFillClrLst/>
-    <dgm:txEffectClrLst/>
-  </dgm:styleLbl>
-  <dgm:styleLbl name="bgSibTrans2D1">
-    <dgm:fillClrLst meth="repeat">
-      <a:schemeClr val="accent1">
-        <a:tint val="60000"/>
-      </a:schemeClr>
-    </dgm:fillClrLst>
-    <dgm:linClrLst meth="repeat">
-      <a:schemeClr val="accent1">
-        <a:tint val="60000"/>
-      </a:schemeClr>
-    </dgm:linClrLst>
-    <dgm:effectClrLst/>
-    <dgm:txLinClrLst/>
-    <dgm:txFillClrLst/>
-    <dgm:txEffectClrLst/>
-  </dgm:styleLbl>
-  <dgm:styleLbl name="sibTrans1D1">
-    <dgm:fillClrLst meth="repeat">
-      <a:schemeClr val="accent1"/>
-    </dgm:fillClrLst>
-    <dgm:linClrLst meth="repeat">
-      <a:schemeClr val="accent1"/>
-    </dgm:linClrLst>
-    <dgm:effectClrLst/>
-    <dgm:txLinClrLst/>
-    <dgm:txFillClrLst meth="repeat">
-      <a:schemeClr val="tx1"/>
-    </dgm:txFillClrLst>
-    <dgm:txEffectClrLst/>
-  </dgm:styleLbl>
-  <dgm:styleLbl name="callout">
-    <dgm:fillClrLst meth="repeat">
-      <a:schemeClr val="accent1"/>
-    </dgm:fillClrLst>
-    <dgm:linClrLst meth="repeat">
-      <a:schemeClr val="accent1">
-        <a:tint val="50000"/>
-      </a:schemeClr>
-    </dgm:linClrLst>
-    <dgm:effectClrLst/>
-    <dgm:txLinClrLst/>
-    <dgm:txFillClrLst meth="repeat">
-      <a:schemeClr val="tx1"/>
-    </dgm:txFillClrLst>
-    <dgm:txEffectClrLst/>
-  </dgm:styleLbl>
-  <dgm:styleLbl name="asst0">
-    <dgm:fillClrLst meth="repeat">
-      <a:schemeClr val="accent1"/>
-    </dgm:fillClrLst>
-    <dgm:linClrLst meth="repeat">
-      <a:schemeClr val="lt1"/>
-    </dgm:linClrLst>
-    <dgm:effectClrLst/>
-    <dgm:txLinClrLst/>
-    <dgm:txFillClrLst/>
-    <dgm:txEffectClrLst/>
-  </dgm:styleLbl>
-  <dgm:styleLbl name="asst1">
-    <dgm:fillClrLst meth="repeat">
-      <a:schemeClr val="accent1"/>
-    </dgm:fillClrLst>
-    <dgm:linClrLst meth="repeat">
-      <a:schemeClr val="lt1"/>
-    </dgm:linClrLst>
-    <dgm:effectClrLst/>
-    <dgm:txLinClrLst/>
-    <dgm:txFillClrLst/>
-    <dgm:txEffectClrLst/>
-  </dgm:styleLbl>
-  <dgm:styleLbl name="asst2">
-    <dgm:fillClrLst meth="repeat">
-      <a:schemeClr val="accent1"/>
-    </dgm:fillClrLst>
-    <dgm:linClrLst meth="repeat">
-      <a:schemeClr val="lt1"/>
-    </dgm:linClrLst>
-    <dgm:effectClrLst/>
-    <dgm:txLinClrLst/>
-    <dgm:txFillClrLst/>
-    <dgm:txEffectClrLst/>
-  </dgm:styleLbl>
-  <dgm:styleLbl name="asst3">
-    <dgm:fillClrLst meth="repeat">
-      <a:schemeClr val="accent1"/>
-    </dgm:fillClrLst>
-    <dgm:linClrLst meth="repeat">
-      <a:schemeClr val="lt1"/>
-    </dgm:linClrLst>
-    <dgm:effectClrLst/>
-    <dgm:txLinClrLst/>
-    <dgm:txFillClrLst/>
-    <dgm:txEffectClrLst/>
-  </dgm:styleLbl>
-  <dgm:styleLbl name="asst4">
-    <dgm:fillClrLst meth="repeat">
-      <a:schemeClr val="accent1"/>
-    </dgm:fillClrLst>
-    <dgm:linClrLst meth="repeat">
-      <a:schemeClr val="lt1"/>
-    </dgm:linClrLst>
-    <dgm:effectClrLst/>
-    <dgm:txLinClrLst/>
-    <dgm:txFillClrLst/>
-    <dgm:txEffectClrLst/>
-  </dgm:styleLbl>
-  <dgm:styleLbl name="parChTrans2D1">
-    <dgm:fillClrLst meth="repeat">
-      <a:schemeClr val="accent1">
-        <a:tint val="60000"/>
-      </a:schemeClr>
-    </dgm:fillClrLst>
-    <dgm:linClrLst meth="repeat">
-      <a:schemeClr val="accent1">
-        <a:tint val="60000"/>
-      </a:schemeClr>
-    </dgm:linClrLst>
-    <dgm:effectClrLst/>
-    <dgm:txLinClrLst/>
-    <dgm:txFillClrLst meth="repeat">
-      <a:schemeClr val="lt1"/>
-    </dgm:txFillClrLst>
-    <dgm:txEffectClrLst/>
-  </dgm:styleLbl>
-  <dgm:styleLbl name="parChTrans2D2">
-    <dgm:fillClrLst meth="repeat">
-      <a:schemeClr val="accent1"/>
-    </dgm:fillClrLst>
-    <dgm:linClrLst meth="repeat">
-      <a:schemeClr val="accent1"/>
-    </dgm:linClrLst>
-    <dgm:effectClrLst/>
-    <dgm:txLinClrLst/>
-    <dgm:txFillClrLst meth="repeat">
-      <a:schemeClr val="lt1"/>
-    </dgm:txFillClrLst>
-    <dgm:txEffectClrLst/>
-  </dgm:styleLbl>
-  <dgm:styleLbl name="parChTrans2D3">
-    <dgm:fillClrLst meth="repeat">
-      <a:schemeClr val="accent1"/>
-    </dgm:fillClrLst>
-    <dgm:linClrLst meth="repeat">
-      <a:schemeClr val="accent1"/>
-    </dgm:linClrLst>
-    <dgm:effectClrLst/>
-    <dgm:txLinClrLst/>
-    <dgm:txFillClrLst meth="repeat">
-      <a:schemeClr val="lt1"/>
-    </dgm:txFillClrLst>
-    <dgm:txEffectClrLst/>
-  </dgm:styleLbl>
-  <dgm:styleLbl name="parChTrans2D4">
-    <dgm:fillClrLst meth="repeat">
-      <a:schemeClr val="accent1"/>
-    </dgm:fillClrLst>
-    <dgm:linClrLst meth="repeat">
-      <a:schemeClr val="accent1"/>
-    </dgm:linClrLst>
-    <dgm:effectClrLst/>
-    <dgm:txLinClrLst/>
-    <dgm:txFillClrLst meth="repeat">
-      <a:schemeClr val="lt1"/>
-    </dgm:txFillClrLst>
-    <dgm:txEffectClrLst/>
-  </dgm:styleLbl>
-  <dgm:styleLbl name="parChTrans1D1">
-    <dgm:fillClrLst meth="repeat">
-      <a:schemeClr val="accent1"/>
-    </dgm:fillClrLst>
-    <dgm:linClrLst meth="repeat">
-      <a:schemeClr val="accent1">
-        <a:shade val="60000"/>
-      </a:schemeClr>
-    </dgm:linClrLst>
-    <dgm:effectClrLst/>
-    <dgm:txLinClrLst/>
-    <dgm:txFillClrLst meth="repeat">
-      <a:schemeClr val="tx1"/>
-    </dgm:txFillClrLst>
-    <dgm:txEffectClrLst/>
-  </dgm:styleLbl>
-  <dgm:styleLbl name="parChTrans1D2">
-    <dgm:fillClrLst meth="repeat">
-      <a:schemeClr val="accent1"/>
-    </dgm:fillClrLst>
-    <dgm:linClrLst meth="repeat">
-      <a:schemeClr val="accent1">
-        <a:shade val="60000"/>
-      </a:schemeClr>
-    </dgm:linClrLst>
-    <dgm:effectClrLst/>
-    <dgm:txLinClrLst/>
-    <dgm:txFillClrLst meth="repeat">
-      <a:schemeClr val="tx1"/>
-    </dgm:txFillClrLst>
-    <dgm:txEffectClrLst/>
-  </dgm:styleLbl>
-  <dgm:styleLbl name="parChTrans1D3">
-    <dgm:fillClrLst meth="repeat">
-      <a:schemeClr val="accent1"/>
-    </dgm:fillClrLst>
-    <dgm:linClrLst meth="repeat">
-      <a:schemeClr val="accent1">
-        <a:shade val="80000"/>
-      </a:schemeClr>
-    </dgm:linClrLst>
-    <dgm:effectClrLst/>
-    <dgm:txLinClrLst/>
-    <dgm:txFillClrLst meth="repeat">
-      <a:schemeClr val="tx1"/>
-    </dgm:txFillClrLst>
-    <dgm:txEffectClrLst/>
-  </dgm:styleLbl>
-  <dgm:styleLbl name="parChTrans1D4">
-    <dgm:fillClrLst meth="repeat">
-      <a:schemeClr val="accent1"/>
-    </dgm:fillClrLst>
-    <dgm:linClrLst meth="repeat">
-      <a:schemeClr val="accent1">
-        <a:shade val="80000"/>
-      </a:schemeClr>
-    </dgm:linClrLst>
-    <dgm:effectClrLst/>
-    <dgm:txLinClrLst/>
-    <dgm:txFillClrLst meth="repeat">
-      <a:schemeClr val="tx1"/>
-    </dgm:txFillClrLst>
-    <dgm:txEffectClrLst/>
-  </dgm:styleLbl>
-  <dgm:styleLbl name="fgAcc1">
-    <dgm:fillClrLst meth="repeat">
-      <a:schemeClr val="lt1">
-        <a:alpha val="90000"/>
-      </a:schemeClr>
-    </dgm:fillClrLst>
-    <dgm:linClrLst meth="repeat">
-      <a:schemeClr val="accent1"/>
-    </dgm:linClrLst>
-    <dgm:effectClrLst/>
-    <dgm:txLinClrLst/>
-    <dgm:txFillClrLst meth="repeat">
-      <a:schemeClr val="dk1"/>
-    </dgm:txFillClrLst>
-    <dgm:txEffectClrLst/>
-  </dgm:styleLbl>
-  <dgm:styleLbl name="conFgAcc1">
-    <dgm:fillClrLst meth="repeat">
-      <a:schemeClr val="lt1">
-        <a:alpha val="90000"/>
-      </a:schemeClr>
-    </dgm:fillClrLst>
-    <dgm:linClrLst meth="repeat">
-      <a:schemeClr val="accent1"/>
-    </dgm:linClrLst>
-    <dgm:effectClrLst/>
-    <dgm:txLinClrLst/>
-    <dgm:txFillClrLst meth="repeat">
-      <a:schemeClr val="dk1"/>
-    </dgm:txFillClrLst>
-    <dgm:txEffectClrLst/>
-  </dgm:styleLbl>
-  <dgm:styleLbl name="alignAcc1">
-    <dgm:fillClrLst meth="repeat">
-      <a:schemeClr val="lt1">
-        <a:alpha val="90000"/>
-      </a:schemeClr>
-    </dgm:fillClrLst>
-    <dgm:linClrLst meth="repeat">
-      <a:schemeClr val="accent1"/>
-    </dgm:linClrLst>
-    <dgm:effectClrLst/>
-    <dgm:txLinClrLst/>
-    <dgm:txFillClrLst meth="repeat">
-      <a:schemeClr val="dk1"/>
-    </dgm:txFillClrLst>
-    <dgm:txEffectClrLst/>
-  </dgm:styleLbl>
-  <dgm:styleLbl name="trAlignAcc1">
-    <dgm:fillClrLst meth="repeat">
-      <a:schemeClr val="lt1">
-        <a:alpha val="40000"/>
-      </a:schemeClr>
-    </dgm:fillClrLst>
-    <dgm:linClrLst meth="repeat">
-      <a:schemeClr val="accent1"/>
-    </dgm:linClrLst>
-    <dgm:effectClrLst/>
-    <dgm:txLinClrLst/>
-    <dgm:txFillClrLst meth="repeat">
-      <a:schemeClr val="dk1"/>
-    </dgm:txFillClrLst>
-    <dgm:txEffectClrLst/>
-  </dgm:styleLbl>
-  <dgm:styleLbl name="bgAcc1">
-    <dgm:fillClrLst meth="repeat">
-      <a:schemeClr val="lt1">
-        <a:alpha val="90000"/>
-      </a:schemeClr>
-    </dgm:fillClrLst>
-    <dgm:linClrLst meth="repeat">
-      <a:schemeClr val="accent1"/>
-    </dgm:linClrLst>
-    <dgm:effectClrLst/>
-    <dgm:txLinClrLst/>
-    <dgm:txFillClrLst meth="repeat">
-      <a:schemeClr val="dk1"/>
-    </dgm:txFillClrLst>
-    <dgm:txEffectClrLst/>
-  </dgm:styleLbl>
-  <dgm:styleLbl name="solidFgAcc1">
-    <dgm:fillClrLst meth="repeat">
-      <a:schemeClr val="lt1"/>
-    </dgm:fillClrLst>
-    <dgm:linClrLst meth="repeat">
-      <a:schemeClr val="accent1"/>
-    </dgm:linClrLst>
-    <dgm:effectClrLst/>
-    <dgm:txLinClrLst/>
-    <dgm:txFillClrLst meth="repeat">
-      <a:schemeClr val="dk1"/>
-    </dgm:txFillClrLst>
-    <dgm:txEffectClrLst/>
-  </dgm:styleLbl>
-  <dgm:styleLbl name="solidAlignAcc1">
-    <dgm:fillClrLst meth="repeat">
-      <a:schemeClr val="lt1"/>
-    </dgm:fillClrLst>
-    <dgm:linClrLst meth="repeat">
-      <a:schemeClr val="accent1"/>
-    </dgm:linClrLst>
-    <dgm:effectClrLst/>
-    <dgm:txLinClrLst/>
-    <dgm:txFillClrLst meth="repeat">
-      <a:schemeClr val="dk1"/>
-    </dgm:txFillClrLst>
-    <dgm:txEffectClrLst/>
-  </dgm:styleLbl>
-  <dgm:styleLbl name="solidBgAcc1">
-    <dgm:fillClrLst meth="repeat">
-      <a:schemeClr val="lt1"/>
-    </dgm:fillClrLst>
-    <dgm:linClrLst meth="repeat">
-      <a:schemeClr val="accent1"/>
-    </dgm:linClrLst>
-    <dgm:effectClrLst/>
-    <dgm:txLinClrLst/>
-    <dgm:txFillClrLst meth="repeat">
-      <a:schemeClr val="dk1"/>
-    </dgm:txFillClrLst>
-    <dgm:txEffectClrLst/>
-  </dgm:styleLbl>
-  <dgm:styleLbl name="fgAccFollowNode1">
-    <dgm:fillClrLst meth="repeat">
-      <a:schemeClr val="accent1">
-        <a:alpha val="90000"/>
-        <a:tint val="40000"/>
-      </a:schemeClr>
-    </dgm:fillClrLst>
-    <dgm:linClrLst meth="repeat">
-      <a:schemeClr val="accent1">
-        <a:alpha val="90000"/>
-        <a:tint val="40000"/>
-      </a:schemeClr>
-    </dgm:linClrLst>
-    <dgm:effectClrLst/>
-    <dgm:txLinClrLst/>
-    <dgm:txFillClrLst meth="repeat">
-      <a:schemeClr val="dk1"/>
-    </dgm:txFillClrLst>
-    <dgm:txEffectClrLst/>
-  </dgm:styleLbl>
-  <dgm:styleLbl name="alignAccFollowNode1">
-    <dgm:fillClrLst meth="repeat">
-      <a:schemeClr val="accent1">
-        <a:alpha val="90000"/>
-        <a:tint val="40000"/>
-      </a:schemeClr>
-    </dgm:fillClrLst>
-    <dgm:linClrLst meth="repeat">
-      <a:schemeClr val="accent1">
-        <a:alpha val="90000"/>
-        <a:tint val="40000"/>
-      </a:schemeClr>
-    </dgm:linClrLst>
-    <dgm:effectClrLst/>
-    <dgm:txLinClrLst/>
-    <dgm:txFillClrLst meth="repeat">
-      <a:schemeClr val="dk1"/>
-    </dgm:txFillClrLst>
-    <dgm:txEffectClrLst/>
-  </dgm:styleLbl>
-  <dgm:styleLbl name="bgAccFollowNode1">
-    <dgm:fillClrLst meth="repeat">
-      <a:schemeClr val="accent1">
-        <a:alpha val="90000"/>
-        <a:tint val="40000"/>
-      </a:schemeClr>
-    </dgm:fillClrLst>
-    <dgm:linClrLst meth="repeat">
-      <a:schemeClr val="accent1">
-        <a:alpha val="90000"/>
-        <a:tint val="40000"/>
-      </a:schemeClr>
-    </dgm:linClrLst>
-    <dgm:effectClrLst/>
-    <dgm:txLinClrLst/>
-    <dgm:txFillClrLst meth="repeat">
-      <a:schemeClr val="dk1"/>
-    </dgm:txFillClrLst>
-    <dgm:txEffectClrLst/>
-  </dgm:styleLbl>
-  <dgm:styleLbl name="fgAcc0">
-    <dgm:fillClrLst meth="repeat">
-      <a:schemeClr val="lt1">
-        <a:alpha val="90000"/>
-      </a:schemeClr>
-    </dgm:fillClrLst>
-    <dgm:linClrLst meth="repeat">
-      <a:schemeClr val="accent1"/>
-    </dgm:linClrLst>
-    <dgm:effectClrLst/>
-    <dgm:txLinClrLst/>
-    <dgm:txFillClrLst meth="repeat">
-      <a:schemeClr val="dk1"/>
-    </dgm:txFillClrLst>
-    <dgm:txEffectClrLst/>
-  </dgm:styleLbl>
-  <dgm:styleLbl name="fgAcc2">
-    <dgm:fillClrLst meth="repeat">
-      <a:schemeClr val="lt1">
-        <a:alpha val="90000"/>
-      </a:schemeClr>
-    </dgm:fillClrLst>
-    <dgm:linClrLst meth="repeat">
-      <a:schemeClr val="accent1"/>
-    </dgm:linClrLst>
-    <dgm:effectClrLst/>
-    <dgm:txLinClrLst/>
-    <dgm:txFillClrLst meth="repeat">
-      <a:schemeClr val="dk1"/>
-    </dgm:txFillClrLst>
-    <dgm:txEffectClrLst/>
-  </dgm:styleLbl>
-  <dgm:styleLbl name="fgAcc3">
-    <dgm:fillClrLst meth="repeat">
-      <a:schemeClr val="lt1">
-        <a:alpha val="90000"/>
-      </a:schemeClr>
-    </dgm:fillClrLst>
-    <dgm:linClrLst meth="repeat">
-      <a:schemeClr val="accent1"/>
-    </dgm:linClrLst>
-    <dgm:effectClrLst/>
-    <dgm:txLinClrLst/>
-    <dgm:txFillClrLst meth="repeat">
-      <a:schemeClr val="dk1"/>
-    </dgm:txFillClrLst>
-    <dgm:txEffectClrLst/>
-  </dgm:styleLbl>
-  <dgm:styleLbl name="fgAcc4">
-    <dgm:fillClrLst meth="repeat">
-      <a:schemeClr val="lt1">
-        <a:alpha val="90000"/>
-      </a:schemeClr>
-    </dgm:fillClrLst>
-    <dgm:linClrLst meth="repeat">
-      <a:schemeClr val="accent1"/>
-    </dgm:linClrLst>
-    <dgm:effectClrLst/>
-    <dgm:txLinClrLst/>
-    <dgm:txFillClrLst meth="repeat">
-      <a:schemeClr val="dk1"/>
-    </dgm:txFillClrLst>
-    <dgm:txEffectClrLst/>
-  </dgm:styleLbl>
-  <dgm:styleLbl name="bgShp">
-    <dgm:fillClrLst meth="repeat">
-      <a:schemeClr val="accent1">
-        <a:tint val="40000"/>
-      </a:schemeClr>
-    </dgm:fillClrLst>
-    <dgm:linClrLst meth="repeat">
-      <a:schemeClr val="accent1"/>
-    </dgm:linClrLst>
-    <dgm:effectClrLst/>
-    <dgm:txLinClrLst/>
-    <dgm:txFillClrLst meth="repeat">
-      <a:schemeClr val="dk1"/>
-    </dgm:txFillClrLst>
-    <dgm:txEffectClrLst/>
-  </dgm:styleLbl>
-  <dgm:styleLbl name="dkBgShp">
-    <dgm:fillClrLst meth="repeat">
-      <a:schemeClr val="accent1">
-        <a:shade val="80000"/>
-      </a:schemeClr>
-    </dgm:fillClrLst>
-    <dgm:linClrLst meth="repeat">
-      <a:schemeClr val="accent1"/>
-    </dgm:linClrLst>
-    <dgm:effectClrLst/>
-    <dgm:txLinClrLst/>
-    <dgm:txFillClrLst meth="repeat">
-      <a:schemeClr val="lt1"/>
-    </dgm:txFillClrLst>
-    <dgm:txEffectClrLst/>
-  </dgm:styleLbl>
-  <dgm:styleLbl name="trBgShp">
-    <dgm:fillClrLst meth="repeat">
-      <a:schemeClr val="accent1">
-        <a:tint val="50000"/>
-        <a:alpha val="40000"/>
-      </a:schemeClr>
-    </dgm:fillClrLst>
-    <dgm:linClrLst meth="repeat">
-      <a:schemeClr val="accent1"/>
-    </dgm:linClrLst>
-    <dgm:effectClrLst/>
-    <dgm:txLinClrLst/>
-    <dgm:txFillClrLst meth="repeat">
-      <a:schemeClr val="lt1"/>
-    </dgm:txFillClrLst>
-    <dgm:txEffectClrLst/>
-  </dgm:styleLbl>
-  <dgm:styleLbl name="fgShp">
-    <dgm:fillClrLst meth="repeat">
-      <a:schemeClr val="accent1">
-        <a:tint val="60000"/>
-      </a:schemeClr>
-    </dgm:fillClrLst>
-    <dgm:linClrLst meth="repeat">
-      <a:schemeClr val="lt1"/>
-    </dgm:linClrLst>
-    <dgm:effectClrLst/>
-    <dgm:txLinClrLst/>
-    <dgm:txFillClrLst meth="repeat">
-      <a:schemeClr val="dk1"/>
-    </dgm:txFillClrLst>
-    <dgm:txEffectClrLst/>
-  </dgm:styleLbl>
-  <dgm:styleLbl name="revTx">
-    <dgm:fillClrLst meth="repeat">
-      <a:schemeClr val="lt1">
-        <a:alpha val="0"/>
-      </a:schemeClr>
-    </dgm:fillClrLst>
-    <dgm:linClrLst meth="repeat">
-      <a:schemeClr val="dk1">
-        <a:alpha val="0"/>
-      </a:schemeClr>
-    </dgm:linClrLst>
-    <dgm:effectClrLst/>
-    <dgm:txLinClrLst/>
-    <dgm:txFillClrLst meth="repeat">
-      <a:schemeClr val="tx1"/>
-    </dgm:txFillClrLst>
-    <dgm:txEffectClrLst/>
-  </dgm:styleLbl>
-</dgm:colorsDef>
-</file>
-
-<file path=ppt/diagrams/data1.xml><?xml version="1.0" encoding="utf-8"?>
-<dgm:dataModel xmlns:dgm="http://schemas.openxmlformats.org/drawingml/2006/diagram" xmlns:a="http://schemas.openxmlformats.org/drawingml/2006/main">
-  <dgm:ptLst>
-    <dgm:pt modelId="{759253FD-F37D-4B16-97CD-02CBB1BAE233}" type="doc">
-      <dgm:prSet loTypeId="urn:microsoft.com/office/officeart/2005/8/layout/hierarchy3" loCatId="list" qsTypeId="urn:microsoft.com/office/officeart/2005/8/quickstyle/simple1" qsCatId="simple" csTypeId="urn:microsoft.com/office/officeart/2005/8/colors/accent1_2" csCatId="accent1" phldr="1"/>
-      <dgm:spPr/>
-      <dgm:t>
-        <a:bodyPr/>
-        <a:lstStyle/>
-        <a:p>
-          <a:endParaRPr lang="en-IN"/>
-        </a:p>
-      </dgm:t>
-    </dgm:pt>
-    <dgm:pt modelId="{64CDE7C1-8C23-4781-AC80-F98F05803390}">
-      <dgm:prSet phldrT="[Text]"/>
-      <dgm:spPr/>
-      <dgm:t>
-        <a:bodyPr/>
-        <a:lstStyle/>
-        <a:p>
-          <a:r>
-            <a:rPr lang="en-IN" dirty="0"/>
-            <a:t>FRONTEND</a:t>
-          </a:r>
-        </a:p>
-      </dgm:t>
-    </dgm:pt>
-    <dgm:pt modelId="{A8A158EF-FB57-493F-ABA3-81FA8A5D70E4}" type="parTrans" cxnId="{BA7C76ED-2466-47C2-A06E-E2C0C37E23CD}">
-      <dgm:prSet/>
-      <dgm:spPr/>
-      <dgm:t>
-        <a:bodyPr/>
-        <a:lstStyle/>
-        <a:p>
-          <a:endParaRPr lang="en-IN"/>
-        </a:p>
-      </dgm:t>
-    </dgm:pt>
-    <dgm:pt modelId="{661E3742-9A45-4D02-94D2-871859E0ABE9}" type="sibTrans" cxnId="{BA7C76ED-2466-47C2-A06E-E2C0C37E23CD}">
-      <dgm:prSet/>
-      <dgm:spPr/>
-      <dgm:t>
-        <a:bodyPr/>
-        <a:lstStyle/>
-        <a:p>
-          <a:endParaRPr lang="en-IN"/>
-        </a:p>
-      </dgm:t>
-    </dgm:pt>
-    <dgm:pt modelId="{8F1570D1-9819-4A58-B115-1C65BF7D0E2C}">
-      <dgm:prSet phldrT="[Text]"/>
-      <dgm:spPr/>
-      <dgm:t>
-        <a:bodyPr/>
-        <a:lstStyle/>
-        <a:p>
-          <a:r>
-            <a:rPr lang="en-IN" dirty="0"/>
-            <a:t>REACT.JS</a:t>
-          </a:r>
-        </a:p>
-      </dgm:t>
-    </dgm:pt>
-    <dgm:pt modelId="{0A6C85F5-172B-4B9D-9803-D706200BF594}" type="parTrans" cxnId="{11529572-9BDB-476B-8582-2C9D67F05290}">
-      <dgm:prSet/>
-      <dgm:spPr/>
-      <dgm:t>
-        <a:bodyPr/>
-        <a:lstStyle/>
-        <a:p>
-          <a:endParaRPr lang="en-IN"/>
-        </a:p>
-      </dgm:t>
-    </dgm:pt>
-    <dgm:pt modelId="{CB64B37F-242E-4ACE-BE6C-590B47EE0DE5}" type="sibTrans" cxnId="{11529572-9BDB-476B-8582-2C9D67F05290}">
-      <dgm:prSet/>
-      <dgm:spPr/>
-      <dgm:t>
-        <a:bodyPr/>
-        <a:lstStyle/>
-        <a:p>
-          <a:endParaRPr lang="en-IN"/>
-        </a:p>
-      </dgm:t>
-    </dgm:pt>
-    <dgm:pt modelId="{CBFDCED5-D690-40B4-969B-110482190CFF}">
-      <dgm:prSet phldrT="[Text]"/>
-      <dgm:spPr/>
-      <dgm:t>
-        <a:bodyPr/>
-        <a:lstStyle/>
-        <a:p>
-          <a:r>
-            <a:rPr lang="en-IN" dirty="0"/>
-            <a:t>HTML/CSS</a:t>
-          </a:r>
-        </a:p>
-      </dgm:t>
-    </dgm:pt>
-    <dgm:pt modelId="{22AC7378-C2CC-4494-8E14-A8FCDF3EE7D3}" type="parTrans" cxnId="{B4979575-9ADC-467A-BA9D-6A6F2892D6B0}">
-      <dgm:prSet/>
-      <dgm:spPr/>
-      <dgm:t>
-        <a:bodyPr/>
-        <a:lstStyle/>
-        <a:p>
-          <a:endParaRPr lang="en-IN"/>
-        </a:p>
-      </dgm:t>
-    </dgm:pt>
-    <dgm:pt modelId="{C08589E1-7002-4F5B-9420-31E19A0091A0}" type="sibTrans" cxnId="{B4979575-9ADC-467A-BA9D-6A6F2892D6B0}">
-      <dgm:prSet/>
-      <dgm:spPr/>
-      <dgm:t>
-        <a:bodyPr/>
-        <a:lstStyle/>
-        <a:p>
-          <a:endParaRPr lang="en-IN"/>
-        </a:p>
-      </dgm:t>
-    </dgm:pt>
-    <dgm:pt modelId="{9A89ED38-6ADA-4566-BF3A-B7BA56041515}">
-      <dgm:prSet phldrT="[Text]"/>
-      <dgm:spPr/>
-      <dgm:t>
-        <a:bodyPr/>
-        <a:lstStyle/>
-        <a:p>
-          <a:r>
-            <a:rPr lang="en-IN" dirty="0"/>
-            <a:t>BACKEND/DATABASE</a:t>
-          </a:r>
-        </a:p>
-      </dgm:t>
-    </dgm:pt>
-    <dgm:pt modelId="{06759E1A-5C65-4F30-A70F-5C0B4248F9ED}" type="parTrans" cxnId="{937B865D-1CD9-47A8-8A3E-F516196FD406}">
-      <dgm:prSet/>
-      <dgm:spPr/>
-      <dgm:t>
-        <a:bodyPr/>
-        <a:lstStyle/>
-        <a:p>
-          <a:endParaRPr lang="en-IN"/>
-        </a:p>
-      </dgm:t>
-    </dgm:pt>
-    <dgm:pt modelId="{386D6DD1-C6E0-4BDD-9FC2-F4E857AE1E28}" type="sibTrans" cxnId="{937B865D-1CD9-47A8-8A3E-F516196FD406}">
-      <dgm:prSet/>
-      <dgm:spPr/>
-      <dgm:t>
-        <a:bodyPr/>
-        <a:lstStyle/>
-        <a:p>
-          <a:endParaRPr lang="en-IN"/>
-        </a:p>
-      </dgm:t>
-    </dgm:pt>
-    <dgm:pt modelId="{EEEBA79F-FF48-467B-A14D-2959D0C11184}">
-      <dgm:prSet phldrT="[Text]"/>
-      <dgm:spPr/>
-      <dgm:t>
-        <a:bodyPr/>
-        <a:lstStyle/>
-        <a:p>
-          <a:r>
-            <a:rPr lang="en-IN" dirty="0"/>
-            <a:t>NODE.JS</a:t>
-          </a:r>
-        </a:p>
-      </dgm:t>
-    </dgm:pt>
-    <dgm:pt modelId="{23C2913B-6C53-49F9-A0EF-DA31D8874FC6}" type="parTrans" cxnId="{CCE8C9C0-DA1A-49CA-8AD9-DC4ABC48A92F}">
-      <dgm:prSet/>
-      <dgm:spPr/>
-      <dgm:t>
-        <a:bodyPr/>
-        <a:lstStyle/>
-        <a:p>
-          <a:endParaRPr lang="en-IN"/>
-        </a:p>
-      </dgm:t>
-    </dgm:pt>
-    <dgm:pt modelId="{3516ECF1-9D6C-473E-87F7-E78653D6D3F9}" type="sibTrans" cxnId="{CCE8C9C0-DA1A-49CA-8AD9-DC4ABC48A92F}">
-      <dgm:prSet/>
-      <dgm:spPr/>
-      <dgm:t>
-        <a:bodyPr/>
-        <a:lstStyle/>
-        <a:p>
-          <a:endParaRPr lang="en-IN"/>
-        </a:p>
-      </dgm:t>
-    </dgm:pt>
-    <dgm:pt modelId="{4757B4E2-02F3-4C2E-93C2-75A12CDA8DA5}">
-      <dgm:prSet phldrT="[Text]"/>
-      <dgm:spPr/>
-      <dgm:t>
-        <a:bodyPr/>
-        <a:lstStyle/>
-        <a:p>
-          <a:r>
-            <a:rPr lang="en-IN" dirty="0"/>
-            <a:t>EXPRESS.JS</a:t>
-          </a:r>
-        </a:p>
-      </dgm:t>
-    </dgm:pt>
-    <dgm:pt modelId="{C1031AF4-F0C4-4456-8574-6A0707634EE4}" type="parTrans" cxnId="{E9388259-288B-4758-80AA-B35009CA3C85}">
-      <dgm:prSet/>
-      <dgm:spPr/>
-      <dgm:t>
-        <a:bodyPr/>
-        <a:lstStyle/>
-        <a:p>
-          <a:endParaRPr lang="en-IN"/>
-        </a:p>
-      </dgm:t>
-    </dgm:pt>
-    <dgm:pt modelId="{9DE38029-E9C6-4FA8-A602-1324BC4D8C6F}" type="sibTrans" cxnId="{E9388259-288B-4758-80AA-B35009CA3C85}">
-      <dgm:prSet/>
-      <dgm:spPr/>
-      <dgm:t>
-        <a:bodyPr/>
-        <a:lstStyle/>
-        <a:p>
-          <a:endParaRPr lang="en-IN"/>
-        </a:p>
-      </dgm:t>
-    </dgm:pt>
-    <dgm:pt modelId="{AD49E0F9-1EA2-4021-A961-B146D4E65827}">
-      <dgm:prSet phldrT="[Text]"/>
-      <dgm:spPr/>
-      <dgm:t>
-        <a:bodyPr/>
-        <a:lstStyle/>
-        <a:p>
-          <a:r>
-            <a:rPr lang="en-IN" dirty="0"/>
-            <a:t>D3.JS</a:t>
-          </a:r>
-        </a:p>
-      </dgm:t>
-    </dgm:pt>
-    <dgm:pt modelId="{1909BA16-C935-47FF-A44B-4D0AC5FA4B61}" type="parTrans" cxnId="{6661E367-69DB-4BE6-BE80-A346B278642D}">
-      <dgm:prSet/>
-      <dgm:spPr/>
-      <dgm:t>
-        <a:bodyPr/>
-        <a:lstStyle/>
-        <a:p>
-          <a:endParaRPr lang="en-IN"/>
-        </a:p>
-      </dgm:t>
-    </dgm:pt>
-    <dgm:pt modelId="{66C7D3EC-BE69-4567-8BC9-A54255CA7193}" type="sibTrans" cxnId="{6661E367-69DB-4BE6-BE80-A346B278642D}">
-      <dgm:prSet/>
-      <dgm:spPr/>
-      <dgm:t>
-        <a:bodyPr/>
-        <a:lstStyle/>
-        <a:p>
-          <a:endParaRPr lang="en-IN"/>
-        </a:p>
-      </dgm:t>
-    </dgm:pt>
-    <dgm:pt modelId="{42982281-9E52-4EED-8AE0-10437F4FAA26}">
-      <dgm:prSet phldrT="[Text]"/>
-      <dgm:spPr/>
-      <dgm:t>
-        <a:bodyPr/>
-        <a:lstStyle/>
-        <a:p>
-          <a:r>
-            <a:rPr lang="en-IN" dirty="0"/>
-            <a:t>MONGO.DB/SQL</a:t>
-          </a:r>
-        </a:p>
-      </dgm:t>
-    </dgm:pt>
-    <dgm:pt modelId="{6F23278A-A561-4EF1-829E-17381AB22458}" type="parTrans" cxnId="{7F84D79A-867A-48DC-959E-428A5ED2A9A9}">
-      <dgm:prSet/>
-      <dgm:spPr/>
-      <dgm:t>
-        <a:bodyPr/>
-        <a:lstStyle/>
-        <a:p>
-          <a:endParaRPr lang="en-IN"/>
-        </a:p>
-      </dgm:t>
-    </dgm:pt>
-    <dgm:pt modelId="{464FAA57-357A-413B-ABFC-3E48F6B07B7A}" type="sibTrans" cxnId="{7F84D79A-867A-48DC-959E-428A5ED2A9A9}">
-      <dgm:prSet/>
-      <dgm:spPr/>
-      <dgm:t>
-        <a:bodyPr/>
-        <a:lstStyle/>
-        <a:p>
-          <a:endParaRPr lang="en-IN"/>
-        </a:p>
-      </dgm:t>
-    </dgm:pt>
-    <dgm:pt modelId="{FA322088-313C-4DB4-8A20-89F633C44850}" type="pres">
-      <dgm:prSet presAssocID="{759253FD-F37D-4B16-97CD-02CBB1BAE233}" presName="diagram" presStyleCnt="0">
-        <dgm:presLayoutVars>
-          <dgm:chPref val="1"/>
-          <dgm:dir/>
-          <dgm:animOne val="branch"/>
-          <dgm:animLvl val="lvl"/>
-          <dgm:resizeHandles/>
-        </dgm:presLayoutVars>
-      </dgm:prSet>
-      <dgm:spPr/>
-    </dgm:pt>
-    <dgm:pt modelId="{7DFC85EA-026E-4892-AEF4-5B026E766CBC}" type="pres">
-      <dgm:prSet presAssocID="{64CDE7C1-8C23-4781-AC80-F98F05803390}" presName="root" presStyleCnt="0"/>
-      <dgm:spPr/>
-    </dgm:pt>
-    <dgm:pt modelId="{1B82862D-4768-437E-9BD9-CFB4F3ED4159}" type="pres">
-      <dgm:prSet presAssocID="{64CDE7C1-8C23-4781-AC80-F98F05803390}" presName="rootComposite" presStyleCnt="0"/>
-      <dgm:spPr/>
-    </dgm:pt>
-    <dgm:pt modelId="{0DF08825-D5A2-49D3-8A04-108FD30BE374}" type="pres">
-      <dgm:prSet presAssocID="{64CDE7C1-8C23-4781-AC80-F98F05803390}" presName="rootText" presStyleLbl="node1" presStyleIdx="0" presStyleCnt="2" custScaleX="112963" custScaleY="93215"/>
-      <dgm:spPr/>
-    </dgm:pt>
-    <dgm:pt modelId="{FFAB4601-C2B5-4D9E-A3F6-71FE1A2D90AB}" type="pres">
-      <dgm:prSet presAssocID="{64CDE7C1-8C23-4781-AC80-F98F05803390}" presName="rootConnector" presStyleLbl="node1" presStyleIdx="0" presStyleCnt="2"/>
-      <dgm:spPr/>
-    </dgm:pt>
-    <dgm:pt modelId="{07836B60-D463-4002-A71C-35C25A524899}" type="pres">
-      <dgm:prSet presAssocID="{64CDE7C1-8C23-4781-AC80-F98F05803390}" presName="childShape" presStyleCnt="0"/>
-      <dgm:spPr/>
-    </dgm:pt>
-    <dgm:pt modelId="{9410AF9E-3A9B-4B25-8F57-E998C5BB2C0D}" type="pres">
-      <dgm:prSet presAssocID="{0A6C85F5-172B-4B9D-9803-D706200BF594}" presName="Name13" presStyleLbl="parChTrans1D2" presStyleIdx="0" presStyleCnt="6"/>
-      <dgm:spPr/>
-    </dgm:pt>
-    <dgm:pt modelId="{EF08DD4E-645F-4E54-B724-563DEDFF3E52}" type="pres">
-      <dgm:prSet presAssocID="{8F1570D1-9819-4A58-B115-1C65BF7D0E2C}" presName="childText" presStyleLbl="bgAcc1" presStyleIdx="0" presStyleCnt="6">
-        <dgm:presLayoutVars>
-          <dgm:bulletEnabled val="1"/>
-        </dgm:presLayoutVars>
-      </dgm:prSet>
-      <dgm:spPr/>
-    </dgm:pt>
-    <dgm:pt modelId="{DBE09D3D-2B69-46BE-B8C5-3340C45C1AFB}" type="pres">
-      <dgm:prSet presAssocID="{22AC7378-C2CC-4494-8E14-A8FCDF3EE7D3}" presName="Name13" presStyleLbl="parChTrans1D2" presStyleIdx="1" presStyleCnt="6"/>
-      <dgm:spPr/>
-    </dgm:pt>
-    <dgm:pt modelId="{A53E98F3-0D35-459C-8837-B972DDB353AA}" type="pres">
-      <dgm:prSet presAssocID="{CBFDCED5-D690-40B4-969B-110482190CFF}" presName="childText" presStyleLbl="bgAcc1" presStyleIdx="1" presStyleCnt="6">
-        <dgm:presLayoutVars>
-          <dgm:bulletEnabled val="1"/>
-        </dgm:presLayoutVars>
-      </dgm:prSet>
-      <dgm:spPr/>
-    </dgm:pt>
-    <dgm:pt modelId="{C90B43D8-5928-409D-8A4C-54BCC6379442}" type="pres">
-      <dgm:prSet presAssocID="{1909BA16-C935-47FF-A44B-4D0AC5FA4B61}" presName="Name13" presStyleLbl="parChTrans1D2" presStyleIdx="2" presStyleCnt="6"/>
-      <dgm:spPr/>
-    </dgm:pt>
-    <dgm:pt modelId="{5E87D211-8C83-4AAE-97E3-0EBFD7F9EE8D}" type="pres">
-      <dgm:prSet presAssocID="{AD49E0F9-1EA2-4021-A961-B146D4E65827}" presName="childText" presStyleLbl="bgAcc1" presStyleIdx="2" presStyleCnt="6">
-        <dgm:presLayoutVars>
-          <dgm:bulletEnabled val="1"/>
-        </dgm:presLayoutVars>
-      </dgm:prSet>
-      <dgm:spPr/>
-    </dgm:pt>
-    <dgm:pt modelId="{7542BA16-70F5-4599-9B24-0FDDA8E7CB3B}" type="pres">
-      <dgm:prSet presAssocID="{9A89ED38-6ADA-4566-BF3A-B7BA56041515}" presName="root" presStyleCnt="0"/>
-      <dgm:spPr/>
-    </dgm:pt>
-    <dgm:pt modelId="{06735191-A371-4EE6-AFDC-AED7BCC72B4B}" type="pres">
-      <dgm:prSet presAssocID="{9A89ED38-6ADA-4566-BF3A-B7BA56041515}" presName="rootComposite" presStyleCnt="0"/>
-      <dgm:spPr/>
-    </dgm:pt>
-    <dgm:pt modelId="{C664D2F5-1838-464B-9422-EAF687B243C3}" type="pres">
-      <dgm:prSet presAssocID="{9A89ED38-6ADA-4566-BF3A-B7BA56041515}" presName="rootText" presStyleLbl="node1" presStyleIdx="1" presStyleCnt="2"/>
-      <dgm:spPr/>
-    </dgm:pt>
-    <dgm:pt modelId="{F96D6DCF-3A5E-48CB-A147-EB872E1BD107}" type="pres">
-      <dgm:prSet presAssocID="{9A89ED38-6ADA-4566-BF3A-B7BA56041515}" presName="rootConnector" presStyleLbl="node1" presStyleIdx="1" presStyleCnt="2"/>
-      <dgm:spPr/>
-    </dgm:pt>
-    <dgm:pt modelId="{7C2755E5-75EE-4047-9454-4C9ED37F2680}" type="pres">
-      <dgm:prSet presAssocID="{9A89ED38-6ADA-4566-BF3A-B7BA56041515}" presName="childShape" presStyleCnt="0"/>
-      <dgm:spPr/>
-    </dgm:pt>
-    <dgm:pt modelId="{5361E9C5-50BD-452A-8317-2A90367555F1}" type="pres">
-      <dgm:prSet presAssocID="{23C2913B-6C53-49F9-A0EF-DA31D8874FC6}" presName="Name13" presStyleLbl="parChTrans1D2" presStyleIdx="3" presStyleCnt="6"/>
-      <dgm:spPr/>
-    </dgm:pt>
-    <dgm:pt modelId="{28FD0BB9-7444-4822-974A-C9F167C0487E}" type="pres">
-      <dgm:prSet presAssocID="{EEEBA79F-FF48-467B-A14D-2959D0C11184}" presName="childText" presStyleLbl="bgAcc1" presStyleIdx="3" presStyleCnt="6">
-        <dgm:presLayoutVars>
-          <dgm:bulletEnabled val="1"/>
-        </dgm:presLayoutVars>
-      </dgm:prSet>
-      <dgm:spPr/>
-    </dgm:pt>
-    <dgm:pt modelId="{54174DB5-C756-49E4-9FF2-5371F584DD07}" type="pres">
-      <dgm:prSet presAssocID="{C1031AF4-F0C4-4456-8574-6A0707634EE4}" presName="Name13" presStyleLbl="parChTrans1D2" presStyleIdx="4" presStyleCnt="6"/>
-      <dgm:spPr/>
-    </dgm:pt>
-    <dgm:pt modelId="{2E71CD1B-CC3D-47B6-BE3E-C6C88A1D2DC7}" type="pres">
-      <dgm:prSet presAssocID="{4757B4E2-02F3-4C2E-93C2-75A12CDA8DA5}" presName="childText" presStyleLbl="bgAcc1" presStyleIdx="4" presStyleCnt="6">
-        <dgm:presLayoutVars>
-          <dgm:bulletEnabled val="1"/>
-        </dgm:presLayoutVars>
-      </dgm:prSet>
-      <dgm:spPr/>
-    </dgm:pt>
-    <dgm:pt modelId="{6F68BB3A-C5A3-45EE-8472-FFB972637987}" type="pres">
-      <dgm:prSet presAssocID="{6F23278A-A561-4EF1-829E-17381AB22458}" presName="Name13" presStyleLbl="parChTrans1D2" presStyleIdx="5" presStyleCnt="6"/>
-      <dgm:spPr/>
-    </dgm:pt>
-    <dgm:pt modelId="{A4FA3EE3-62C1-4529-B3DF-AD89F93E4665}" type="pres">
-      <dgm:prSet presAssocID="{42982281-9E52-4EED-8AE0-10437F4FAA26}" presName="childText" presStyleLbl="bgAcc1" presStyleIdx="5" presStyleCnt="6">
-        <dgm:presLayoutVars>
-          <dgm:bulletEnabled val="1"/>
-        </dgm:presLayoutVars>
-      </dgm:prSet>
-      <dgm:spPr/>
-    </dgm:pt>
-  </dgm:ptLst>
-  <dgm:cxnLst>
-    <dgm:cxn modelId="{089FD52F-F366-4D61-8446-B0C27C257C8C}" type="presOf" srcId="{64CDE7C1-8C23-4781-AC80-F98F05803390}" destId="{FFAB4601-C2B5-4D9E-A3F6-71FE1A2D90AB}" srcOrd="1" destOrd="0" presId="urn:microsoft.com/office/officeart/2005/8/layout/hierarchy3"/>
-    <dgm:cxn modelId="{937B865D-1CD9-47A8-8A3E-F516196FD406}" srcId="{759253FD-F37D-4B16-97CD-02CBB1BAE233}" destId="{9A89ED38-6ADA-4566-BF3A-B7BA56041515}" srcOrd="1" destOrd="0" parTransId="{06759E1A-5C65-4F30-A70F-5C0B4248F9ED}" sibTransId="{386D6DD1-C6E0-4BDD-9FC2-F4E857AE1E28}"/>
-    <dgm:cxn modelId="{75B2475F-4B0F-4F65-9438-108D186014BE}" type="presOf" srcId="{8F1570D1-9819-4A58-B115-1C65BF7D0E2C}" destId="{EF08DD4E-645F-4E54-B724-563DEDFF3E52}" srcOrd="0" destOrd="0" presId="urn:microsoft.com/office/officeart/2005/8/layout/hierarchy3"/>
-    <dgm:cxn modelId="{C562E762-B069-46D3-8E87-D126ECA77386}" type="presOf" srcId="{CBFDCED5-D690-40B4-969B-110482190CFF}" destId="{A53E98F3-0D35-459C-8837-B972DDB353AA}" srcOrd="0" destOrd="0" presId="urn:microsoft.com/office/officeart/2005/8/layout/hierarchy3"/>
-    <dgm:cxn modelId="{DCC27A64-BAAE-4024-ACC6-4CA1CE7D30F0}" type="presOf" srcId="{0A6C85F5-172B-4B9D-9803-D706200BF594}" destId="{9410AF9E-3A9B-4B25-8F57-E998C5BB2C0D}" srcOrd="0" destOrd="0" presId="urn:microsoft.com/office/officeart/2005/8/layout/hierarchy3"/>
-    <dgm:cxn modelId="{77797A66-1C94-4A5B-8FF6-3B61B7BBAEB0}" type="presOf" srcId="{759253FD-F37D-4B16-97CD-02CBB1BAE233}" destId="{FA322088-313C-4DB4-8A20-89F633C44850}" srcOrd="0" destOrd="0" presId="urn:microsoft.com/office/officeart/2005/8/layout/hierarchy3"/>
-    <dgm:cxn modelId="{6661E367-69DB-4BE6-BE80-A346B278642D}" srcId="{64CDE7C1-8C23-4781-AC80-F98F05803390}" destId="{AD49E0F9-1EA2-4021-A961-B146D4E65827}" srcOrd="2" destOrd="0" parTransId="{1909BA16-C935-47FF-A44B-4D0AC5FA4B61}" sibTransId="{66C7D3EC-BE69-4567-8BC9-A54255CA7193}"/>
-    <dgm:cxn modelId="{F823B06D-3525-41A4-89ED-22EC5D45BFBE}" type="presOf" srcId="{C1031AF4-F0C4-4456-8574-6A0707634EE4}" destId="{54174DB5-C756-49E4-9FF2-5371F584DD07}" srcOrd="0" destOrd="0" presId="urn:microsoft.com/office/officeart/2005/8/layout/hierarchy3"/>
-    <dgm:cxn modelId="{11529572-9BDB-476B-8582-2C9D67F05290}" srcId="{64CDE7C1-8C23-4781-AC80-F98F05803390}" destId="{8F1570D1-9819-4A58-B115-1C65BF7D0E2C}" srcOrd="0" destOrd="0" parTransId="{0A6C85F5-172B-4B9D-9803-D706200BF594}" sibTransId="{CB64B37F-242E-4ACE-BE6C-590B47EE0DE5}"/>
-    <dgm:cxn modelId="{B4979575-9ADC-467A-BA9D-6A6F2892D6B0}" srcId="{64CDE7C1-8C23-4781-AC80-F98F05803390}" destId="{CBFDCED5-D690-40B4-969B-110482190CFF}" srcOrd="1" destOrd="0" parTransId="{22AC7378-C2CC-4494-8E14-A8FCDF3EE7D3}" sibTransId="{C08589E1-7002-4F5B-9420-31E19A0091A0}"/>
-    <dgm:cxn modelId="{E9388259-288B-4758-80AA-B35009CA3C85}" srcId="{9A89ED38-6ADA-4566-BF3A-B7BA56041515}" destId="{4757B4E2-02F3-4C2E-93C2-75A12CDA8DA5}" srcOrd="1" destOrd="0" parTransId="{C1031AF4-F0C4-4456-8574-6A0707634EE4}" sibTransId="{9DE38029-E9C6-4FA8-A602-1324BC4D8C6F}"/>
-    <dgm:cxn modelId="{AB678392-2DC3-483A-8312-96AA70ED27C0}" type="presOf" srcId="{42982281-9E52-4EED-8AE0-10437F4FAA26}" destId="{A4FA3EE3-62C1-4529-B3DF-AD89F93E4665}" srcOrd="0" destOrd="0" presId="urn:microsoft.com/office/officeart/2005/8/layout/hierarchy3"/>
-    <dgm:cxn modelId="{7F84D79A-867A-48DC-959E-428A5ED2A9A9}" srcId="{9A89ED38-6ADA-4566-BF3A-B7BA56041515}" destId="{42982281-9E52-4EED-8AE0-10437F4FAA26}" srcOrd="2" destOrd="0" parTransId="{6F23278A-A561-4EF1-829E-17381AB22458}" sibTransId="{464FAA57-357A-413B-ABFC-3E48F6B07B7A}"/>
-    <dgm:cxn modelId="{D9A12E9B-401E-4CE1-A29E-55C85E42F732}" type="presOf" srcId="{AD49E0F9-1EA2-4021-A961-B146D4E65827}" destId="{5E87D211-8C83-4AAE-97E3-0EBFD7F9EE8D}" srcOrd="0" destOrd="0" presId="urn:microsoft.com/office/officeart/2005/8/layout/hierarchy3"/>
-    <dgm:cxn modelId="{CC8625A3-F886-468F-B655-173AE9BB1AEF}" type="presOf" srcId="{23C2913B-6C53-49F9-A0EF-DA31D8874FC6}" destId="{5361E9C5-50BD-452A-8317-2A90367555F1}" srcOrd="0" destOrd="0" presId="urn:microsoft.com/office/officeart/2005/8/layout/hierarchy3"/>
-    <dgm:cxn modelId="{2EB9F4BD-D04F-4785-8EB4-63025B487DC0}" type="presOf" srcId="{9A89ED38-6ADA-4566-BF3A-B7BA56041515}" destId="{C664D2F5-1838-464B-9422-EAF687B243C3}" srcOrd="0" destOrd="0" presId="urn:microsoft.com/office/officeart/2005/8/layout/hierarchy3"/>
-    <dgm:cxn modelId="{CCE8C9C0-DA1A-49CA-8AD9-DC4ABC48A92F}" srcId="{9A89ED38-6ADA-4566-BF3A-B7BA56041515}" destId="{EEEBA79F-FF48-467B-A14D-2959D0C11184}" srcOrd="0" destOrd="0" parTransId="{23C2913B-6C53-49F9-A0EF-DA31D8874FC6}" sibTransId="{3516ECF1-9D6C-473E-87F7-E78653D6D3F9}"/>
-    <dgm:cxn modelId="{D6607EC2-6F94-49A3-9F61-E82023CFAD22}" type="presOf" srcId="{EEEBA79F-FF48-467B-A14D-2959D0C11184}" destId="{28FD0BB9-7444-4822-974A-C9F167C0487E}" srcOrd="0" destOrd="0" presId="urn:microsoft.com/office/officeart/2005/8/layout/hierarchy3"/>
-    <dgm:cxn modelId="{E6B196C7-7DBA-4746-88E2-4ACA9954F007}" type="presOf" srcId="{22AC7378-C2CC-4494-8E14-A8FCDF3EE7D3}" destId="{DBE09D3D-2B69-46BE-B8C5-3340C45C1AFB}" srcOrd="0" destOrd="0" presId="urn:microsoft.com/office/officeart/2005/8/layout/hierarchy3"/>
-    <dgm:cxn modelId="{18FC30D3-731A-4F02-A3F7-47710F8AD84C}" type="presOf" srcId="{9A89ED38-6ADA-4566-BF3A-B7BA56041515}" destId="{F96D6DCF-3A5E-48CB-A147-EB872E1BD107}" srcOrd="1" destOrd="0" presId="urn:microsoft.com/office/officeart/2005/8/layout/hierarchy3"/>
-    <dgm:cxn modelId="{068CA9D6-8A9C-4DC6-BAE7-DB80F578C15D}" type="presOf" srcId="{64CDE7C1-8C23-4781-AC80-F98F05803390}" destId="{0DF08825-D5A2-49D3-8A04-108FD30BE374}" srcOrd="0" destOrd="0" presId="urn:microsoft.com/office/officeart/2005/8/layout/hierarchy3"/>
-    <dgm:cxn modelId="{38DF90EB-AAF6-423C-BFB8-3419004770F8}" type="presOf" srcId="{4757B4E2-02F3-4C2E-93C2-75A12CDA8DA5}" destId="{2E71CD1B-CC3D-47B6-BE3E-C6C88A1D2DC7}" srcOrd="0" destOrd="0" presId="urn:microsoft.com/office/officeart/2005/8/layout/hierarchy3"/>
-    <dgm:cxn modelId="{BA7C76ED-2466-47C2-A06E-E2C0C37E23CD}" srcId="{759253FD-F37D-4B16-97CD-02CBB1BAE233}" destId="{64CDE7C1-8C23-4781-AC80-F98F05803390}" srcOrd="0" destOrd="0" parTransId="{A8A158EF-FB57-493F-ABA3-81FA8A5D70E4}" sibTransId="{661E3742-9A45-4D02-94D2-871859E0ABE9}"/>
-    <dgm:cxn modelId="{2E5B79F7-2C60-4CA8-AFDB-2C4CA53D02C6}" type="presOf" srcId="{6F23278A-A561-4EF1-829E-17381AB22458}" destId="{6F68BB3A-C5A3-45EE-8472-FFB972637987}" srcOrd="0" destOrd="0" presId="urn:microsoft.com/office/officeart/2005/8/layout/hierarchy3"/>
-    <dgm:cxn modelId="{95F310FD-D761-4739-8F81-F78B56828E63}" type="presOf" srcId="{1909BA16-C935-47FF-A44B-4D0AC5FA4B61}" destId="{C90B43D8-5928-409D-8A4C-54BCC6379442}" srcOrd="0" destOrd="0" presId="urn:microsoft.com/office/officeart/2005/8/layout/hierarchy3"/>
-    <dgm:cxn modelId="{2FB7AD04-CAEC-428B-8586-0DDEB4511578}" type="presParOf" srcId="{FA322088-313C-4DB4-8A20-89F633C44850}" destId="{7DFC85EA-026E-4892-AEF4-5B026E766CBC}" srcOrd="0" destOrd="0" presId="urn:microsoft.com/office/officeart/2005/8/layout/hierarchy3"/>
-    <dgm:cxn modelId="{0E24064E-4C5C-4515-BDD9-CFA0BC7BB0D9}" type="presParOf" srcId="{7DFC85EA-026E-4892-AEF4-5B026E766CBC}" destId="{1B82862D-4768-437E-9BD9-CFB4F3ED4159}" srcOrd="0" destOrd="0" presId="urn:microsoft.com/office/officeart/2005/8/layout/hierarchy3"/>
-    <dgm:cxn modelId="{D58DAE98-F02A-4C7A-BB51-F844FBCB4373}" type="presParOf" srcId="{1B82862D-4768-437E-9BD9-CFB4F3ED4159}" destId="{0DF08825-D5A2-49D3-8A04-108FD30BE374}" srcOrd="0" destOrd="0" presId="urn:microsoft.com/office/officeart/2005/8/layout/hierarchy3"/>
-    <dgm:cxn modelId="{0ABAD6AB-F6DB-4FDF-93AC-F3A15B5743DB}" type="presParOf" srcId="{1B82862D-4768-437E-9BD9-CFB4F3ED4159}" destId="{FFAB4601-C2B5-4D9E-A3F6-71FE1A2D90AB}" srcOrd="1" destOrd="0" presId="urn:microsoft.com/office/officeart/2005/8/layout/hierarchy3"/>
-    <dgm:cxn modelId="{943440FE-FEC9-4D20-B575-FCD99EC25DA5}" type="presParOf" srcId="{7DFC85EA-026E-4892-AEF4-5B026E766CBC}" destId="{07836B60-D463-4002-A71C-35C25A524899}" srcOrd="1" destOrd="0" presId="urn:microsoft.com/office/officeart/2005/8/layout/hierarchy3"/>
-    <dgm:cxn modelId="{F9B09DF2-3AAC-41E3-8E4A-2B01FEB3E584}" type="presParOf" srcId="{07836B60-D463-4002-A71C-35C25A524899}" destId="{9410AF9E-3A9B-4B25-8F57-E998C5BB2C0D}" srcOrd="0" destOrd="0" presId="urn:microsoft.com/office/officeart/2005/8/layout/hierarchy3"/>
-    <dgm:cxn modelId="{3C36E92F-345B-4B5D-A3B6-46E0FF07BCD1}" type="presParOf" srcId="{07836B60-D463-4002-A71C-35C25A524899}" destId="{EF08DD4E-645F-4E54-B724-563DEDFF3E52}" srcOrd="1" destOrd="0" presId="urn:microsoft.com/office/officeart/2005/8/layout/hierarchy3"/>
-    <dgm:cxn modelId="{0F957A3F-867C-4063-BB57-A551EC0585FC}" type="presParOf" srcId="{07836B60-D463-4002-A71C-35C25A524899}" destId="{DBE09D3D-2B69-46BE-B8C5-3340C45C1AFB}" srcOrd="2" destOrd="0" presId="urn:microsoft.com/office/officeart/2005/8/layout/hierarchy3"/>
-    <dgm:cxn modelId="{9B9F6847-41BA-4086-9925-18E6F0704800}" type="presParOf" srcId="{07836B60-D463-4002-A71C-35C25A524899}" destId="{A53E98F3-0D35-459C-8837-B972DDB353AA}" srcOrd="3" destOrd="0" presId="urn:microsoft.com/office/officeart/2005/8/layout/hierarchy3"/>
-    <dgm:cxn modelId="{0319C9E4-20D9-4C50-9B65-A7739901149F}" type="presParOf" srcId="{07836B60-D463-4002-A71C-35C25A524899}" destId="{C90B43D8-5928-409D-8A4C-54BCC6379442}" srcOrd="4" destOrd="0" presId="urn:microsoft.com/office/officeart/2005/8/layout/hierarchy3"/>
-    <dgm:cxn modelId="{7FD4B9E0-A167-43E3-A201-ACF0462114BB}" type="presParOf" srcId="{07836B60-D463-4002-A71C-35C25A524899}" destId="{5E87D211-8C83-4AAE-97E3-0EBFD7F9EE8D}" srcOrd="5" destOrd="0" presId="urn:microsoft.com/office/officeart/2005/8/layout/hierarchy3"/>
-    <dgm:cxn modelId="{899F1843-E988-4327-92A9-9512EB48F8B0}" type="presParOf" srcId="{FA322088-313C-4DB4-8A20-89F633C44850}" destId="{7542BA16-70F5-4599-9B24-0FDDA8E7CB3B}" srcOrd="1" destOrd="0" presId="urn:microsoft.com/office/officeart/2005/8/layout/hierarchy3"/>
-    <dgm:cxn modelId="{A8CDE81C-59CB-4F8F-B6C4-78CD1BA28794}" type="presParOf" srcId="{7542BA16-70F5-4599-9B24-0FDDA8E7CB3B}" destId="{06735191-A371-4EE6-AFDC-AED7BCC72B4B}" srcOrd="0" destOrd="0" presId="urn:microsoft.com/office/officeart/2005/8/layout/hierarchy3"/>
-    <dgm:cxn modelId="{37CDCEDD-4A43-4CA4-A8CC-3E8C15987243}" type="presParOf" srcId="{06735191-A371-4EE6-AFDC-AED7BCC72B4B}" destId="{C664D2F5-1838-464B-9422-EAF687B243C3}" srcOrd="0" destOrd="0" presId="urn:microsoft.com/office/officeart/2005/8/layout/hierarchy3"/>
-    <dgm:cxn modelId="{C531016D-F50E-4D29-9D80-7AF21E02DD13}" type="presParOf" srcId="{06735191-A371-4EE6-AFDC-AED7BCC72B4B}" destId="{F96D6DCF-3A5E-48CB-A147-EB872E1BD107}" srcOrd="1" destOrd="0" presId="urn:microsoft.com/office/officeart/2005/8/layout/hierarchy3"/>
-    <dgm:cxn modelId="{1372CA5B-09FB-41EE-BA61-66449B40B432}" type="presParOf" srcId="{7542BA16-70F5-4599-9B24-0FDDA8E7CB3B}" destId="{7C2755E5-75EE-4047-9454-4C9ED37F2680}" srcOrd="1" destOrd="0" presId="urn:microsoft.com/office/officeart/2005/8/layout/hierarchy3"/>
-    <dgm:cxn modelId="{B2FE2530-2934-47A6-9379-41A5CC585C56}" type="presParOf" srcId="{7C2755E5-75EE-4047-9454-4C9ED37F2680}" destId="{5361E9C5-50BD-452A-8317-2A90367555F1}" srcOrd="0" destOrd="0" presId="urn:microsoft.com/office/officeart/2005/8/layout/hierarchy3"/>
-    <dgm:cxn modelId="{1C1C32A1-F1A8-41FB-B633-113CC97BEFC6}" type="presParOf" srcId="{7C2755E5-75EE-4047-9454-4C9ED37F2680}" destId="{28FD0BB9-7444-4822-974A-C9F167C0487E}" srcOrd="1" destOrd="0" presId="urn:microsoft.com/office/officeart/2005/8/layout/hierarchy3"/>
-    <dgm:cxn modelId="{7B0FCC18-22CD-4F38-B2BE-14765F918820}" type="presParOf" srcId="{7C2755E5-75EE-4047-9454-4C9ED37F2680}" destId="{54174DB5-C756-49E4-9FF2-5371F584DD07}" srcOrd="2" destOrd="0" presId="urn:microsoft.com/office/officeart/2005/8/layout/hierarchy3"/>
-    <dgm:cxn modelId="{440E8146-5FEE-4807-A1C5-E889B8D8FB0A}" type="presParOf" srcId="{7C2755E5-75EE-4047-9454-4C9ED37F2680}" destId="{2E71CD1B-CC3D-47B6-BE3E-C6C88A1D2DC7}" srcOrd="3" destOrd="0" presId="urn:microsoft.com/office/officeart/2005/8/layout/hierarchy3"/>
-    <dgm:cxn modelId="{D1775977-03E4-4FCD-926C-076538D0F738}" type="presParOf" srcId="{7C2755E5-75EE-4047-9454-4C9ED37F2680}" destId="{6F68BB3A-C5A3-45EE-8472-FFB972637987}" srcOrd="4" destOrd="0" presId="urn:microsoft.com/office/officeart/2005/8/layout/hierarchy3"/>
-    <dgm:cxn modelId="{A0D1923C-2B23-408D-9C7C-8FC0530A4005}" type="presParOf" srcId="{7C2755E5-75EE-4047-9454-4C9ED37F2680}" destId="{A4FA3EE3-62C1-4529-B3DF-AD89F93E4665}" srcOrd="5" destOrd="0" presId="urn:microsoft.com/office/officeart/2005/8/layout/hierarchy3"/>
-  </dgm:cxnLst>
-  <dgm:bg/>
-  <dgm:whole/>
-  <dgm:extLst>
-    <a:ext uri="http://schemas.microsoft.com/office/drawing/2008/diagram">
-      <dsp:dataModelExt xmlns:dsp="http://schemas.microsoft.com/office/drawing/2008/diagram" relId="rId7" minVer="http://schemas.openxmlformats.org/drawingml/2006/diagram"/>
-    </a:ext>
-  </dgm:extLst>
-</dgm:dataModel>
-</file>
-
-<file path=ppt/diagrams/drawing1.xml><?xml version="1.0" encoding="utf-8"?>
-<dsp:drawing xmlns:dgm="http://schemas.openxmlformats.org/drawingml/2006/diagram" xmlns:dsp="http://schemas.microsoft.com/office/drawing/2008/diagram" xmlns:a="http://schemas.openxmlformats.org/drawingml/2006/main">
-  <dsp:spTree>
-    <dsp:nvGrpSpPr>
-      <dsp:cNvPr id="0" name=""/>
-      <dsp:cNvGrpSpPr/>
-    </dsp:nvGrpSpPr>
-    <dsp:grpSpPr/>
-    <dsp:sp modelId="{0DF08825-D5A2-49D3-8A04-108FD30BE374}">
-      <dsp:nvSpPr>
-        <dsp:cNvPr id="0" name=""/>
-        <dsp:cNvSpPr/>
-      </dsp:nvSpPr>
-      <dsp:spPr>
-        <a:xfrm>
-          <a:off x="4189014" y="2005"/>
-          <a:ext cx="1989814" cy="820979"/>
-        </a:xfrm>
-        <a:prstGeom prst="roundRect">
-          <a:avLst>
-            <a:gd name="adj" fmla="val 10000"/>
-          </a:avLst>
-        </a:prstGeom>
-        <a:solidFill>
-          <a:schemeClr val="accent1">
-            <a:hueOff val="0"/>
-            <a:satOff val="0"/>
-            <a:lumOff val="0"/>
-            <a:alphaOff val="0"/>
-          </a:schemeClr>
-        </a:solidFill>
-        <a:ln w="12700" cap="flat" cmpd="sng" algn="ctr">
-          <a:solidFill>
-            <a:schemeClr val="lt1">
-              <a:hueOff val="0"/>
-              <a:satOff val="0"/>
-              <a:lumOff val="0"/>
-              <a:alphaOff val="0"/>
-            </a:schemeClr>
-          </a:solidFill>
-          <a:prstDash val="solid"/>
-          <a:miter lim="800000"/>
-        </a:ln>
-        <a:effectLst/>
-      </dsp:spPr>
-      <dsp:style>
-        <a:lnRef idx="2">
-          <a:scrgbClr r="0" g="0" b="0"/>
-        </a:lnRef>
-        <a:fillRef idx="1">
-          <a:scrgbClr r="0" g="0" b="0"/>
-        </a:fillRef>
-        <a:effectRef idx="0">
-          <a:scrgbClr r="0" g="0" b="0"/>
-        </a:effectRef>
-        <a:fontRef idx="minor">
-          <a:schemeClr val="lt1"/>
-        </a:fontRef>
-      </dsp:style>
-      <dsp:txBody>
-        <a:bodyPr spcFirstLastPara="0" vert="horz" wrap="square" lIns="28575" tIns="19050" rIns="28575" bIns="19050" numCol="1" spcCol="1270" anchor="ctr" anchorCtr="0">
-          <a:noAutofit/>
-        </a:bodyPr>
-        <a:lstStyle/>
-        <a:p>
-          <a:pPr marL="0" lvl="0" indent="0" algn="ctr" defTabSz="666750">
-            <a:lnSpc>
-              <a:spcPct val="90000"/>
-            </a:lnSpc>
-            <a:spcBef>
-              <a:spcPct val="0"/>
-            </a:spcBef>
-            <a:spcAft>
-              <a:spcPct val="35000"/>
-            </a:spcAft>
-            <a:buNone/>
-          </a:pPr>
-          <a:r>
-            <a:rPr lang="en-IN" sz="1500" kern="1200" dirty="0"/>
-            <a:t>FRONTEND</a:t>
-          </a:r>
-        </a:p>
-      </dsp:txBody>
-      <dsp:txXfrm>
-        <a:off x="4213060" y="26051"/>
-        <a:ext cx="1941722" cy="772887"/>
-      </dsp:txXfrm>
-    </dsp:sp>
-    <dsp:sp modelId="{9410AF9E-3A9B-4B25-8F57-E998C5BB2C0D}">
-      <dsp:nvSpPr>
-        <dsp:cNvPr id="0" name=""/>
-        <dsp:cNvSpPr/>
-      </dsp:nvSpPr>
-      <dsp:spPr>
-        <a:xfrm>
-          <a:off x="4387995" y="822985"/>
-          <a:ext cx="198981" cy="660552"/>
-        </a:xfrm>
-        <a:custGeom>
-          <a:avLst/>
-          <a:gdLst/>
-          <a:ahLst/>
-          <a:cxnLst/>
-          <a:rect l="0" t="0" r="0" b="0"/>
-          <a:pathLst>
-            <a:path>
-              <a:moveTo>
-                <a:pt x="0" y="0"/>
-              </a:moveTo>
-              <a:lnTo>
-                <a:pt x="0" y="660552"/>
-              </a:lnTo>
-              <a:lnTo>
-                <a:pt x="198981" y="660552"/>
-              </a:lnTo>
-            </a:path>
-          </a:pathLst>
-        </a:custGeom>
-        <a:noFill/>
-        <a:ln w="12700" cap="flat" cmpd="sng" algn="ctr">
-          <a:solidFill>
-            <a:schemeClr val="accent1">
-              <a:shade val="60000"/>
-              <a:hueOff val="0"/>
-              <a:satOff val="0"/>
-              <a:lumOff val="0"/>
-              <a:alphaOff val="0"/>
-            </a:schemeClr>
-          </a:solidFill>
-          <a:prstDash val="solid"/>
-          <a:miter lim="800000"/>
-        </a:ln>
-        <a:effectLst/>
-      </dsp:spPr>
-      <dsp:style>
-        <a:lnRef idx="2">
-          <a:scrgbClr r="0" g="0" b="0"/>
-        </a:lnRef>
-        <a:fillRef idx="0">
-          <a:scrgbClr r="0" g="0" b="0"/>
-        </a:fillRef>
-        <a:effectRef idx="0">
-          <a:scrgbClr r="0" g="0" b="0"/>
-        </a:effectRef>
-        <a:fontRef idx="minor"/>
-      </dsp:style>
-    </dsp:sp>
-    <dsp:sp modelId="{EF08DD4E-645F-4E54-B724-563DEDFF3E52}">
-      <dsp:nvSpPr>
-        <dsp:cNvPr id="0" name=""/>
-        <dsp:cNvSpPr/>
-      </dsp:nvSpPr>
-      <dsp:spPr>
-        <a:xfrm>
-          <a:off x="4586977" y="1043169"/>
-          <a:ext cx="1409179" cy="880737"/>
-        </a:xfrm>
-        <a:prstGeom prst="roundRect">
-          <a:avLst>
-            <a:gd name="adj" fmla="val 10000"/>
-          </a:avLst>
-        </a:prstGeom>
-        <a:solidFill>
-          <a:schemeClr val="lt1">
-            <a:alpha val="90000"/>
-            <a:hueOff val="0"/>
-            <a:satOff val="0"/>
-            <a:lumOff val="0"/>
-            <a:alphaOff val="0"/>
-          </a:schemeClr>
-        </a:solidFill>
-        <a:ln w="12700" cap="flat" cmpd="sng" algn="ctr">
-          <a:solidFill>
-            <a:schemeClr val="accent1">
-              <a:hueOff val="0"/>
-              <a:satOff val="0"/>
-              <a:lumOff val="0"/>
-              <a:alphaOff val="0"/>
-            </a:schemeClr>
-          </a:solidFill>
-          <a:prstDash val="solid"/>
-          <a:miter lim="800000"/>
-        </a:ln>
-        <a:effectLst/>
-      </dsp:spPr>
-      <dsp:style>
-        <a:lnRef idx="2">
-          <a:scrgbClr r="0" g="0" b="0"/>
-        </a:lnRef>
-        <a:fillRef idx="1">
-          <a:scrgbClr r="0" g="0" b="0"/>
-        </a:fillRef>
-        <a:effectRef idx="0">
-          <a:scrgbClr r="0" g="0" b="0"/>
-        </a:effectRef>
-        <a:fontRef idx="minor"/>
-      </dsp:style>
-      <dsp:txBody>
-        <a:bodyPr spcFirstLastPara="0" vert="horz" wrap="square" lIns="28575" tIns="19050" rIns="28575" bIns="19050" numCol="1" spcCol="1270" anchor="ctr" anchorCtr="0">
-          <a:noAutofit/>
-        </a:bodyPr>
-        <a:lstStyle/>
-        <a:p>
-          <a:pPr marL="0" lvl="0" indent="0" algn="ctr" defTabSz="666750">
-            <a:lnSpc>
-              <a:spcPct val="90000"/>
-            </a:lnSpc>
-            <a:spcBef>
-              <a:spcPct val="0"/>
-            </a:spcBef>
-            <a:spcAft>
-              <a:spcPct val="35000"/>
-            </a:spcAft>
-            <a:buNone/>
-          </a:pPr>
-          <a:r>
-            <a:rPr lang="en-IN" sz="1500" kern="1200" dirty="0"/>
-            <a:t>REACT.JS</a:t>
-          </a:r>
-        </a:p>
-      </dsp:txBody>
-      <dsp:txXfrm>
-        <a:off x="4612773" y="1068965"/>
-        <a:ext cx="1357587" cy="829145"/>
-      </dsp:txXfrm>
-    </dsp:sp>
-    <dsp:sp modelId="{DBE09D3D-2B69-46BE-B8C5-3340C45C1AFB}">
-      <dsp:nvSpPr>
-        <dsp:cNvPr id="0" name=""/>
-        <dsp:cNvSpPr/>
-      </dsp:nvSpPr>
-      <dsp:spPr>
-        <a:xfrm>
-          <a:off x="4387995" y="822985"/>
-          <a:ext cx="198981" cy="1761474"/>
-        </a:xfrm>
-        <a:custGeom>
-          <a:avLst/>
-          <a:gdLst/>
-          <a:ahLst/>
-          <a:cxnLst/>
-          <a:rect l="0" t="0" r="0" b="0"/>
-          <a:pathLst>
-            <a:path>
-              <a:moveTo>
-                <a:pt x="0" y="0"/>
-              </a:moveTo>
-              <a:lnTo>
-                <a:pt x="0" y="1761474"/>
-              </a:lnTo>
-              <a:lnTo>
-                <a:pt x="198981" y="1761474"/>
-              </a:lnTo>
-            </a:path>
-          </a:pathLst>
-        </a:custGeom>
-        <a:noFill/>
-        <a:ln w="12700" cap="flat" cmpd="sng" algn="ctr">
-          <a:solidFill>
-            <a:schemeClr val="accent1">
-              <a:shade val="60000"/>
-              <a:hueOff val="0"/>
-              <a:satOff val="0"/>
-              <a:lumOff val="0"/>
-              <a:alphaOff val="0"/>
-            </a:schemeClr>
-          </a:solidFill>
-          <a:prstDash val="solid"/>
-          <a:miter lim="800000"/>
-        </a:ln>
-        <a:effectLst/>
-      </dsp:spPr>
-      <dsp:style>
-        <a:lnRef idx="2">
-          <a:scrgbClr r="0" g="0" b="0"/>
-        </a:lnRef>
-        <a:fillRef idx="0">
-          <a:scrgbClr r="0" g="0" b="0"/>
-        </a:fillRef>
-        <a:effectRef idx="0">
-          <a:scrgbClr r="0" g="0" b="0"/>
-        </a:effectRef>
-        <a:fontRef idx="minor"/>
-      </dsp:style>
-    </dsp:sp>
-    <dsp:sp modelId="{A53E98F3-0D35-459C-8837-B972DDB353AA}">
-      <dsp:nvSpPr>
-        <dsp:cNvPr id="0" name=""/>
-        <dsp:cNvSpPr/>
-      </dsp:nvSpPr>
-      <dsp:spPr>
-        <a:xfrm>
-          <a:off x="4586977" y="2144091"/>
-          <a:ext cx="1409179" cy="880737"/>
-        </a:xfrm>
-        <a:prstGeom prst="roundRect">
-          <a:avLst>
-            <a:gd name="adj" fmla="val 10000"/>
-          </a:avLst>
-        </a:prstGeom>
-        <a:solidFill>
-          <a:schemeClr val="lt1">
-            <a:alpha val="90000"/>
-            <a:hueOff val="0"/>
-            <a:satOff val="0"/>
-            <a:lumOff val="0"/>
-            <a:alphaOff val="0"/>
-          </a:schemeClr>
-        </a:solidFill>
-        <a:ln w="12700" cap="flat" cmpd="sng" algn="ctr">
-          <a:solidFill>
-            <a:schemeClr val="accent1">
-              <a:hueOff val="0"/>
-              <a:satOff val="0"/>
-              <a:lumOff val="0"/>
-              <a:alphaOff val="0"/>
-            </a:schemeClr>
-          </a:solidFill>
-          <a:prstDash val="solid"/>
-          <a:miter lim="800000"/>
-        </a:ln>
-        <a:effectLst/>
-      </dsp:spPr>
-      <dsp:style>
-        <a:lnRef idx="2">
-          <a:scrgbClr r="0" g="0" b="0"/>
-        </a:lnRef>
-        <a:fillRef idx="1">
-          <a:scrgbClr r="0" g="0" b="0"/>
-        </a:fillRef>
-        <a:effectRef idx="0">
-          <a:scrgbClr r="0" g="0" b="0"/>
-        </a:effectRef>
-        <a:fontRef idx="minor"/>
-      </dsp:style>
-      <dsp:txBody>
-        <a:bodyPr spcFirstLastPara="0" vert="horz" wrap="square" lIns="28575" tIns="19050" rIns="28575" bIns="19050" numCol="1" spcCol="1270" anchor="ctr" anchorCtr="0">
-          <a:noAutofit/>
-        </a:bodyPr>
-        <a:lstStyle/>
-        <a:p>
-          <a:pPr marL="0" lvl="0" indent="0" algn="ctr" defTabSz="666750">
-            <a:lnSpc>
-              <a:spcPct val="90000"/>
-            </a:lnSpc>
-            <a:spcBef>
-              <a:spcPct val="0"/>
-            </a:spcBef>
-            <a:spcAft>
-              <a:spcPct val="35000"/>
-            </a:spcAft>
-            <a:buNone/>
-          </a:pPr>
-          <a:r>
-            <a:rPr lang="en-IN" sz="1500" kern="1200" dirty="0"/>
-            <a:t>HTML/CSS</a:t>
-          </a:r>
-        </a:p>
-      </dsp:txBody>
-      <dsp:txXfrm>
-        <a:off x="4612773" y="2169887"/>
-        <a:ext cx="1357587" cy="829145"/>
-      </dsp:txXfrm>
-    </dsp:sp>
-    <dsp:sp modelId="{C90B43D8-5928-409D-8A4C-54BCC6379442}">
-      <dsp:nvSpPr>
-        <dsp:cNvPr id="0" name=""/>
-        <dsp:cNvSpPr/>
-      </dsp:nvSpPr>
-      <dsp:spPr>
-        <a:xfrm>
-          <a:off x="4387995" y="822985"/>
-          <a:ext cx="198981" cy="2862396"/>
-        </a:xfrm>
-        <a:custGeom>
-          <a:avLst/>
-          <a:gdLst/>
-          <a:ahLst/>
-          <a:cxnLst/>
-          <a:rect l="0" t="0" r="0" b="0"/>
-          <a:pathLst>
-            <a:path>
-              <a:moveTo>
-                <a:pt x="0" y="0"/>
-              </a:moveTo>
-              <a:lnTo>
-                <a:pt x="0" y="2862396"/>
-              </a:lnTo>
-              <a:lnTo>
-                <a:pt x="198981" y="2862396"/>
-              </a:lnTo>
-            </a:path>
-          </a:pathLst>
-        </a:custGeom>
-        <a:noFill/>
-        <a:ln w="12700" cap="flat" cmpd="sng" algn="ctr">
-          <a:solidFill>
-            <a:schemeClr val="accent1">
-              <a:shade val="60000"/>
-              <a:hueOff val="0"/>
-              <a:satOff val="0"/>
-              <a:lumOff val="0"/>
-              <a:alphaOff val="0"/>
-            </a:schemeClr>
-          </a:solidFill>
-          <a:prstDash val="solid"/>
-          <a:miter lim="800000"/>
-        </a:ln>
-        <a:effectLst/>
-      </dsp:spPr>
-      <dsp:style>
-        <a:lnRef idx="2">
-          <a:scrgbClr r="0" g="0" b="0"/>
-        </a:lnRef>
-        <a:fillRef idx="0">
-          <a:scrgbClr r="0" g="0" b="0"/>
-        </a:fillRef>
-        <a:effectRef idx="0">
-          <a:scrgbClr r="0" g="0" b="0"/>
-        </a:effectRef>
-        <a:fontRef idx="minor"/>
-      </dsp:style>
-    </dsp:sp>
-    <dsp:sp modelId="{5E87D211-8C83-4AAE-97E3-0EBFD7F9EE8D}">
-      <dsp:nvSpPr>
-        <dsp:cNvPr id="0" name=""/>
-        <dsp:cNvSpPr/>
-      </dsp:nvSpPr>
-      <dsp:spPr>
-        <a:xfrm>
-          <a:off x="4586977" y="3245012"/>
-          <a:ext cx="1409179" cy="880737"/>
-        </a:xfrm>
-        <a:prstGeom prst="roundRect">
-          <a:avLst>
-            <a:gd name="adj" fmla="val 10000"/>
-          </a:avLst>
-        </a:prstGeom>
-        <a:solidFill>
-          <a:schemeClr val="lt1">
-            <a:alpha val="90000"/>
-            <a:hueOff val="0"/>
-            <a:satOff val="0"/>
-            <a:lumOff val="0"/>
-            <a:alphaOff val="0"/>
-          </a:schemeClr>
-        </a:solidFill>
-        <a:ln w="12700" cap="flat" cmpd="sng" algn="ctr">
-          <a:solidFill>
-            <a:schemeClr val="accent1">
-              <a:hueOff val="0"/>
-              <a:satOff val="0"/>
-              <a:lumOff val="0"/>
-              <a:alphaOff val="0"/>
-            </a:schemeClr>
-          </a:solidFill>
-          <a:prstDash val="solid"/>
-          <a:miter lim="800000"/>
-        </a:ln>
-        <a:effectLst/>
-      </dsp:spPr>
-      <dsp:style>
-        <a:lnRef idx="2">
-          <a:scrgbClr r="0" g="0" b="0"/>
-        </a:lnRef>
-        <a:fillRef idx="1">
-          <a:scrgbClr r="0" g="0" b="0"/>
-        </a:fillRef>
-        <a:effectRef idx="0">
-          <a:scrgbClr r="0" g="0" b="0"/>
-        </a:effectRef>
-        <a:fontRef idx="minor"/>
-      </dsp:style>
-      <dsp:txBody>
-        <a:bodyPr spcFirstLastPara="0" vert="horz" wrap="square" lIns="28575" tIns="19050" rIns="28575" bIns="19050" numCol="1" spcCol="1270" anchor="ctr" anchorCtr="0">
-          <a:noAutofit/>
-        </a:bodyPr>
-        <a:lstStyle/>
-        <a:p>
-          <a:pPr marL="0" lvl="0" indent="0" algn="ctr" defTabSz="666750">
-            <a:lnSpc>
-              <a:spcPct val="90000"/>
-            </a:lnSpc>
-            <a:spcBef>
-              <a:spcPct val="0"/>
-            </a:spcBef>
-            <a:spcAft>
-              <a:spcPct val="35000"/>
-            </a:spcAft>
-            <a:buNone/>
-          </a:pPr>
-          <a:r>
-            <a:rPr lang="en-IN" sz="1500" kern="1200" dirty="0"/>
-            <a:t>D3.JS</a:t>
-          </a:r>
-        </a:p>
-      </dsp:txBody>
-      <dsp:txXfrm>
-        <a:off x="4612773" y="3270808"/>
-        <a:ext cx="1357587" cy="829145"/>
-      </dsp:txXfrm>
-    </dsp:sp>
-    <dsp:sp modelId="{C664D2F5-1838-464B-9422-EAF687B243C3}">
-      <dsp:nvSpPr>
-        <dsp:cNvPr id="0" name=""/>
-        <dsp:cNvSpPr/>
-      </dsp:nvSpPr>
-      <dsp:spPr>
-        <a:xfrm>
-          <a:off x="6619197" y="2005"/>
-          <a:ext cx="1761474" cy="880737"/>
-        </a:xfrm>
-        <a:prstGeom prst="roundRect">
-          <a:avLst>
-            <a:gd name="adj" fmla="val 10000"/>
-          </a:avLst>
-        </a:prstGeom>
-        <a:solidFill>
-          <a:schemeClr val="accent1">
-            <a:hueOff val="0"/>
-            <a:satOff val="0"/>
-            <a:lumOff val="0"/>
-            <a:alphaOff val="0"/>
-          </a:schemeClr>
-        </a:solidFill>
-        <a:ln w="12700" cap="flat" cmpd="sng" algn="ctr">
-          <a:solidFill>
-            <a:schemeClr val="lt1">
-              <a:hueOff val="0"/>
-              <a:satOff val="0"/>
-              <a:lumOff val="0"/>
-              <a:alphaOff val="0"/>
-            </a:schemeClr>
-          </a:solidFill>
-          <a:prstDash val="solid"/>
-          <a:miter lim="800000"/>
-        </a:ln>
-        <a:effectLst/>
-      </dsp:spPr>
-      <dsp:style>
-        <a:lnRef idx="2">
-          <a:scrgbClr r="0" g="0" b="0"/>
-        </a:lnRef>
-        <a:fillRef idx="1">
-          <a:scrgbClr r="0" g="0" b="0"/>
-        </a:fillRef>
-        <a:effectRef idx="0">
-          <a:scrgbClr r="0" g="0" b="0"/>
-        </a:effectRef>
-        <a:fontRef idx="minor">
-          <a:schemeClr val="lt1"/>
-        </a:fontRef>
-      </dsp:style>
-      <dsp:txBody>
-        <a:bodyPr spcFirstLastPara="0" vert="horz" wrap="square" lIns="28575" tIns="19050" rIns="28575" bIns="19050" numCol="1" spcCol="1270" anchor="ctr" anchorCtr="0">
-          <a:noAutofit/>
-        </a:bodyPr>
-        <a:lstStyle/>
-        <a:p>
-          <a:pPr marL="0" lvl="0" indent="0" algn="ctr" defTabSz="666750">
-            <a:lnSpc>
-              <a:spcPct val="90000"/>
-            </a:lnSpc>
-            <a:spcBef>
-              <a:spcPct val="0"/>
-            </a:spcBef>
-            <a:spcAft>
-              <a:spcPct val="35000"/>
-            </a:spcAft>
-            <a:buNone/>
-          </a:pPr>
-          <a:r>
-            <a:rPr lang="en-IN" sz="1500" kern="1200" dirty="0"/>
-            <a:t>BACKEND/DATABASE</a:t>
-          </a:r>
-        </a:p>
-      </dsp:txBody>
-      <dsp:txXfrm>
-        <a:off x="6644993" y="27801"/>
-        <a:ext cx="1709882" cy="829145"/>
-      </dsp:txXfrm>
-    </dsp:sp>
-    <dsp:sp modelId="{5361E9C5-50BD-452A-8317-2A90367555F1}">
-      <dsp:nvSpPr>
-        <dsp:cNvPr id="0" name=""/>
-        <dsp:cNvSpPr/>
-      </dsp:nvSpPr>
-      <dsp:spPr>
-        <a:xfrm>
-          <a:off x="6795344" y="882743"/>
-          <a:ext cx="176147" cy="660552"/>
-        </a:xfrm>
-        <a:custGeom>
-          <a:avLst/>
-          <a:gdLst/>
-          <a:ahLst/>
-          <a:cxnLst/>
-          <a:rect l="0" t="0" r="0" b="0"/>
-          <a:pathLst>
-            <a:path>
-              <a:moveTo>
-                <a:pt x="0" y="0"/>
-              </a:moveTo>
-              <a:lnTo>
-                <a:pt x="0" y="660552"/>
-              </a:lnTo>
-              <a:lnTo>
-                <a:pt x="176147" y="660552"/>
-              </a:lnTo>
-            </a:path>
-          </a:pathLst>
-        </a:custGeom>
-        <a:noFill/>
-        <a:ln w="12700" cap="flat" cmpd="sng" algn="ctr">
-          <a:solidFill>
-            <a:schemeClr val="accent1">
-              <a:shade val="60000"/>
-              <a:hueOff val="0"/>
-              <a:satOff val="0"/>
-              <a:lumOff val="0"/>
-              <a:alphaOff val="0"/>
-            </a:schemeClr>
-          </a:solidFill>
-          <a:prstDash val="solid"/>
-          <a:miter lim="800000"/>
-        </a:ln>
-        <a:effectLst/>
-      </dsp:spPr>
-      <dsp:style>
-        <a:lnRef idx="2">
-          <a:scrgbClr r="0" g="0" b="0"/>
-        </a:lnRef>
-        <a:fillRef idx="0">
-          <a:scrgbClr r="0" g="0" b="0"/>
-        </a:fillRef>
-        <a:effectRef idx="0">
-          <a:scrgbClr r="0" g="0" b="0"/>
-        </a:effectRef>
-        <a:fontRef idx="minor"/>
-      </dsp:style>
-    </dsp:sp>
-    <dsp:sp modelId="{28FD0BB9-7444-4822-974A-C9F167C0487E}">
-      <dsp:nvSpPr>
-        <dsp:cNvPr id="0" name=""/>
-        <dsp:cNvSpPr/>
-      </dsp:nvSpPr>
-      <dsp:spPr>
-        <a:xfrm>
-          <a:off x="6971492" y="1102927"/>
-          <a:ext cx="1409179" cy="880737"/>
-        </a:xfrm>
-        <a:prstGeom prst="roundRect">
-          <a:avLst>
-            <a:gd name="adj" fmla="val 10000"/>
-          </a:avLst>
-        </a:prstGeom>
-        <a:solidFill>
-          <a:schemeClr val="lt1">
-            <a:alpha val="90000"/>
-            <a:hueOff val="0"/>
-            <a:satOff val="0"/>
-            <a:lumOff val="0"/>
-            <a:alphaOff val="0"/>
-          </a:schemeClr>
-        </a:solidFill>
-        <a:ln w="12700" cap="flat" cmpd="sng" algn="ctr">
-          <a:solidFill>
-            <a:schemeClr val="accent1">
-              <a:hueOff val="0"/>
-              <a:satOff val="0"/>
-              <a:lumOff val="0"/>
-              <a:alphaOff val="0"/>
-            </a:schemeClr>
-          </a:solidFill>
-          <a:prstDash val="solid"/>
-          <a:miter lim="800000"/>
-        </a:ln>
-        <a:effectLst/>
-      </dsp:spPr>
-      <dsp:style>
-        <a:lnRef idx="2">
-          <a:scrgbClr r="0" g="0" b="0"/>
-        </a:lnRef>
-        <a:fillRef idx="1">
-          <a:scrgbClr r="0" g="0" b="0"/>
-        </a:fillRef>
-        <a:effectRef idx="0">
-          <a:scrgbClr r="0" g="0" b="0"/>
-        </a:effectRef>
-        <a:fontRef idx="minor"/>
-      </dsp:style>
-      <dsp:txBody>
-        <a:bodyPr spcFirstLastPara="0" vert="horz" wrap="square" lIns="28575" tIns="19050" rIns="28575" bIns="19050" numCol="1" spcCol="1270" anchor="ctr" anchorCtr="0">
-          <a:noAutofit/>
-        </a:bodyPr>
-        <a:lstStyle/>
-        <a:p>
-          <a:pPr marL="0" lvl="0" indent="0" algn="ctr" defTabSz="666750">
-            <a:lnSpc>
-              <a:spcPct val="90000"/>
-            </a:lnSpc>
-            <a:spcBef>
-              <a:spcPct val="0"/>
-            </a:spcBef>
-            <a:spcAft>
-              <a:spcPct val="35000"/>
-            </a:spcAft>
-            <a:buNone/>
-          </a:pPr>
-          <a:r>
-            <a:rPr lang="en-IN" sz="1500" kern="1200" dirty="0"/>
-            <a:t>NODE.JS</a:t>
-          </a:r>
-        </a:p>
-      </dsp:txBody>
-      <dsp:txXfrm>
-        <a:off x="6997288" y="1128723"/>
-        <a:ext cx="1357587" cy="829145"/>
-      </dsp:txXfrm>
-    </dsp:sp>
-    <dsp:sp modelId="{54174DB5-C756-49E4-9FF2-5371F584DD07}">
-      <dsp:nvSpPr>
-        <dsp:cNvPr id="0" name=""/>
-        <dsp:cNvSpPr/>
-      </dsp:nvSpPr>
-      <dsp:spPr>
-        <a:xfrm>
-          <a:off x="6795344" y="882743"/>
-          <a:ext cx="176147" cy="1761474"/>
-        </a:xfrm>
-        <a:custGeom>
-          <a:avLst/>
-          <a:gdLst/>
-          <a:ahLst/>
-          <a:cxnLst/>
-          <a:rect l="0" t="0" r="0" b="0"/>
-          <a:pathLst>
-            <a:path>
-              <a:moveTo>
-                <a:pt x="0" y="0"/>
-              </a:moveTo>
-              <a:lnTo>
-                <a:pt x="0" y="1761474"/>
-              </a:lnTo>
-              <a:lnTo>
-                <a:pt x="176147" y="1761474"/>
-              </a:lnTo>
-            </a:path>
-          </a:pathLst>
-        </a:custGeom>
-        <a:noFill/>
-        <a:ln w="12700" cap="flat" cmpd="sng" algn="ctr">
-          <a:solidFill>
-            <a:schemeClr val="accent1">
-              <a:shade val="60000"/>
-              <a:hueOff val="0"/>
-              <a:satOff val="0"/>
-              <a:lumOff val="0"/>
-              <a:alphaOff val="0"/>
-            </a:schemeClr>
-          </a:solidFill>
-          <a:prstDash val="solid"/>
-          <a:miter lim="800000"/>
-        </a:ln>
-        <a:effectLst/>
-      </dsp:spPr>
-      <dsp:style>
-        <a:lnRef idx="2">
-          <a:scrgbClr r="0" g="0" b="0"/>
-        </a:lnRef>
-        <a:fillRef idx="0">
-          <a:scrgbClr r="0" g="0" b="0"/>
-        </a:fillRef>
-        <a:effectRef idx="0">
-          <a:scrgbClr r="0" g="0" b="0"/>
-        </a:effectRef>
-        <a:fontRef idx="minor"/>
-      </dsp:style>
-    </dsp:sp>
-    <dsp:sp modelId="{2E71CD1B-CC3D-47B6-BE3E-C6C88A1D2DC7}">
-      <dsp:nvSpPr>
-        <dsp:cNvPr id="0" name=""/>
-        <dsp:cNvSpPr/>
-      </dsp:nvSpPr>
-      <dsp:spPr>
-        <a:xfrm>
-          <a:off x="6971492" y="2203849"/>
-          <a:ext cx="1409179" cy="880737"/>
-        </a:xfrm>
-        <a:prstGeom prst="roundRect">
-          <a:avLst>
-            <a:gd name="adj" fmla="val 10000"/>
-          </a:avLst>
-        </a:prstGeom>
-        <a:solidFill>
-          <a:schemeClr val="lt1">
-            <a:alpha val="90000"/>
-            <a:hueOff val="0"/>
-            <a:satOff val="0"/>
-            <a:lumOff val="0"/>
-            <a:alphaOff val="0"/>
-          </a:schemeClr>
-        </a:solidFill>
-        <a:ln w="12700" cap="flat" cmpd="sng" algn="ctr">
-          <a:solidFill>
-            <a:schemeClr val="accent1">
-              <a:hueOff val="0"/>
-              <a:satOff val="0"/>
-              <a:lumOff val="0"/>
-              <a:alphaOff val="0"/>
-            </a:schemeClr>
-          </a:solidFill>
-          <a:prstDash val="solid"/>
-          <a:miter lim="800000"/>
-        </a:ln>
-        <a:effectLst/>
-      </dsp:spPr>
-      <dsp:style>
-        <a:lnRef idx="2">
-          <a:scrgbClr r="0" g="0" b="0"/>
-        </a:lnRef>
-        <a:fillRef idx="1">
-          <a:scrgbClr r="0" g="0" b="0"/>
-        </a:fillRef>
-        <a:effectRef idx="0">
-          <a:scrgbClr r="0" g="0" b="0"/>
-        </a:effectRef>
-        <a:fontRef idx="minor"/>
-      </dsp:style>
-      <dsp:txBody>
-        <a:bodyPr spcFirstLastPara="0" vert="horz" wrap="square" lIns="28575" tIns="19050" rIns="28575" bIns="19050" numCol="1" spcCol="1270" anchor="ctr" anchorCtr="0">
-          <a:noAutofit/>
-        </a:bodyPr>
-        <a:lstStyle/>
-        <a:p>
-          <a:pPr marL="0" lvl="0" indent="0" algn="ctr" defTabSz="666750">
-            <a:lnSpc>
-              <a:spcPct val="90000"/>
-            </a:lnSpc>
-            <a:spcBef>
-              <a:spcPct val="0"/>
-            </a:spcBef>
-            <a:spcAft>
-              <a:spcPct val="35000"/>
-            </a:spcAft>
-            <a:buNone/>
-          </a:pPr>
-          <a:r>
-            <a:rPr lang="en-IN" sz="1500" kern="1200" dirty="0"/>
-            <a:t>EXPRESS.JS</a:t>
-          </a:r>
-        </a:p>
-      </dsp:txBody>
-      <dsp:txXfrm>
-        <a:off x="6997288" y="2229645"/>
-        <a:ext cx="1357587" cy="829145"/>
-      </dsp:txXfrm>
-    </dsp:sp>
-    <dsp:sp modelId="{6F68BB3A-C5A3-45EE-8472-FFB972637987}">
-      <dsp:nvSpPr>
-        <dsp:cNvPr id="0" name=""/>
-        <dsp:cNvSpPr/>
-      </dsp:nvSpPr>
-      <dsp:spPr>
-        <a:xfrm>
-          <a:off x="6795344" y="882743"/>
-          <a:ext cx="176147" cy="2862396"/>
-        </a:xfrm>
-        <a:custGeom>
-          <a:avLst/>
-          <a:gdLst/>
-          <a:ahLst/>
-          <a:cxnLst/>
-          <a:rect l="0" t="0" r="0" b="0"/>
-          <a:pathLst>
-            <a:path>
-              <a:moveTo>
-                <a:pt x="0" y="0"/>
-              </a:moveTo>
-              <a:lnTo>
-                <a:pt x="0" y="2862396"/>
-              </a:lnTo>
-              <a:lnTo>
-                <a:pt x="176147" y="2862396"/>
-              </a:lnTo>
-            </a:path>
-          </a:pathLst>
-        </a:custGeom>
-        <a:noFill/>
-        <a:ln w="12700" cap="flat" cmpd="sng" algn="ctr">
-          <a:solidFill>
-            <a:schemeClr val="accent1">
-              <a:shade val="60000"/>
-              <a:hueOff val="0"/>
-              <a:satOff val="0"/>
-              <a:lumOff val="0"/>
-              <a:alphaOff val="0"/>
-            </a:schemeClr>
-          </a:solidFill>
-          <a:prstDash val="solid"/>
-          <a:miter lim="800000"/>
-        </a:ln>
-        <a:effectLst/>
-      </dsp:spPr>
-      <dsp:style>
-        <a:lnRef idx="2">
-          <a:scrgbClr r="0" g="0" b="0"/>
-        </a:lnRef>
-        <a:fillRef idx="0">
-          <a:scrgbClr r="0" g="0" b="0"/>
-        </a:fillRef>
-        <a:effectRef idx="0">
-          <a:scrgbClr r="0" g="0" b="0"/>
-        </a:effectRef>
-        <a:fontRef idx="minor"/>
-      </dsp:style>
-    </dsp:sp>
-    <dsp:sp modelId="{A4FA3EE3-62C1-4529-B3DF-AD89F93E4665}">
-      <dsp:nvSpPr>
-        <dsp:cNvPr id="0" name=""/>
-        <dsp:cNvSpPr/>
-      </dsp:nvSpPr>
-      <dsp:spPr>
-        <a:xfrm>
-          <a:off x="6971492" y="3304770"/>
-          <a:ext cx="1409179" cy="880737"/>
-        </a:xfrm>
-        <a:prstGeom prst="roundRect">
-          <a:avLst>
-            <a:gd name="adj" fmla="val 10000"/>
-          </a:avLst>
-        </a:prstGeom>
-        <a:solidFill>
-          <a:schemeClr val="lt1">
-            <a:alpha val="90000"/>
-            <a:hueOff val="0"/>
-            <a:satOff val="0"/>
-            <a:lumOff val="0"/>
-            <a:alphaOff val="0"/>
-          </a:schemeClr>
-        </a:solidFill>
-        <a:ln w="12700" cap="flat" cmpd="sng" algn="ctr">
-          <a:solidFill>
-            <a:schemeClr val="accent1">
-              <a:hueOff val="0"/>
-              <a:satOff val="0"/>
-              <a:lumOff val="0"/>
-              <a:alphaOff val="0"/>
-            </a:schemeClr>
-          </a:solidFill>
-          <a:prstDash val="solid"/>
-          <a:miter lim="800000"/>
-        </a:ln>
-        <a:effectLst/>
-      </dsp:spPr>
-      <dsp:style>
-        <a:lnRef idx="2">
-          <a:scrgbClr r="0" g="0" b="0"/>
-        </a:lnRef>
-        <a:fillRef idx="1">
-          <a:scrgbClr r="0" g="0" b="0"/>
-        </a:fillRef>
-        <a:effectRef idx="0">
-          <a:scrgbClr r="0" g="0" b="0"/>
-        </a:effectRef>
-        <a:fontRef idx="minor"/>
-      </dsp:style>
-      <dsp:txBody>
-        <a:bodyPr spcFirstLastPara="0" vert="horz" wrap="square" lIns="28575" tIns="19050" rIns="28575" bIns="19050" numCol="1" spcCol="1270" anchor="ctr" anchorCtr="0">
-          <a:noAutofit/>
-        </a:bodyPr>
-        <a:lstStyle/>
-        <a:p>
-          <a:pPr marL="0" lvl="0" indent="0" algn="ctr" defTabSz="666750">
-            <a:lnSpc>
-              <a:spcPct val="90000"/>
-            </a:lnSpc>
-            <a:spcBef>
-              <a:spcPct val="0"/>
-            </a:spcBef>
-            <a:spcAft>
-              <a:spcPct val="35000"/>
-            </a:spcAft>
-            <a:buNone/>
-          </a:pPr>
-          <a:r>
-            <a:rPr lang="en-IN" sz="1500" kern="1200" dirty="0"/>
-            <a:t>MONGO.DB/SQL</a:t>
-          </a:r>
-        </a:p>
-      </dsp:txBody>
-      <dsp:txXfrm>
-        <a:off x="6997288" y="3330566"/>
-        <a:ext cx="1357587" cy="829145"/>
-      </dsp:txXfrm>
-    </dsp:sp>
-  </dsp:spTree>
-</dsp:drawing>
-</file>
-
-<file path=ppt/diagrams/layout1.xml><?xml version="1.0" encoding="utf-8"?>
-<dgm:layoutDef xmlns:dgm="http://schemas.openxmlformats.org/drawingml/2006/diagram" xmlns:a="http://schemas.openxmlformats.org/drawingml/2006/main" uniqueId="urn:microsoft.com/office/officeart/2005/8/layout/hierarchy3">
-  <dgm:title val=""/>
-  <dgm:desc val=""/>
-  <dgm:catLst>
-    <dgm:cat type="hierarchy" pri="7000"/>
-    <dgm:cat type="list" pri="23000"/>
-    <dgm:cat type="relationship" pri="15000"/>
-    <dgm:cat type="convert" pri="7000"/>
-  </dgm:catLst>
-  <dgm:sampData>
-    <dgm:dataModel>
-      <dgm:ptLst>
-        <dgm:pt modelId="0" type="doc"/>
-        <dgm:pt modelId="1">
-          <dgm:prSet phldr="1"/>
-        </dgm:pt>
-        <dgm:pt modelId="11">
-          <dgm:prSet phldr="1"/>
-        </dgm:pt>
-        <dgm:pt modelId="12">
-          <dgm:prSet phldr="1"/>
-        </dgm:pt>
-        <dgm:pt modelId="2">
-          <dgm:prSet phldr="1"/>
-        </dgm:pt>
-        <dgm:pt modelId="21">
-          <dgm:prSet phldr="1"/>
-        </dgm:pt>
-        <dgm:pt modelId="22">
-          <dgm:prSet phldr="1"/>
-        </dgm:pt>
-      </dgm:ptLst>
-      <dgm:cxnLst>
-        <dgm:cxn modelId="4" srcId="0" destId="1" srcOrd="0" destOrd="0"/>
-        <dgm:cxn modelId="5" srcId="1" destId="11" srcOrd="0" destOrd="0"/>
-        <dgm:cxn modelId="6" srcId="1" destId="12" srcOrd="1" destOrd="0"/>
-        <dgm:cxn modelId="7" srcId="0" destId="2" srcOrd="1" destOrd="0"/>
-        <dgm:cxn modelId="8" srcId="2" destId="21" srcOrd="0" destOrd="0"/>
-        <dgm:cxn modelId="9" srcId="2" destId="22" srcOrd="1" destOrd="0"/>
-      </dgm:cxnLst>
-      <dgm:bg/>
-      <dgm:whole/>
-    </dgm:dataModel>
-  </dgm:sampData>
-  <dgm:styleData>
-    <dgm:dataModel>
-      <dgm:ptLst>
-        <dgm:pt modelId="0" type="doc"/>
-        <dgm:pt modelId="1"/>
-        <dgm:pt modelId="11"/>
-        <dgm:pt modelId="2"/>
-        <dgm:pt modelId="21"/>
-      </dgm:ptLst>
-      <dgm:cxnLst>
-        <dgm:cxn modelId="4" srcId="0" destId="1" srcOrd="0" destOrd="0"/>
-        <dgm:cxn modelId="5" srcId="0" destId="2" srcOrd="1" destOrd="0"/>
-        <dgm:cxn modelId="13" srcId="1" destId="11" srcOrd="0" destOrd="0"/>
-        <dgm:cxn modelId="23" srcId="2" destId="21" srcOrd="0" destOrd="0"/>
-      </dgm:cxnLst>
-      <dgm:bg/>
-      <dgm:whole/>
-    </dgm:dataModel>
-  </dgm:styleData>
-  <dgm:clrData>
-    <dgm:dataModel>
-      <dgm:ptLst>
-        <dgm:pt modelId="0" type="doc"/>
-        <dgm:pt modelId="1"/>
-        <dgm:pt modelId="11"/>
-        <dgm:pt modelId="2"/>
-        <dgm:pt modelId="21"/>
-        <dgm:pt modelId="3"/>
-        <dgm:pt modelId="31"/>
-        <dgm:pt modelId="4"/>
-        <dgm:pt modelId="41"/>
-      </dgm:ptLst>
-      <dgm:cxnLst>
-        <dgm:cxn modelId="5" srcId="0" destId="1" srcOrd="0" destOrd="0"/>
-        <dgm:cxn modelId="6" srcId="0" destId="2" srcOrd="1" destOrd="0"/>
-        <dgm:cxn modelId="7" srcId="0" destId="3" srcOrd="2" destOrd="0"/>
-        <dgm:cxn modelId="8" srcId="0" destId="4" srcOrd="3" destOrd="0"/>
-        <dgm:cxn modelId="13" srcId="1" destId="11" srcOrd="0" destOrd="0"/>
-        <dgm:cxn modelId="23" srcId="2" destId="21" srcOrd="0" destOrd="0"/>
-        <dgm:cxn modelId="33" srcId="3" destId="31" srcOrd="0" destOrd="0"/>
-        <dgm:cxn modelId="43" srcId="4" destId="41" srcOrd="0" destOrd="0"/>
-      </dgm:cxnLst>
-      <dgm:bg/>
-      <dgm:whole/>
-    </dgm:dataModel>
-  </dgm:clrData>
-  <dgm:layoutNode name="diagram">
-    <dgm:varLst>
-      <dgm:chPref val="1"/>
-      <dgm:dir/>
-      <dgm:animOne val="branch"/>
-      <dgm:animLvl val="lvl"/>
-      <dgm:resizeHandles/>
-    </dgm:varLst>
-    <dgm:choose name="Name0">
-      <dgm:if name="Name1" func="var" arg="dir" op="equ" val="norm">
-        <dgm:alg type="hierChild">
-          <dgm:param type="linDir" val="fromL"/>
-        </dgm:alg>
-      </dgm:if>
-      <dgm:else name="Name2">
-        <dgm:alg type="hierChild">
-          <dgm:param type="linDir" val="fromR"/>
-        </dgm:alg>
-      </dgm:else>
-    </dgm:choose>
-    <dgm:shape xmlns:r="http://schemas.openxmlformats.org/officeDocument/2006/relationships" r:blip="">
-      <dgm:adjLst/>
-    </dgm:shape>
-    <dgm:presOf/>
-    <dgm:constrLst>
-      <dgm:constr type="primFontSz" for="des" forName="rootText" op="equ" val="65"/>
-      <dgm:constr type="primFontSz" for="des" forName="childText" op="equ" val="65"/>
-      <dgm:constr type="w" for="des" forName="rootComposite" refType="w"/>
-      <dgm:constr type="h" for="des" forName="rootComposite" refType="w" fact="0.5"/>
-      <dgm:constr type="w" for="des" forName="childText" refType="w" refFor="des" refForName="rootComposite" fact="0.8"/>
-      <dgm:constr type="h" for="des" forName="childText" refType="h" refFor="des" refForName="rootComposite"/>
-      <dgm:constr type="sibSp" refType="w" refFor="des" refForName="rootComposite" fact="0.25"/>
-      <dgm:constr type="sibSp" for="des" forName="childShape" refType="h" refFor="des" refForName="childText" fact="0.25"/>
-      <dgm:constr type="sp" for="des" forName="root" refType="h" refFor="des" refForName="childText" fact="0.25"/>
-    </dgm:constrLst>
-    <dgm:ruleLst/>
-    <dgm:forEach name="Name3" axis="ch">
-      <dgm:forEach name="Name4" axis="self" ptType="node" cnt="1">
-        <dgm:layoutNode name="root">
-          <dgm:choose name="Name5">
-            <dgm:if name="Name6" func="var" arg="dir" op="equ" val="norm">
-              <dgm:alg type="hierRoot">
-                <dgm:param type="hierAlign" val="tL"/>
-              </dgm:alg>
-            </dgm:if>
-            <dgm:else name="Name7">
-              <dgm:alg type="hierRoot">
-                <dgm:param type="hierAlign" val="tR"/>
-              </dgm:alg>
-            </dgm:else>
-          </dgm:choose>
-          <dgm:shape xmlns:r="http://schemas.openxmlformats.org/officeDocument/2006/relationships" r:blip="">
-            <dgm:adjLst/>
-          </dgm:shape>
-          <dgm:presOf/>
-          <dgm:constrLst>
-            <dgm:constr type="alignOff" val="0.2"/>
-          </dgm:constrLst>
-          <dgm:ruleLst/>
-          <dgm:layoutNode name="rootComposite">
-            <dgm:alg type="composite"/>
-            <dgm:shape xmlns:r="http://schemas.openxmlformats.org/officeDocument/2006/relationships" r:blip="">
-              <dgm:adjLst/>
-            </dgm:shape>
-            <dgm:presOf axis="self" ptType="node" cnt="1"/>
-            <dgm:choose name="Name8">
-              <dgm:if name="Name9" func="var" arg="dir" op="equ" val="norm">
-                <dgm:constrLst>
-                  <dgm:constr type="l" for="ch" forName="rootText"/>
-                  <dgm:constr type="t" for="ch" forName="rootText"/>
-                  <dgm:constr type="w" for="ch" forName="rootText" refType="w"/>
-                  <dgm:constr type="h" for="ch" forName="rootText" refType="h"/>
-                  <dgm:constr type="l" for="ch" forName="rootConnector"/>
-                  <dgm:constr type="t" for="ch" forName="rootConnector"/>
-                  <dgm:constr type="w" for="ch" forName="rootConnector" refType="w" refFor="ch" refForName="rootText" fact="0.2"/>
-                  <dgm:constr type="h" for="ch" forName="rootConnector" refType="h" refFor="ch" refForName="rootText"/>
-                </dgm:constrLst>
-              </dgm:if>
-              <dgm:else name="Name10">
-                <dgm:constrLst>
-                  <dgm:constr type="l" for="ch" forName="rootText"/>
-                  <dgm:constr type="t" for="ch" forName="rootText"/>
-                  <dgm:constr type="w" for="ch" forName="rootText" refType="w"/>
-                  <dgm:constr type="h" for="ch" forName="rootText" refType="h"/>
-                  <dgm:constr type="r" for="ch" forName="rootConnector" refType="w"/>
-                  <dgm:constr type="t" for="ch" forName="rootConnector"/>
-                  <dgm:constr type="w" for="ch" forName="rootConnector" refType="w" refFor="ch" refForName="rootText" fact="0.2"/>
-                  <dgm:constr type="h" for="ch" forName="rootConnector" refType="h" refFor="ch" refForName="rootText"/>
-                </dgm:constrLst>
-              </dgm:else>
-            </dgm:choose>
-            <dgm:ruleLst/>
-            <dgm:layoutNode name="rootText" styleLbl="node1">
-              <dgm:alg type="tx"/>
-              <dgm:shape xmlns:r="http://schemas.openxmlformats.org/officeDocument/2006/relationships" type="roundRect" r:blip="">
-                <dgm:adjLst>
-                  <dgm:adj idx="1" val="0.1"/>
-                </dgm:adjLst>
-              </dgm:shape>
-              <dgm:presOf axis="self" ptType="node" cnt="1"/>
-              <dgm:constrLst>
-                <dgm:constr type="tMarg" refType="primFontSz" fact="0.1"/>
-                <dgm:constr type="bMarg" refType="primFontSz" fact="0.1"/>
-                <dgm:constr type="lMarg" refType="primFontSz" fact="0.15"/>
-                <dgm:constr type="rMarg" refType="primFontSz" fact="0.15"/>
-              </dgm:constrLst>
-              <dgm:ruleLst>
-                <dgm:rule type="primFontSz" val="5" fact="NaN" max="NaN"/>
-              </dgm:ruleLst>
-            </dgm:layoutNode>
-            <dgm:layoutNode name="rootConnector" moveWith="rootText">
-              <dgm:alg type="sp"/>
-              <dgm:shape xmlns:r="http://schemas.openxmlformats.org/officeDocument/2006/relationships" type="roundRect" r:blip="" hideGeom="1">
-                <dgm:adjLst>
-                  <dgm:adj idx="1" val="0.1"/>
-                </dgm:adjLst>
-              </dgm:shape>
-              <dgm:presOf axis="self" ptType="node" cnt="1"/>
-              <dgm:constrLst/>
-              <dgm:ruleLst/>
-            </dgm:layoutNode>
-          </dgm:layoutNode>
-          <dgm:layoutNode name="childShape">
-            <dgm:alg type="hierChild">
-              <dgm:param type="chAlign" val="l"/>
-              <dgm:param type="linDir" val="fromT"/>
-            </dgm:alg>
-            <dgm:shape xmlns:r="http://schemas.openxmlformats.org/officeDocument/2006/relationships" r:blip="">
-              <dgm:adjLst/>
-            </dgm:shape>
-            <dgm:presOf/>
-            <dgm:constrLst/>
-            <dgm:ruleLst/>
-            <dgm:forEach name="Name11" axis="ch">
-              <dgm:forEach name="Name12" axis="self" ptType="parTrans" cnt="1">
-                <dgm:layoutNode name="Name13">
-                  <dgm:choose name="Name14">
-                    <dgm:if name="Name15" func="var" arg="dir" op="equ" val="norm">
-                      <dgm:alg type="conn">
-                        <dgm:param type="dim" val="1D"/>
-                        <dgm:param type="endSty" val="noArr"/>
-                        <dgm:param type="connRout" val="bend"/>
-                        <dgm:param type="srcNode" val="rootConnector"/>
-                        <dgm:param type="begPts" val="bCtr"/>
-                        <dgm:param type="endPts" val="midL"/>
-                      </dgm:alg>
-                    </dgm:if>
-                    <dgm:else name="Name16">
-                      <dgm:alg type="conn">
-                        <dgm:param type="dim" val="1D"/>
-                        <dgm:param type="endSty" val="noArr"/>
-                        <dgm:param type="connRout" val="bend"/>
-                        <dgm:param type="srcNode" val="rootConnector"/>
-                        <dgm:param type="begPts" val="bCtr"/>
-                        <dgm:param type="endPts" val="midR"/>
-                      </dgm:alg>
-                    </dgm:else>
-                  </dgm:choose>
-                  <dgm:shape xmlns:r="http://schemas.openxmlformats.org/officeDocument/2006/relationships" type="conn" r:blip="">
-                    <dgm:adjLst/>
-                  </dgm:shape>
-                  <dgm:presOf axis="self"/>
-                  <dgm:constrLst>
-                    <dgm:constr type="begPad"/>
-                    <dgm:constr type="endPad"/>
-                  </dgm:constrLst>
-                  <dgm:ruleLst/>
-                </dgm:layoutNode>
-              </dgm:forEach>
-              <dgm:forEach name="Name17" axis="self" ptType="node">
-                <dgm:layoutNode name="childText" styleLbl="bgAcc1">
-                  <dgm:varLst>
-                    <dgm:bulletEnabled val="1"/>
-                  </dgm:varLst>
-                  <dgm:alg type="tx"/>
-                  <dgm:shape xmlns:r="http://schemas.openxmlformats.org/officeDocument/2006/relationships" type="roundRect" r:blip="">
-                    <dgm:adjLst>
-                      <dgm:adj idx="1" val="0.1"/>
-                    </dgm:adjLst>
-                  </dgm:shape>
-                  <dgm:presOf axis="self desOrSelf" ptType="node node" st="1 1" cnt="1 0"/>
-                  <dgm:constrLst>
-                    <dgm:constr type="tMarg" refType="primFontSz" fact="0.1"/>
-                    <dgm:constr type="bMarg" refType="primFontSz" fact="0.1"/>
-                    <dgm:constr type="lMarg" refType="primFontSz" fact="0.15"/>
-                    <dgm:constr type="rMarg" refType="primFontSz" fact="0.15"/>
-                  </dgm:constrLst>
-                  <dgm:ruleLst>
-                    <dgm:rule type="primFontSz" val="5" fact="NaN" max="NaN"/>
-                  </dgm:ruleLst>
-                </dgm:layoutNode>
-              </dgm:forEach>
-            </dgm:forEach>
-          </dgm:layoutNode>
-        </dgm:layoutNode>
-      </dgm:forEach>
-    </dgm:forEach>
-  </dgm:layoutNode>
-</dgm:layoutDef>
-</file>
-
-<file path=ppt/diagrams/quickStyle1.xml><?xml version="1.0" encoding="utf-8"?>
-<dgm:styleDef xmlns:dgm="http://schemas.openxmlformats.org/drawingml/2006/diagram" xmlns:a="http://schemas.openxmlformats.org/drawingml/2006/main" uniqueId="urn:microsoft.com/office/officeart/2005/8/quickstyle/simple1">
-  <dgm:title val=""/>
-  <dgm:desc val=""/>
-  <dgm:catLst>
-    <dgm:cat type="simple" pri="10100"/>
-  </dgm:catLst>
-  <dgm:scene3d>
-    <a:camera prst="orthographicFront"/>
-    <a:lightRig rig="threePt" dir="t"/>
-  </dgm:scene3d>
-  <dgm:styleLbl name="node0">
-    <dgm:scene3d>
-      <a:camera prst="orthographicFront"/>
-      <a:lightRig rig="threePt" dir="t"/>
-    </dgm:scene3d>
-    <dgm:sp3d/>
-    <dgm:txPr/>
-    <dgm:style>
-      <a:lnRef idx="2">
-        <a:scrgbClr r="0" g="0" b="0"/>
-      </a:lnRef>
-      <a:fillRef idx="1">
-        <a:scrgbClr r="0" g="0" b="0"/>
-      </a:fillRef>
-      <a:effectRef idx="0">
-        <a:scrgbClr r="0" g="0" b="0"/>
-      </a:effectRef>
-      <a:fontRef idx="minor">
-        <a:schemeClr val="lt1"/>
-      </a:fontRef>
-    </dgm:style>
-  </dgm:styleLbl>
-  <dgm:styleLbl name="lnNode1">
-    <dgm:scene3d>
-      <a:camera prst="orthographicFront"/>
-      <a:lightRig rig="threePt" dir="t"/>
-    </dgm:scene3d>
-    <dgm:sp3d/>
-    <dgm:txPr/>
-    <dgm:style>
-      <a:lnRef idx="2">
-        <a:scrgbClr r="0" g="0" b="0"/>
-      </a:lnRef>
-      <a:fillRef idx="1">
-        <a:scrgbClr r="0" g="0" b="0"/>
-      </a:fillRef>
-      <a:effectRef idx="0">
-        <a:scrgbClr r="0" g="0" b="0"/>
-      </a:effectRef>
-      <a:fontRef idx="minor">
-        <a:schemeClr val="lt1"/>
-      </a:fontRef>
-    </dgm:style>
-  </dgm:styleLbl>
-  <dgm:styleLbl name="vennNode1">
-    <dgm:scene3d>
-      <a:camera prst="orthographicFront"/>
-      <a:lightRig rig="threePt" dir="t"/>
-    </dgm:scene3d>
-    <dgm:sp3d/>
-    <dgm:txPr/>
-    <dgm:style>
-      <a:lnRef idx="2">
-        <a:scrgbClr r="0" g="0" b="0"/>
-      </a:lnRef>
-      <a:fillRef idx="1">
-        <a:scrgbClr r="0" g="0" b="0"/>
-      </a:fillRef>
-      <a:effectRef idx="0">
-        <a:scrgbClr r="0" g="0" b="0"/>
-      </a:effectRef>
-      <a:fontRef idx="minor">
-        <a:schemeClr val="tx1"/>
-      </a:fontRef>
-    </dgm:style>
-  </dgm:styleLbl>
-  <dgm:styleLbl name="alignNode1">
-    <dgm:scene3d>
-      <a:camera prst="orthographicFront"/>
-      <a:lightRig rig="threePt" dir="t"/>
-    </dgm:scene3d>
-    <dgm:sp3d/>
-    <dgm:txPr/>
-    <dgm:style>
-      <a:lnRef idx="2">
-        <a:scrgbClr r="0" g="0" b="0"/>
-      </a:lnRef>
-      <a:fillRef idx="1">
-        <a:scrgbClr r="0" g="0" b="0"/>
-      </a:fillRef>
-      <a:effectRef idx="0">
-        <a:scrgbClr r="0" g="0" b="0"/>
-      </a:effectRef>
-      <a:fontRef idx="minor">
-        <a:schemeClr val="lt1"/>
-      </a:fontRef>
-    </dgm:style>
-  </dgm:styleLbl>
-  <dgm:styleLbl name="node1">
-    <dgm:scene3d>
-      <a:camera prst="orthographicFront"/>
-      <a:lightRig rig="threePt" dir="t"/>
-    </dgm:scene3d>
-    <dgm:sp3d/>
-    <dgm:txPr/>
-    <dgm:style>
-      <a:lnRef idx="2">
-        <a:scrgbClr r="0" g="0" b="0"/>
-      </a:lnRef>
-      <a:fillRef idx="1">
-        <a:scrgbClr r="0" g="0" b="0"/>
-      </a:fillRef>
-      <a:effectRef idx="0">
-        <a:scrgbClr r="0" g="0" b="0"/>
-      </a:effectRef>
-      <a:fontRef idx="minor">
-        <a:schemeClr val="lt1"/>
-      </a:fontRef>
-    </dgm:style>
-  </dgm:styleLbl>
-  <dgm:styleLbl name="node2">
-    <dgm:scene3d>
-      <a:camera prst="orthographicFront"/>
-      <a:lightRig rig="threePt" dir="t"/>
-    </dgm:scene3d>
-    <dgm:sp3d/>
-    <dgm:txPr/>
-    <dgm:style>
-      <a:lnRef idx="2">
-        <a:scrgbClr r="0" g="0" b="0"/>
-      </a:lnRef>
-      <a:fillRef idx="1">
-        <a:scrgbClr r="0" g="0" b="0"/>
-      </a:fillRef>
-      <a:effectRef idx="0">
-        <a:scrgbClr r="0" g="0" b="0"/>
-      </a:effectRef>
-      <a:fontRef idx="minor">
-        <a:schemeClr val="lt1"/>
-      </a:fontRef>
-    </dgm:style>
-  </dgm:styleLbl>
-  <dgm:styleLbl name="node3">
-    <dgm:scene3d>
-      <a:camera prst="orthographicFront"/>
-      <a:lightRig rig="threePt" dir="t"/>
-    </dgm:scene3d>
-    <dgm:sp3d/>
-    <dgm:txPr/>
-    <dgm:style>
-      <a:lnRef idx="2">
-        <a:scrgbClr r="0" g="0" b="0"/>
-      </a:lnRef>
-      <a:fillRef idx="1">
-        <a:scrgbClr r="0" g="0" b="0"/>
-      </a:fillRef>
-      <a:effectRef idx="0">
-        <a:scrgbClr r="0" g="0" b="0"/>
-      </a:effectRef>
-      <a:fontRef idx="minor">
-        <a:schemeClr val="lt1"/>
-      </a:fontRef>
-    </dgm:style>
-  </dgm:styleLbl>
-  <dgm:styleLbl name="node4">
-    <dgm:scene3d>
-      <a:camera prst="orthographicFront"/>
-      <a:lightRig rig="threePt" dir="t"/>
-    </dgm:scene3d>
-    <dgm:sp3d/>
-    <dgm:txPr/>
-    <dgm:style>
-      <a:lnRef idx="2">
-        <a:scrgbClr r="0" g="0" b="0"/>
-      </a:lnRef>
-      <a:fillRef idx="1">
-        <a:scrgbClr r="0" g="0" b="0"/>
-      </a:fillRef>
-      <a:effectRef idx="0">
-        <a:scrgbClr r="0" g="0" b="0"/>
-      </a:effectRef>
-      <a:fontRef idx="minor">
-        <a:schemeClr val="lt1"/>
-      </a:fontRef>
-    </dgm:style>
-  </dgm:styleLbl>
-  <dgm:styleLbl name="fgImgPlace1">
-    <dgm:scene3d>
-      <a:camera prst="orthographicFront"/>
-      <a:lightRig rig="threePt" dir="t"/>
-    </dgm:scene3d>
-    <dgm:sp3d/>
-    <dgm:txPr/>
-    <dgm:style>
-      <a:lnRef idx="2">
-        <a:scrgbClr r="0" g="0" b="0"/>
-      </a:lnRef>
-      <a:fillRef idx="1">
-        <a:scrgbClr r="0" g="0" b="0"/>
-      </a:fillRef>
-      <a:effectRef idx="0">
-        <a:scrgbClr r="0" g="0" b="0"/>
-      </a:effectRef>
-      <a:fontRef idx="minor"/>
-    </dgm:style>
-  </dgm:styleLbl>
-  <dgm:styleLbl name="alignImgPlace1">
-    <dgm:scene3d>
-      <a:camera prst="orthographicFront"/>
-      <a:lightRig rig="threePt" dir="t"/>
-    </dgm:scene3d>
-    <dgm:sp3d/>
-    <dgm:txPr/>
-    <dgm:style>
-      <a:lnRef idx="2">
-        <a:scrgbClr r="0" g="0" b="0"/>
-      </a:lnRef>
-      <a:fillRef idx="1">
-        <a:scrgbClr r="0" g="0" b="0"/>
-      </a:fillRef>
-      <a:effectRef idx="0">
-        <a:scrgbClr r="0" g="0" b="0"/>
-      </a:effectRef>
-      <a:fontRef idx="minor"/>
-    </dgm:style>
-  </dgm:styleLbl>
-  <dgm:styleLbl name="bgImgPlace1">
-    <dgm:scene3d>
-      <a:camera prst="orthographicFront"/>
-      <a:lightRig rig="threePt" dir="t"/>
-    </dgm:scene3d>
-    <dgm:sp3d/>
-    <dgm:txPr/>
-    <dgm:style>
-      <a:lnRef idx="2">
-        <a:scrgbClr r="0" g="0" b="0"/>
-      </a:lnRef>
-      <a:fillRef idx="1">
-        <a:scrgbClr r="0" g="0" b="0"/>
-      </a:fillRef>
-      <a:effectRef idx="0">
-        <a:scrgbClr r="0" g="0" b="0"/>
-      </a:effectRef>
-      <a:fontRef idx="minor"/>
-    </dgm:style>
-  </dgm:styleLbl>
-  <dgm:styleLbl name="sibTrans2D1">
-    <dgm:scene3d>
-      <a:camera prst="orthographicFront"/>
-      <a:lightRig rig="threePt" dir="t"/>
-    </dgm:scene3d>
-    <dgm:sp3d/>
-    <dgm:txPr/>
-    <dgm:style>
-      <a:lnRef idx="0">
-        <a:scrgbClr r="0" g="0" b="0"/>
-      </a:lnRef>
-      <a:fillRef idx="1">
-        <a:scrgbClr r="0" g="0" b="0"/>
-      </a:fillRef>
-      <a:effectRef idx="0">
-        <a:scrgbClr r="0" g="0" b="0"/>
-      </a:effectRef>
-      <a:fontRef idx="minor">
-        <a:schemeClr val="lt1"/>
-      </a:fontRef>
-    </dgm:style>
-  </dgm:styleLbl>
-  <dgm:styleLbl name="fgSibTrans2D1">
-    <dgm:scene3d>
-      <a:camera prst="orthographicFront"/>
-      <a:lightRig rig="threePt" dir="t"/>
-    </dgm:scene3d>
-    <dgm:sp3d/>
-    <dgm:txPr/>
-    <dgm:style>
-      <a:lnRef idx="0">
-        <a:scrgbClr r="0" g="0" b="0"/>
-      </a:lnRef>
-      <a:fillRef idx="1">
-        <a:scrgbClr r="0" g="0" b="0"/>
-      </a:fillRef>
-      <a:effectRef idx="0">
-        <a:scrgbClr r="0" g="0" b="0"/>
-      </a:effectRef>
-      <a:fontRef idx="minor">
-        <a:schemeClr val="lt1"/>
-      </a:fontRef>
-    </dgm:style>
-  </dgm:styleLbl>
-  <dgm:styleLbl name="bgSibTrans2D1">
-    <dgm:scene3d>
-      <a:camera prst="orthographicFront"/>
-      <a:lightRig rig="threePt" dir="t"/>
-    </dgm:scene3d>
-    <dgm:sp3d/>
-    <dgm:txPr/>
-    <dgm:style>
-      <a:lnRef idx="0">
-        <a:scrgbClr r="0" g="0" b="0"/>
-      </a:lnRef>
-      <a:fillRef idx="1">
-        <a:scrgbClr r="0" g="0" b="0"/>
-      </a:fillRef>
-      <a:effectRef idx="0">
-        <a:scrgbClr r="0" g="0" b="0"/>
-      </a:effectRef>
-      <a:fontRef idx="minor">
-        <a:schemeClr val="lt1"/>
-      </a:fontRef>
-    </dgm:style>
-  </dgm:styleLbl>
-  <dgm:styleLbl name="sibTrans1D1">
-    <dgm:scene3d>
-      <a:camera prst="orthographicFront"/>
-      <a:lightRig rig="threePt" dir="t"/>
-    </dgm:scene3d>
-    <dgm:sp3d/>
-    <dgm:txPr/>
-    <dgm:style>
-      <a:lnRef idx="1">
-        <a:scrgbClr r="0" g="0" b="0"/>
-      </a:lnRef>
-      <a:fillRef idx="0">
-        <a:scrgbClr r="0" g="0" b="0"/>
-      </a:fillRef>
-      <a:effectRef idx="0">
-        <a:scrgbClr r="0" g="0" b="0"/>
-      </a:effectRef>
-      <a:fontRef idx="minor"/>
-    </dgm:style>
-  </dgm:styleLbl>
-  <dgm:styleLbl name="callout">
-    <dgm:scene3d>
-      <a:camera prst="orthographicFront"/>
-      <a:lightRig rig="threePt" dir="t"/>
-    </dgm:scene3d>
-    <dgm:sp3d/>
-    <dgm:txPr/>
-    <dgm:style>
-      <a:lnRef idx="2">
-        <a:scrgbClr r="0" g="0" b="0"/>
-      </a:lnRef>
-      <a:fillRef idx="1">
-        <a:scrgbClr r="0" g="0" b="0"/>
-      </a:fillRef>
-      <a:effectRef idx="0">
-        <a:scrgbClr r="0" g="0" b="0"/>
-      </a:effectRef>
-      <a:fontRef idx="minor"/>
-    </dgm:style>
-  </dgm:styleLbl>
-  <dgm:styleLbl name="asst0">
-    <dgm:scene3d>
-      <a:camera prst="orthographicFront"/>
-      <a:lightRig rig="threePt" dir="t"/>
-    </dgm:scene3d>
-    <dgm:sp3d/>
-    <dgm:txPr/>
-    <dgm:style>
-      <a:lnRef idx="2">
-        <a:scrgbClr r="0" g="0" b="0"/>
-      </a:lnRef>
-      <a:fillRef idx="1">
-        <a:scrgbClr r="0" g="0" b="0"/>
-      </a:fillRef>
-      <a:effectRef idx="0">
-        <a:scrgbClr r="0" g="0" b="0"/>
-      </a:effectRef>
-      <a:fontRef idx="minor">
-        <a:schemeClr val="lt1"/>
-      </a:fontRef>
-    </dgm:style>
-  </dgm:styleLbl>
-  <dgm:styleLbl name="asst1">
-    <dgm:scene3d>
-      <a:camera prst="orthographicFront"/>
-      <a:lightRig rig="threePt" dir="t"/>
-    </dgm:scene3d>
-    <dgm:sp3d/>
-    <dgm:txPr/>
-    <dgm:style>
-      <a:lnRef idx="2">
-        <a:scrgbClr r="0" g="0" b="0"/>
-      </a:lnRef>
-      <a:fillRef idx="1">
-        <a:scrgbClr r="0" g="0" b="0"/>
-      </a:fillRef>
-      <a:effectRef idx="0">
-        <a:scrgbClr r="0" g="0" b="0"/>
-      </a:effectRef>
-      <a:fontRef idx="minor">
-        <a:schemeClr val="lt1"/>
-      </a:fontRef>
-    </dgm:style>
-  </dgm:styleLbl>
-  <dgm:styleLbl name="asst2">
-    <dgm:scene3d>
-      <a:camera prst="orthographicFront"/>
-      <a:lightRig rig="threePt" dir="t"/>
-    </dgm:scene3d>
-    <dgm:sp3d/>
-    <dgm:txPr/>
-    <dgm:style>
-      <a:lnRef idx="2">
-        <a:scrgbClr r="0" g="0" b="0"/>
-      </a:lnRef>
-      <a:fillRef idx="1">
-        <a:scrgbClr r="0" g="0" b="0"/>
-      </a:fillRef>
-      <a:effectRef idx="0">
-        <a:scrgbClr r="0" g="0" b="0"/>
-      </a:effectRef>
-      <a:fontRef idx="minor">
-        <a:schemeClr val="lt1"/>
-      </a:fontRef>
-    </dgm:style>
-  </dgm:styleLbl>
-  <dgm:styleLbl name="asst3">
-    <dgm:scene3d>
-      <a:camera prst="orthographicFront"/>
-      <a:lightRig rig="threePt" dir="t"/>
-    </dgm:scene3d>
-    <dgm:sp3d/>
-    <dgm:txPr/>
-    <dgm:style>
-      <a:lnRef idx="2">
-        <a:scrgbClr r="0" g="0" b="0"/>
-      </a:lnRef>
-      <a:fillRef idx="1">
-        <a:scrgbClr r="0" g="0" b="0"/>
-      </a:fillRef>
-      <a:effectRef idx="0">
-        <a:scrgbClr r="0" g="0" b="0"/>
-      </a:effectRef>
-      <a:fontRef idx="minor">
-        <a:schemeClr val="lt1"/>
-      </a:fontRef>
-    </dgm:style>
-  </dgm:styleLbl>
-  <dgm:styleLbl name="asst4">
-    <dgm:scene3d>
-      <a:camera prst="orthographicFront"/>
-      <a:lightRig rig="threePt" dir="t"/>
-    </dgm:scene3d>
-    <dgm:sp3d/>
-    <dgm:txPr/>
-    <dgm:style>
-      <a:lnRef idx="2">
-        <a:scrgbClr r="0" g="0" b="0"/>
-      </a:lnRef>
-      <a:fillRef idx="1">
-        <a:scrgbClr r="0" g="0" b="0"/>
-      </a:fillRef>
-      <a:effectRef idx="0">
-        <a:scrgbClr r="0" g="0" b="0"/>
-      </a:effectRef>
-      <a:fontRef idx="minor">
-        <a:schemeClr val="lt1"/>
-      </a:fontRef>
-    </dgm:style>
-  </dgm:styleLbl>
-  <dgm:styleLbl name="parChTrans2D1">
-    <dgm:scene3d>
-      <a:camera prst="orthographicFront"/>
-      <a:lightRig rig="threePt" dir="t"/>
-    </dgm:scene3d>
-    <dgm:sp3d/>
-    <dgm:txPr/>
-    <dgm:style>
-      <a:lnRef idx="2">
-        <a:scrgbClr r="0" g="0" b="0"/>
-      </a:lnRef>
-      <a:fillRef idx="1">
-        <a:scrgbClr r="0" g="0" b="0"/>
-      </a:fillRef>
-      <a:effectRef idx="0">
-        <a:scrgbClr r="0" g="0" b="0"/>
-      </a:effectRef>
-      <a:fontRef idx="minor">
-        <a:schemeClr val="lt1"/>
-      </a:fontRef>
-    </dgm:style>
-  </dgm:styleLbl>
-  <dgm:styleLbl name="parChTrans2D2">
-    <dgm:scene3d>
-      <a:camera prst="orthographicFront"/>
-      <a:lightRig rig="threePt" dir="t"/>
-    </dgm:scene3d>
-    <dgm:sp3d/>
-    <dgm:txPr/>
-    <dgm:style>
-      <a:lnRef idx="2">
-        <a:scrgbClr r="0" g="0" b="0"/>
-      </a:lnRef>
-      <a:fillRef idx="1">
-        <a:scrgbClr r="0" g="0" b="0"/>
-      </a:fillRef>
-      <a:effectRef idx="0">
-        <a:scrgbClr r="0" g="0" b="0"/>
-      </a:effectRef>
-      <a:fontRef idx="minor">
-        <a:schemeClr val="lt1"/>
-      </a:fontRef>
-    </dgm:style>
-  </dgm:styleLbl>
-  <dgm:styleLbl name="parChTrans2D3">
-    <dgm:scene3d>
-      <a:camera prst="orthographicFront"/>
-      <a:lightRig rig="threePt" dir="t"/>
-    </dgm:scene3d>
-    <dgm:sp3d/>
-    <dgm:txPr/>
-    <dgm:style>
-      <a:lnRef idx="2">
-        <a:scrgbClr r="0" g="0" b="0"/>
-      </a:lnRef>
-      <a:fillRef idx="1">
-        <a:scrgbClr r="0" g="0" b="0"/>
-      </a:fillRef>
-      <a:effectRef idx="0">
-        <a:scrgbClr r="0" g="0" b="0"/>
-      </a:effectRef>
-      <a:fontRef idx="minor">
-        <a:schemeClr val="lt1"/>
-      </a:fontRef>
-    </dgm:style>
-  </dgm:styleLbl>
-  <dgm:styleLbl name="parChTrans2D4">
-    <dgm:scene3d>
-      <a:camera prst="orthographicFront"/>
-      <a:lightRig rig="threePt" dir="t"/>
-    </dgm:scene3d>
-    <dgm:sp3d/>
-    <dgm:txPr/>
-    <dgm:style>
-      <a:lnRef idx="2">
-        <a:scrgbClr r="0" g="0" b="0"/>
-      </a:lnRef>
-      <a:fillRef idx="1">
-        <a:scrgbClr r="0" g="0" b="0"/>
-      </a:fillRef>
-      <a:effectRef idx="0">
-        <a:scrgbClr r="0" g="0" b="0"/>
-      </a:effectRef>
-      <a:fontRef idx="minor">
-        <a:schemeClr val="lt1"/>
-      </a:fontRef>
-    </dgm:style>
-  </dgm:styleLbl>
-  <dgm:styleLbl name="parChTrans1D1">
-    <dgm:scene3d>
-      <a:camera prst="orthographicFront"/>
-      <a:lightRig rig="threePt" dir="t"/>
-    </dgm:scene3d>
-    <dgm:sp3d/>
-    <dgm:txPr/>
-    <dgm:style>
-      <a:lnRef idx="2">
-        <a:scrgbClr r="0" g="0" b="0"/>
-      </a:lnRef>
-      <a:fillRef idx="0">
-        <a:scrgbClr r="0" g="0" b="0"/>
-      </a:fillRef>
-      <a:effectRef idx="0">
-        <a:scrgbClr r="0" g="0" b="0"/>
-      </a:effectRef>
-      <a:fontRef idx="minor"/>
-    </dgm:style>
-  </dgm:styleLbl>
-  <dgm:styleLbl name="parChTrans1D2">
-    <dgm:scene3d>
-      <a:camera prst="orthographicFront"/>
-      <a:lightRig rig="threePt" dir="t"/>
-    </dgm:scene3d>
-    <dgm:sp3d/>
-    <dgm:txPr/>
-    <dgm:style>
-      <a:lnRef idx="2">
-        <a:scrgbClr r="0" g="0" b="0"/>
-      </a:lnRef>
-      <a:fillRef idx="0">
-        <a:scrgbClr r="0" g="0" b="0"/>
-      </a:fillRef>
-      <a:effectRef idx="0">
-        <a:scrgbClr r="0" g="0" b="0"/>
-      </a:effectRef>
-      <a:fontRef idx="minor"/>
-    </dgm:style>
-  </dgm:styleLbl>
-  <dgm:styleLbl name="parChTrans1D3">
-    <dgm:scene3d>
-      <a:camera prst="orthographicFront"/>
-      <a:lightRig rig="threePt" dir="t"/>
-    </dgm:scene3d>
-    <dgm:sp3d/>
-    <dgm:txPr/>
-    <dgm:style>
-      <a:lnRef idx="2">
-        <a:scrgbClr r="0" g="0" b="0"/>
-      </a:lnRef>
-      <a:fillRef idx="0">
-        <a:scrgbClr r="0" g="0" b="0"/>
-      </a:fillRef>
-      <a:effectRef idx="0">
-        <a:scrgbClr r="0" g="0" b="0"/>
-      </a:effectRef>
-      <a:fontRef idx="minor"/>
-    </dgm:style>
-  </dgm:styleLbl>
-  <dgm:styleLbl name="parChTrans1D4">
-    <dgm:scene3d>
-      <a:camera prst="orthographicFront"/>
-      <a:lightRig rig="threePt" dir="t"/>
-    </dgm:scene3d>
-    <dgm:sp3d/>
-    <dgm:txPr/>
-    <dgm:style>
-      <a:lnRef idx="2">
-        <a:scrgbClr r="0" g="0" b="0"/>
-      </a:lnRef>
-      <a:fillRef idx="0">
-        <a:scrgbClr r="0" g="0" b="0"/>
-      </a:fillRef>
-      <a:effectRef idx="0">
-        <a:scrgbClr r="0" g="0" b="0"/>
-      </a:effectRef>
-      <a:fontRef idx="minor"/>
-    </dgm:style>
-  </dgm:styleLbl>
-  <dgm:styleLbl name="fgAcc1">
-    <dgm:scene3d>
-      <a:camera prst="orthographicFront"/>
-      <a:lightRig rig="threePt" dir="t"/>
-    </dgm:scene3d>
-    <dgm:sp3d/>
-    <dgm:txPr/>
-    <dgm:style>
-      <a:lnRef idx="2">
-        <a:scrgbClr r="0" g="0" b="0"/>
-      </a:lnRef>
-      <a:fillRef idx="1">
-        <a:scrgbClr r="0" g="0" b="0"/>
-      </a:fillRef>
-      <a:effectRef idx="0">
-        <a:scrgbClr r="0" g="0" b="0"/>
-      </a:effectRef>
-      <a:fontRef idx="minor"/>
-    </dgm:style>
-  </dgm:styleLbl>
-  <dgm:styleLbl name="conFgAcc1">
-    <dgm:scene3d>
-      <a:camera prst="orthographicFront"/>
-      <a:lightRig rig="threePt" dir="t"/>
-    </dgm:scene3d>
-    <dgm:sp3d/>
-    <dgm:txPr/>
-    <dgm:style>
-      <a:lnRef idx="2">
-        <a:scrgbClr r="0" g="0" b="0"/>
-      </a:lnRef>
-      <a:fillRef idx="1">
-        <a:scrgbClr r="0" g="0" b="0"/>
-      </a:fillRef>
-      <a:effectRef idx="0">
-        <a:scrgbClr r="0" g="0" b="0"/>
-      </a:effectRef>
-      <a:fontRef idx="minor"/>
-    </dgm:style>
-  </dgm:styleLbl>
-  <dgm:styleLbl name="alignAcc1">
-    <dgm:scene3d>
-      <a:camera prst="orthographicFront"/>
-      <a:lightRig rig="threePt" dir="t"/>
-    </dgm:scene3d>
-    <dgm:sp3d/>
-    <dgm:txPr/>
-    <dgm:style>
-      <a:lnRef idx="2">
-        <a:scrgbClr r="0" g="0" b="0"/>
-      </a:lnRef>
-      <a:fillRef idx="1">
-        <a:scrgbClr r="0" g="0" b="0"/>
-      </a:fillRef>
-      <a:effectRef idx="0">
-        <a:scrgbClr r="0" g="0" b="0"/>
-      </a:effectRef>
-      <a:fontRef idx="minor"/>
-    </dgm:style>
-  </dgm:styleLbl>
-  <dgm:styleLbl name="trAlignAcc1">
-    <dgm:scene3d>
-      <a:camera prst="orthographicFront"/>
-      <a:lightRig rig="threePt" dir="t"/>
-    </dgm:scene3d>
-    <dgm:sp3d/>
-    <dgm:txPr/>
-    <dgm:style>
-      <a:lnRef idx="1">
-        <a:scrgbClr r="0" g="0" b="0"/>
-      </a:lnRef>
-      <a:fillRef idx="1">
-        <a:scrgbClr r="0" g="0" b="0"/>
-      </a:fillRef>
-      <a:effectRef idx="0">
-        <a:scrgbClr r="0" g="0" b="0"/>
-      </a:effectRef>
-      <a:fontRef idx="minor"/>
-    </dgm:style>
-  </dgm:styleLbl>
-  <dgm:styleLbl name="bgAcc1">
-    <dgm:scene3d>
-      <a:camera prst="orthographicFront"/>
-      <a:lightRig rig="threePt" dir="t"/>
-    </dgm:scene3d>
-    <dgm:sp3d/>
-    <dgm:txPr/>
-    <dgm:style>
-      <a:lnRef idx="2">
-        <a:scrgbClr r="0" g="0" b="0"/>
-      </a:lnRef>
-      <a:fillRef idx="1">
-        <a:scrgbClr r="0" g="0" b="0"/>
-      </a:fillRef>
-      <a:effectRef idx="0">
-        <a:scrgbClr r="0" g="0" b="0"/>
-      </a:effectRef>
-      <a:fontRef idx="minor"/>
-    </dgm:style>
-  </dgm:styleLbl>
-  <dgm:styleLbl name="solidFgAcc1">
-    <dgm:scene3d>
-      <a:camera prst="orthographicFront"/>
-      <a:lightRig rig="threePt" dir="t"/>
-    </dgm:scene3d>
-    <dgm:sp3d/>
-    <dgm:txPr/>
-    <dgm:style>
-      <a:lnRef idx="2">
-        <a:scrgbClr r="0" g="0" b="0"/>
-      </a:lnRef>
-      <a:fillRef idx="1">
-        <a:scrgbClr r="0" g="0" b="0"/>
-      </a:fillRef>
-      <a:effectRef idx="0">
-        <a:scrgbClr r="0" g="0" b="0"/>
-      </a:effectRef>
-      <a:fontRef idx="minor"/>
-    </dgm:style>
-  </dgm:styleLbl>
-  <dgm:styleLbl name="solidAlignAcc1">
-    <dgm:scene3d>
-      <a:camera prst="orthographicFront"/>
-      <a:lightRig rig="threePt" dir="t"/>
-    </dgm:scene3d>
-    <dgm:sp3d/>
-    <dgm:txPr/>
-    <dgm:style>
-      <a:lnRef idx="2">
-        <a:scrgbClr r="0" g="0" b="0"/>
-      </a:lnRef>
-      <a:fillRef idx="1">
-        <a:scrgbClr r="0" g="0" b="0"/>
-      </a:fillRef>
-      <a:effectRef idx="0">
-        <a:scrgbClr r="0" g="0" b="0"/>
-      </a:effectRef>
-      <a:fontRef idx="minor"/>
-    </dgm:style>
-  </dgm:styleLbl>
-  <dgm:styleLbl name="solidBgAcc1">
-    <dgm:scene3d>
-      <a:camera prst="orthographicFront"/>
-      <a:lightRig rig="threePt" dir="t"/>
-    </dgm:scene3d>
-    <dgm:sp3d/>
-    <dgm:txPr/>
-    <dgm:style>
-      <a:lnRef idx="2">
-        <a:scrgbClr r="0" g="0" b="0"/>
-      </a:lnRef>
-      <a:fillRef idx="1">
-        <a:scrgbClr r="0" g="0" b="0"/>
-      </a:fillRef>
-      <a:effectRef idx="0">
-        <a:scrgbClr r="0" g="0" b="0"/>
-      </a:effectRef>
-      <a:fontRef idx="minor"/>
-    </dgm:style>
-  </dgm:styleLbl>
-  <dgm:styleLbl name="fgAccFollowNode1">
-    <dgm:scene3d>
-      <a:camera prst="orthographicFront"/>
-      <a:lightRig rig="threePt" dir="t"/>
-    </dgm:scene3d>
-    <dgm:sp3d/>
-    <dgm:txPr/>
-    <dgm:style>
-      <a:lnRef idx="2">
-        <a:scrgbClr r="0" g="0" b="0"/>
-      </a:lnRef>
-      <a:fillRef idx="1">
-        <a:scrgbClr r="0" g="0" b="0"/>
-      </a:fillRef>
-      <a:effectRef idx="0">
-        <a:scrgbClr r="0" g="0" b="0"/>
-      </a:effectRef>
-      <a:fontRef idx="minor"/>
-    </dgm:style>
-  </dgm:styleLbl>
-  <dgm:styleLbl name="alignAccFollowNode1">
-    <dgm:scene3d>
-      <a:camera prst="orthographicFront"/>
-      <a:lightRig rig="threePt" dir="t"/>
-    </dgm:scene3d>
-    <dgm:sp3d/>
-    <dgm:txPr/>
-    <dgm:style>
-      <a:lnRef idx="2">
-        <a:scrgbClr r="0" g="0" b="0"/>
-      </a:lnRef>
-      <a:fillRef idx="1">
-        <a:scrgbClr r="0" g="0" b="0"/>
-      </a:fillRef>
-      <a:effectRef idx="0">
-        <a:scrgbClr r="0" g="0" b="0"/>
-      </a:effectRef>
-      <a:fontRef idx="minor"/>
-    </dgm:style>
-  </dgm:styleLbl>
-  <dgm:styleLbl name="bgAccFollowNode1">
-    <dgm:scene3d>
-      <a:camera prst="orthographicFront"/>
-      <a:lightRig rig="threePt" dir="t"/>
-    </dgm:scene3d>
-    <dgm:sp3d/>
-    <dgm:txPr/>
-    <dgm:style>
-      <a:lnRef idx="2">
-        <a:scrgbClr r="0" g="0" b="0"/>
-      </a:lnRef>
-      <a:fillRef idx="1">
-        <a:scrgbClr r="0" g="0" b="0"/>
-      </a:fillRef>
-      <a:effectRef idx="0">
-        <a:scrgbClr r="0" g="0" b="0"/>
-      </a:effectRef>
-      <a:fontRef idx="minor"/>
-    </dgm:style>
-  </dgm:styleLbl>
-  <dgm:styleLbl name="fgAcc0">
-    <dgm:scene3d>
-      <a:camera prst="orthographicFront"/>
-      <a:lightRig rig="threePt" dir="t"/>
-    </dgm:scene3d>
-    <dgm:sp3d/>
-    <dgm:txPr/>
-    <dgm:style>
-      <a:lnRef idx="2">
-        <a:scrgbClr r="0" g="0" b="0"/>
-      </a:lnRef>
-      <a:fillRef idx="1">
-        <a:scrgbClr r="0" g="0" b="0"/>
-      </a:fillRef>
-      <a:effectRef idx="0">
-        <a:scrgbClr r="0" g="0" b="0"/>
-      </a:effectRef>
-      <a:fontRef idx="minor"/>
-    </dgm:style>
-  </dgm:styleLbl>
-  <dgm:styleLbl name="fgAcc2">
-    <dgm:scene3d>
-      <a:camera prst="orthographicFront"/>
-      <a:lightRig rig="threePt" dir="t"/>
-    </dgm:scene3d>
-    <dgm:sp3d/>
-    <dgm:txPr/>
-    <dgm:style>
-      <a:lnRef idx="2">
-        <a:scrgbClr r="0" g="0" b="0"/>
-      </a:lnRef>
-      <a:fillRef idx="1">
-        <a:scrgbClr r="0" g="0" b="0"/>
-      </a:fillRef>
-      <a:effectRef idx="0">
-        <a:scrgbClr r="0" g="0" b="0"/>
-      </a:effectRef>
-      <a:fontRef idx="minor"/>
-    </dgm:style>
-  </dgm:styleLbl>
-  <dgm:styleLbl name="fgAcc3">
-    <dgm:scene3d>
-      <a:camera prst="orthographicFront"/>
-      <a:lightRig rig="threePt" dir="t"/>
-    </dgm:scene3d>
-    <dgm:sp3d/>
-    <dgm:txPr/>
-    <dgm:style>
-      <a:lnRef idx="2">
-        <a:scrgbClr r="0" g="0" b="0"/>
-      </a:lnRef>
-      <a:fillRef idx="1">
-        <a:scrgbClr r="0" g="0" b="0"/>
-      </a:fillRef>
-      <a:effectRef idx="0">
-        <a:scrgbClr r="0" g="0" b="0"/>
-      </a:effectRef>
-      <a:fontRef idx="minor"/>
-    </dgm:style>
-  </dgm:styleLbl>
-  <dgm:styleLbl name="fgAcc4">
-    <dgm:scene3d>
-      <a:camera prst="orthographicFront"/>
-      <a:lightRig rig="threePt" dir="t"/>
-    </dgm:scene3d>
-    <dgm:sp3d/>
-    <dgm:txPr/>
-    <dgm:style>
-      <a:lnRef idx="2">
-        <a:scrgbClr r="0" g="0" b="0"/>
-      </a:lnRef>
-      <a:fillRef idx="1">
-        <a:scrgbClr r="0" g="0" b="0"/>
-      </a:fillRef>
-      <a:effectRef idx="0">
-        <a:scrgbClr r="0" g="0" b="0"/>
-      </a:effectRef>
-      <a:fontRef idx="minor"/>
-    </dgm:style>
-  </dgm:styleLbl>
-  <dgm:styleLbl name="bgShp">
-    <dgm:scene3d>
-      <a:camera prst="orthographicFront"/>
-      <a:lightRig rig="threePt" dir="t"/>
-    </dgm:scene3d>
-    <dgm:sp3d/>
-    <dgm:txPr/>
-    <dgm:style>
-      <a:lnRef idx="0">
-        <a:scrgbClr r="0" g="0" b="0"/>
-      </a:lnRef>
-      <a:fillRef idx="1">
-        <a:scrgbClr r="0" g="0" b="0"/>
-      </a:fillRef>
-      <a:effectRef idx="0">
-        <a:scrgbClr r="0" g="0" b="0"/>
-      </a:effectRef>
-      <a:fontRef idx="minor"/>
-    </dgm:style>
-  </dgm:styleLbl>
-  <dgm:styleLbl name="dkBgShp">
-    <dgm:scene3d>
-      <a:camera prst="orthographicFront"/>
-      <a:lightRig rig="threePt" dir="t"/>
-    </dgm:scene3d>
-    <dgm:sp3d/>
-    <dgm:txPr/>
-    <dgm:style>
-      <a:lnRef idx="0">
-        <a:scrgbClr r="0" g="0" b="0"/>
-      </a:lnRef>
-      <a:fillRef idx="1">
-        <a:scrgbClr r="0" g="0" b="0"/>
-      </a:fillRef>
-      <a:effectRef idx="0">
-        <a:scrgbClr r="0" g="0" b="0"/>
-      </a:effectRef>
-      <a:fontRef idx="minor"/>
-    </dgm:style>
-  </dgm:styleLbl>
-  <dgm:styleLbl name="trBgShp">
-    <dgm:scene3d>
-      <a:camera prst="orthographicFront"/>
-      <a:lightRig rig="threePt" dir="t"/>
-    </dgm:scene3d>
-    <dgm:sp3d/>
-    <dgm:txPr/>
-    <dgm:style>
-      <a:lnRef idx="0">
-        <a:scrgbClr r="0" g="0" b="0"/>
-      </a:lnRef>
-      <a:fillRef idx="1">
-        <a:scrgbClr r="0" g="0" b="0"/>
-      </a:fillRef>
-      <a:effectRef idx="0">
-        <a:scrgbClr r="0" g="0" b="0"/>
-      </a:effectRef>
-      <a:fontRef idx="minor"/>
-    </dgm:style>
-  </dgm:styleLbl>
-  <dgm:styleLbl name="fgShp">
-    <dgm:scene3d>
-      <a:camera prst="orthographicFront"/>
-      <a:lightRig rig="threePt" dir="t"/>
-    </dgm:scene3d>
-    <dgm:sp3d/>
-    <dgm:txPr/>
-    <dgm:style>
-      <a:lnRef idx="2">
-        <a:scrgbClr r="0" g="0" b="0"/>
-      </a:lnRef>
-      <a:fillRef idx="1">
-        <a:scrgbClr r="0" g="0" b="0"/>
-      </a:fillRef>
-      <a:effectRef idx="0">
-        <a:scrgbClr r="0" g="0" b="0"/>
-      </a:effectRef>
-      <a:fontRef idx="minor"/>
-    </dgm:style>
-  </dgm:styleLbl>
-  <dgm:styleLbl name="revTx">
-    <dgm:scene3d>
-      <a:camera prst="orthographicFront"/>
-      <a:lightRig rig="threePt" dir="t"/>
-    </dgm:scene3d>
-    <dgm:sp3d/>
-    <dgm:txPr/>
-    <dgm:style>
-      <a:lnRef idx="0">
-        <a:scrgbClr r="0" g="0" b="0"/>
-      </a:lnRef>
-      <a:fillRef idx="0">
-        <a:scrgbClr r="0" g="0" b="0"/>
-      </a:fillRef>
-      <a:effectRef idx="0">
-        <a:scrgbClr r="0" g="0" b="0"/>
-      </a:effectRef>
-      <a:fontRef idx="minor"/>
-    </dgm:style>
-  </dgm:styleLbl>
-</dgm:styleDef>
 </file>
 
 <file path=ppt/notesMasters/notesMaster1.xml><?xml version="1.0" encoding="utf-8"?>
@@ -3957,7 +494,7 @@
           <a:p>
             <a:fld id="{6A2BAEC1-4863-4454-88FA-98384790BF34}" type="datetimeFigureOut">
               <a:rPr lang="en-IN" smtClean="0"/>
-              <a:t>03-07-2025</a:t>
+              <a:t>04-07-2025</a:t>
             </a:fld>
             <a:endParaRPr lang="en-IN"/>
           </a:p>
@@ -4225,6 +762,117 @@
 </p:notesMaster>
 </file>
 
+<file path=ppt/notesSlides/notesSlide1.xml><?xml version="1.0" encoding="utf-8"?>
+<p:notes xmlns:a="http://schemas.openxmlformats.org/drawingml/2006/main" xmlns:r="http://schemas.openxmlformats.org/officeDocument/2006/relationships" xmlns:p="http://schemas.openxmlformats.org/presentationml/2006/main">
+  <p:cSld>
+    <p:spTree>
+      <p:nvGrpSpPr>
+        <p:cNvPr id="1" name=""/>
+        <p:cNvGrpSpPr/>
+        <p:nvPr/>
+      </p:nvGrpSpPr>
+      <p:grpSpPr>
+        <a:xfrm>
+          <a:off x="0" y="0"/>
+          <a:ext cx="0" cy="0"/>
+          <a:chOff x="0" y="0"/>
+          <a:chExt cx="0" cy="0"/>
+        </a:xfrm>
+      </p:grpSpPr>
+      <p:sp>
+        <p:nvSpPr>
+          <p:cNvPr id="2" name="Slide Image Placeholder 1"/>
+          <p:cNvSpPr>
+            <a:spLocks noGrp="1" noRot="1" noChangeAspect="1"/>
+          </p:cNvSpPr>
+          <p:nvPr>
+            <p:ph type="sldImg"/>
+          </p:nvPr>
+        </p:nvSpPr>
+        <p:spPr/>
+      </p:sp>
+      <p:sp>
+        <p:nvSpPr>
+          <p:cNvPr id="3" name="Notes Placeholder 2"/>
+          <p:cNvSpPr>
+            <a:spLocks noGrp="1"/>
+          </p:cNvSpPr>
+          <p:nvPr>
+            <p:ph type="body" idx="1"/>
+          </p:nvPr>
+        </p:nvSpPr>
+        <p:spPr/>
+        <p:txBody>
+          <a:bodyPr/>
+          <a:lstStyle/>
+          <a:p>
+            <a:r>
+              <a:rPr lang="en-US" dirty="0"/>
+              <a:t>JOURNAL</a:t>
+            </a:r>
+          </a:p>
+          <a:p>
+            <a:r>
+              <a:rPr lang="en-US" dirty="0"/>
+              <a:t>2023-25</a:t>
+            </a:r>
+          </a:p>
+          <a:p>
+            <a:r>
+              <a:rPr lang="en-US" dirty="0"/>
+              <a:t>1)IEEE</a:t>
+            </a:r>
+          </a:p>
+          <a:p>
+            <a:r>
+              <a:rPr lang="en-US" dirty="0"/>
+              <a:t>2)ELS</a:t>
+            </a:r>
+          </a:p>
+          <a:p>
+            <a:r>
+              <a:rPr lang="en-US" dirty="0"/>
+              <a:t>3_GOOGLE SCHOLAR</a:t>
+            </a:r>
+          </a:p>
+        </p:txBody>
+      </p:sp>
+      <p:sp>
+        <p:nvSpPr>
+          <p:cNvPr id="4" name="Slide Number Placeholder 3"/>
+          <p:cNvSpPr>
+            <a:spLocks noGrp="1"/>
+          </p:cNvSpPr>
+          <p:nvPr>
+            <p:ph type="sldNum" sz="quarter" idx="5"/>
+          </p:nvPr>
+        </p:nvSpPr>
+        <p:spPr/>
+        <p:txBody>
+          <a:bodyPr/>
+          <a:lstStyle/>
+          <a:p>
+            <a:fld id="{97466DA6-5E59-4A78-9DEE-507B2B279AF2}" type="slidenum">
+              <a:rPr lang="en-IN" smtClean="0"/>
+              <a:t>1</a:t>
+            </a:fld>
+            <a:endParaRPr lang="en-IN"/>
+          </a:p>
+        </p:txBody>
+      </p:sp>
+    </p:spTree>
+    <p:extLst>
+      <p:ext uri="{BB962C8B-B14F-4D97-AF65-F5344CB8AC3E}">
+        <p14:creationId xmlns:p14="http://schemas.microsoft.com/office/powerpoint/2010/main" val="2440530519"/>
+      </p:ext>
+    </p:extLst>
+  </p:cSld>
+  <p:clrMapOvr>
+    <a:masterClrMapping/>
+  </p:clrMapOvr>
+</p:notes>
+</file>
+
 <file path=ppt/slideLayouts/slideLayout1.xml><?xml version="1.0" encoding="utf-8"?>
 <p:sldLayout xmlns:a="http://schemas.openxmlformats.org/drawingml/2006/main" xmlns:r="http://schemas.openxmlformats.org/officeDocument/2006/relationships" xmlns:p="http://schemas.openxmlformats.org/presentationml/2006/main" type="title" preserve="1">
   <p:cSld name="Title Slide">
@@ -4374,7 +1022,7 @@
           <a:p>
             <a:fld id="{8613684A-F199-40CC-AE9B-C8A8D93B44F7}" type="datetime1">
               <a:rPr lang="en-IN" smtClean="0"/>
-              <a:t>03-07-2025</a:t>
+              <a:t>04-07-2025</a:t>
             </a:fld>
             <a:endParaRPr lang="en-IN"/>
           </a:p>
@@ -4578,7 +1226,7 @@
           <a:p>
             <a:fld id="{5C476C79-901E-4A9A-90E2-A3F666A1D04A}" type="datetime1">
               <a:rPr lang="en-IN" smtClean="0"/>
-              <a:t>03-07-2025</a:t>
+              <a:t>04-07-2025</a:t>
             </a:fld>
             <a:endParaRPr lang="en-IN"/>
           </a:p>
@@ -4792,7 +1440,7 @@
           <a:p>
             <a:fld id="{E0BE2B19-558E-4057-9903-E6535DE06118}" type="datetime1">
               <a:rPr lang="en-IN" smtClean="0"/>
-              <a:t>03-07-2025</a:t>
+              <a:t>04-07-2025</a:t>
             </a:fld>
             <a:endParaRPr lang="en-IN"/>
           </a:p>
@@ -4996,7 +1644,7 @@
           <a:p>
             <a:fld id="{5DC19ACD-4AE4-4C27-B305-CA0EE24A3A52}" type="datetime1">
               <a:rPr lang="en-IN" smtClean="0"/>
-              <a:t>03-07-2025</a:t>
+              <a:t>04-07-2025</a:t>
             </a:fld>
             <a:endParaRPr lang="en-IN"/>
           </a:p>
@@ -5276,7 +1924,7 @@
           <a:p>
             <a:fld id="{9D00E83F-FC97-4F6C-A523-47D6103D7AA1}" type="datetime1">
               <a:rPr lang="en-IN" smtClean="0"/>
-              <a:t>03-07-2025</a:t>
+              <a:t>04-07-2025</a:t>
             </a:fld>
             <a:endParaRPr lang="en-IN"/>
           </a:p>
@@ -5548,7 +2196,7 @@
           <a:p>
             <a:fld id="{EBCE99AD-2FFB-46AB-A33D-E9C04D87AE4E}" type="datetime1">
               <a:rPr lang="en-IN" smtClean="0"/>
-              <a:t>03-07-2025</a:t>
+              <a:t>04-07-2025</a:t>
             </a:fld>
             <a:endParaRPr lang="en-IN"/>
           </a:p>
@@ -5967,7 +2615,7 @@
           <a:p>
             <a:fld id="{AE1503D0-6F55-434E-90BF-78209D346FE5}" type="datetime1">
               <a:rPr lang="en-IN" smtClean="0"/>
-              <a:t>03-07-2025</a:t>
+              <a:t>04-07-2025</a:t>
             </a:fld>
             <a:endParaRPr lang="en-IN"/>
           </a:p>
@@ -6113,7 +2761,7 @@
           <a:p>
             <a:fld id="{E6AA5BA0-971C-46DB-9D8C-D2120A8372DB}" type="datetime1">
               <a:rPr lang="en-IN" smtClean="0"/>
-              <a:t>03-07-2025</a:t>
+              <a:t>04-07-2025</a:t>
             </a:fld>
             <a:endParaRPr lang="en-IN"/>
           </a:p>
@@ -6230,7 +2878,7 @@
           <a:p>
             <a:fld id="{ADC119ED-5D95-48C3-8C59-90E70F15746F}" type="datetime1">
               <a:rPr lang="en-IN" smtClean="0"/>
-              <a:t>03-07-2025</a:t>
+              <a:t>04-07-2025</a:t>
             </a:fld>
             <a:endParaRPr lang="en-IN"/>
           </a:p>
@@ -6547,7 +3195,7 @@
           <a:p>
             <a:fld id="{6A5041BA-5429-4F27-8227-8537A58A85F4}" type="datetime1">
               <a:rPr lang="en-IN" smtClean="0"/>
-              <a:t>03-07-2025</a:t>
+              <a:t>04-07-2025</a:t>
             </a:fld>
             <a:endParaRPr lang="en-IN"/>
           </a:p>
@@ -6840,7 +3488,7 @@
           <a:p>
             <a:fld id="{CF92BC88-7684-4810-B9A4-2CD6DA006E43}" type="datetime1">
               <a:rPr lang="en-IN" smtClean="0"/>
-              <a:t>03-07-2025</a:t>
+              <a:t>04-07-2025</a:t>
             </a:fld>
             <a:endParaRPr lang="en-IN"/>
           </a:p>
@@ -7087,7 +3735,7 @@
           <a:p>
             <a:fld id="{D6691756-3901-4731-9A98-03927E0C0243}" type="datetime1">
               <a:rPr lang="en-IN" smtClean="0"/>
-              <a:t>03-07-2025</a:t>
+              <a:t>04-07-2025</a:t>
             </a:fld>
             <a:endParaRPr lang="en-IN"/>
           </a:p>
@@ -7498,7 +4146,7 @@
     <p:bg>
       <p:bgPr>
         <a:blipFill dpi="0" rotWithShape="1">
-          <a:blip r:embed="rId2">
+          <a:blip r:embed="rId3">
             <a:lum/>
           </a:blip>
           <a:srcRect/>
@@ -7546,7 +4194,7 @@
           <a:p>
             <a:fld id="{EDA338F8-E43E-4CB9-B465-8C2B9469E473}" type="datetime1">
               <a:rPr lang="en-IN" smtClean="0"/>
-              <a:t>03-07-2025</a:t>
+              <a:t>04-07-2025</a:t>
             </a:fld>
             <a:endParaRPr lang="en-IN"/>
           </a:p>
@@ -7625,7 +4273,7 @@
           <p:nvPr/>
         </p:nvPicPr>
         <p:blipFill>
-          <a:blip r:embed="rId3"/>
+          <a:blip r:embed="rId4"/>
           <a:stretch>
             <a:fillRect/>
           </a:stretch>
@@ -7806,7 +4454,7 @@
           <p:nvPr/>
         </p:nvPicPr>
         <p:blipFill>
-          <a:blip r:embed="rId3"/>
+          <a:blip r:embed="rId4"/>
           <a:stretch>
             <a:fillRect/>
           </a:stretch>
@@ -7927,7 +4575,7 @@
           <a:p>
             <a:fld id="{69B04CAF-D6F7-4F16-917F-BA7358A29B27}" type="datetime1">
               <a:rPr lang="en-IN" smtClean="0"/>
-              <a:t>03-07-2025</a:t>
+              <a:t>04-07-2025</a:t>
             </a:fld>
             <a:endParaRPr lang="en-IN"/>
           </a:p>
@@ -8188,7 +4836,7 @@
           <a:p>
             <a:fld id="{5DC19ACD-4AE4-4C27-B305-CA0EE24A3A52}" type="datetime1">
               <a:rPr lang="en-IN" smtClean="0"/>
-              <a:t>03-07-2025</a:t>
+              <a:t>04-07-2025</a:t>
             </a:fld>
             <a:endParaRPr lang="en-IN" dirty="0"/>
           </a:p>
@@ -8429,23 +5077,7 @@
                   <a:schemeClr val="tx1"/>
                 </a:solidFill>
               </a:rPr>
-              <a:t>Our solution is a web-based real-time complaint analysis and resolution platform designed to improve how urban public utility issues are reported, tracked, and resolved. It empowers citizens to easily log complaints using </a:t>
-            </a:r>
-            <a:r>
-              <a:rPr lang="en-US" b="1" i="1" dirty="0" err="1">
-                <a:solidFill>
-                  <a:schemeClr val="tx1"/>
-                </a:solidFill>
-              </a:rPr>
-              <a:t>text,images,vids</a:t>
-            </a:r>
-            <a:r>
-              <a:rPr lang="en-US" b="1" i="1" dirty="0">
-                <a:solidFill>
-                  <a:schemeClr val="tx1"/>
-                </a:solidFill>
-              </a:rPr>
-              <a:t> and documents, while allowing them to track progress and receive timely updates. Government officials are equipped with an AI-powered dashboard that helps them prioritize issues based on severity, location, and escalation status. The platform includes smart features such as automated categorization, geo-tagging, predictive analytics, and a dynamic heatmap interface to visualize complaint trends. A smart escalation system ensures that unresolved issues are automatically flagged and escalated to higher authorities. With additional tools like multilingual support, accessibility features, offline mode, and community gamification, this solution creates a transparent, efficient, and citizen-centric ecosystem for managing urban utility complaints</a:t>
+              <a:t>Our solution is a web-based real-time complaint analysis and resolution platform designed to improve how urban public utility issues are reported, tracked, and resolved. It empowers citizens to easily log complaints using text,images,videos and documents, while allowing them to track progress and receive timely updates. Government officials are equipped with an AI-powered dashboard that helps them prioritize issues based on severity, location, and escalation status. The platform includes smart features such as automated categorization, geo-tagging, predictive analytics, and a dynamic heatmap interface to visualize complaint trends. A smart escalation system ensures that unresolved issues are automatically flagged and escalated to higher authorities. With additional tools like multilingual support, accessibility features, offline mode, and community gamification, this solution creates a transparent, efficient, and citizen-centric ecosystem for managing urban utility complaints</a:t>
             </a:r>
             <a:endParaRPr lang="en-IN" b="1" i="1" dirty="0">
               <a:solidFill>
@@ -8465,6 +5097,141 @@
   <p:clrMapOvr>
     <a:masterClrMapping/>
   </p:clrMapOvr>
+  <p:timing>
+    <p:tnLst>
+      <p:par>
+        <p:cTn id="1" dur="indefinite" restart="never" nodeType="tmRoot">
+          <p:childTnLst>
+            <p:seq concurrent="1" nextAc="seek">
+              <p:cTn id="2" dur="indefinite" nodeType="mainSeq">
+                <p:childTnLst>
+                  <p:par>
+                    <p:cTn id="3" fill="hold">
+                      <p:stCondLst>
+                        <p:cond delay="indefinite"/>
+                      </p:stCondLst>
+                      <p:childTnLst>
+                        <p:par>
+                          <p:cTn id="4" fill="hold">
+                            <p:stCondLst>
+                              <p:cond delay="0"/>
+                            </p:stCondLst>
+                            <p:childTnLst>
+                              <p:par>
+                                <p:cTn id="5" presetID="32" presetClass="emph" presetSubtype="0" fill="hold" grpId="0" nodeType="clickEffect">
+                                  <p:stCondLst>
+                                    <p:cond delay="0"/>
+                                  </p:stCondLst>
+                                  <p:childTnLst>
+                                    <p:animRot by="120000">
+                                      <p:cBhvr>
+                                        <p:cTn id="6" dur="100" fill="hold">
+                                          <p:stCondLst>
+                                            <p:cond delay="0"/>
+                                          </p:stCondLst>
+                                        </p:cTn>
+                                        <p:tgtEl>
+                                          <p:spTgt spid="13"/>
+                                        </p:tgtEl>
+                                        <p:attrNameLst>
+                                          <p:attrName>r</p:attrName>
+                                        </p:attrNameLst>
+                                      </p:cBhvr>
+                                    </p:animRot>
+                                    <p:animRot by="-240000">
+                                      <p:cBhvr>
+                                        <p:cTn id="7" dur="200" fill="hold">
+                                          <p:stCondLst>
+                                            <p:cond delay="200"/>
+                                          </p:stCondLst>
+                                        </p:cTn>
+                                        <p:tgtEl>
+                                          <p:spTgt spid="13"/>
+                                        </p:tgtEl>
+                                        <p:attrNameLst>
+                                          <p:attrName>r</p:attrName>
+                                        </p:attrNameLst>
+                                      </p:cBhvr>
+                                    </p:animRot>
+                                    <p:animRot by="240000">
+                                      <p:cBhvr>
+                                        <p:cTn id="8" dur="200" fill="hold">
+                                          <p:stCondLst>
+                                            <p:cond delay="400"/>
+                                          </p:stCondLst>
+                                        </p:cTn>
+                                        <p:tgtEl>
+                                          <p:spTgt spid="13"/>
+                                        </p:tgtEl>
+                                        <p:attrNameLst>
+                                          <p:attrName>r</p:attrName>
+                                        </p:attrNameLst>
+                                      </p:cBhvr>
+                                    </p:animRot>
+                                    <p:animRot by="-240000">
+                                      <p:cBhvr>
+                                        <p:cTn id="9" dur="200" fill="hold">
+                                          <p:stCondLst>
+                                            <p:cond delay="600"/>
+                                          </p:stCondLst>
+                                        </p:cTn>
+                                        <p:tgtEl>
+                                          <p:spTgt spid="13"/>
+                                        </p:tgtEl>
+                                        <p:attrNameLst>
+                                          <p:attrName>r</p:attrName>
+                                        </p:attrNameLst>
+                                      </p:cBhvr>
+                                    </p:animRot>
+                                    <p:animRot by="120000">
+                                      <p:cBhvr>
+                                        <p:cTn id="10" dur="200" fill="hold">
+                                          <p:stCondLst>
+                                            <p:cond delay="800"/>
+                                          </p:stCondLst>
+                                        </p:cTn>
+                                        <p:tgtEl>
+                                          <p:spTgt spid="13"/>
+                                        </p:tgtEl>
+                                        <p:attrNameLst>
+                                          <p:attrName>r</p:attrName>
+                                        </p:attrNameLst>
+                                      </p:cBhvr>
+                                    </p:animRot>
+                                  </p:childTnLst>
+                                </p:cTn>
+                              </p:par>
+                            </p:childTnLst>
+                          </p:cTn>
+                        </p:par>
+                      </p:childTnLst>
+                    </p:cTn>
+                  </p:par>
+                </p:childTnLst>
+              </p:cTn>
+              <p:prevCondLst>
+                <p:cond evt="onPrev" delay="0">
+                  <p:tgtEl>
+                    <p:sldTgt/>
+                  </p:tgtEl>
+                </p:cond>
+              </p:prevCondLst>
+              <p:nextCondLst>
+                <p:cond evt="onNext" delay="0">
+                  <p:tgtEl>
+                    <p:sldTgt/>
+                  </p:tgtEl>
+                </p:cond>
+              </p:nextCondLst>
+            </p:seq>
+          </p:childTnLst>
+        </p:cTn>
+      </p:par>
+    </p:tnLst>
+    <p:bldLst>
+      <p:bldP spid="13" grpId="0" animBg="1"/>
+    </p:bldLst>
+  </p:timing>
 </p:sld>
 </file>
 
@@ -8490,7 +5257,7 @@
           <p:cNvPr id="4" name="Date Placeholder 3">
             <a:extLst>
               <a:ext uri="{FF2B5EF4-FFF2-40B4-BE49-F238E27FC236}">
-                <a16:creationId xmlns:a16="http://schemas.microsoft.com/office/drawing/2014/main" id="{5E6CCF1E-E89E-626A-2201-05264BABC5BB}"/>
+                <a16:creationId xmlns:a16="http://schemas.microsoft.com/office/drawing/2014/main" id="{B7951C41-6C73-91E5-3494-004B9935635E}"/>
               </a:ext>
             </a:extLst>
           </p:cNvPr>
@@ -8508,7 +5275,7 @@
           <a:p>
             <a:fld id="{5DC19ACD-4AE4-4C27-B305-CA0EE24A3A52}" type="datetime1">
               <a:rPr lang="en-IN" smtClean="0"/>
-              <a:t>03-07-2025</a:t>
+              <a:t>04-07-2025</a:t>
             </a:fld>
             <a:endParaRPr lang="en-IN"/>
           </a:p>
@@ -8519,7 +5286,7 @@
           <p:cNvPr id="5" name="Footer Placeholder 4">
             <a:extLst>
               <a:ext uri="{FF2B5EF4-FFF2-40B4-BE49-F238E27FC236}">
-                <a16:creationId xmlns:a16="http://schemas.microsoft.com/office/drawing/2014/main" id="{1D5A3ACB-A531-BD84-97C6-7EB200F71F98}"/>
+                <a16:creationId xmlns:a16="http://schemas.microsoft.com/office/drawing/2014/main" id="{414CFD88-F862-B881-6846-3EC7128FA8F7}"/>
               </a:ext>
             </a:extLst>
           </p:cNvPr>
@@ -8548,7 +5315,7 @@
           <p:cNvPr id="6" name="Slide Number Placeholder 5">
             <a:extLst>
               <a:ext uri="{FF2B5EF4-FFF2-40B4-BE49-F238E27FC236}">
-                <a16:creationId xmlns:a16="http://schemas.microsoft.com/office/drawing/2014/main" id="{A3A60A4F-0D90-F54A-EDB6-1E787F422889}"/>
+                <a16:creationId xmlns:a16="http://schemas.microsoft.com/office/drawing/2014/main" id="{08701F46-1EB2-E8F4-3563-E64240F086A5}"/>
               </a:ext>
             </a:extLst>
           </p:cNvPr>
@@ -8567,170 +5334,6 @@
             <a:fld id="{343B738A-3D1A-4C2D-866B-2574A134247C}" type="slidenum">
               <a:rPr lang="en-IN" smtClean="0"/>
               <a:t>4</a:t>
-            </a:fld>
-            <a:endParaRPr lang="en-IN"/>
-          </a:p>
-        </p:txBody>
-      </p:sp>
-      <p:pic>
-        <p:nvPicPr>
-          <p:cNvPr id="1026" name="Picture 2">
-            <a:extLst>
-              <a:ext uri="{FF2B5EF4-FFF2-40B4-BE49-F238E27FC236}">
-                <a16:creationId xmlns:a16="http://schemas.microsoft.com/office/drawing/2014/main" id="{5B26A17B-61D8-CB9E-1F45-6263AD33E2CD}"/>
-              </a:ext>
-            </a:extLst>
-          </p:cNvPr>
-          <p:cNvPicPr>
-            <a:picLocks noChangeAspect="1" noChangeArrowheads="1"/>
-          </p:cNvPicPr>
-          <p:nvPr/>
-        </p:nvPicPr>
-        <p:blipFill>
-          <a:blip r:embed="rId2">
-            <a:extLst>
-              <a:ext uri="{28A0092B-C50C-407E-A947-70E740481C1C}">
-                <a14:useLocalDpi xmlns:a14="http://schemas.microsoft.com/office/drawing/2010/main" val="0"/>
-              </a:ext>
-            </a:extLst>
-          </a:blip>
-          <a:srcRect/>
-          <a:stretch>
-            <a:fillRect/>
-          </a:stretch>
-        </p:blipFill>
-        <p:spPr bwMode="auto">
-          <a:xfrm>
-            <a:off x="838200" y="-300382"/>
-            <a:ext cx="10222396" cy="7158382"/>
-          </a:xfrm>
-          <a:prstGeom prst="rect">
-            <a:avLst/>
-          </a:prstGeom>
-          <a:noFill/>
-          <a:extLst>
-            <a:ext uri="{909E8E84-426E-40DD-AFC4-6F175D3DCCD1}">
-              <a14:hiddenFill xmlns:a14="http://schemas.microsoft.com/office/drawing/2010/main">
-                <a:solidFill>
-                  <a:srgbClr val="FFFFFF"/>
-                </a:solidFill>
-              </a14:hiddenFill>
-            </a:ext>
-          </a:extLst>
-        </p:spPr>
-      </p:pic>
-    </p:spTree>
-    <p:extLst>
-      <p:ext uri="{BB962C8B-B14F-4D97-AF65-F5344CB8AC3E}">
-        <p14:creationId xmlns:p14="http://schemas.microsoft.com/office/powerpoint/2010/main" val="2493237284"/>
-      </p:ext>
-    </p:extLst>
-  </p:cSld>
-  <p:clrMapOvr>
-    <a:masterClrMapping/>
-  </p:clrMapOvr>
-</p:sld>
-</file>
-
-<file path=ppt/slides/slide5.xml><?xml version="1.0" encoding="utf-8"?>
-<p:sld xmlns:a="http://schemas.openxmlformats.org/drawingml/2006/main" xmlns:r="http://schemas.openxmlformats.org/officeDocument/2006/relationships" xmlns:p="http://schemas.openxmlformats.org/presentationml/2006/main">
-  <p:cSld>
-    <p:spTree>
-      <p:nvGrpSpPr>
-        <p:cNvPr id="1" name=""/>
-        <p:cNvGrpSpPr/>
-        <p:nvPr/>
-      </p:nvGrpSpPr>
-      <p:grpSpPr>
-        <a:xfrm>
-          <a:off x="0" y="0"/>
-          <a:ext cx="0" cy="0"/>
-          <a:chOff x="0" y="0"/>
-          <a:chExt cx="0" cy="0"/>
-        </a:xfrm>
-      </p:grpSpPr>
-      <p:sp>
-        <p:nvSpPr>
-          <p:cNvPr id="4" name="Date Placeholder 3">
-            <a:extLst>
-              <a:ext uri="{FF2B5EF4-FFF2-40B4-BE49-F238E27FC236}">
-                <a16:creationId xmlns:a16="http://schemas.microsoft.com/office/drawing/2014/main" id="{B7951C41-6C73-91E5-3494-004B9935635E}"/>
-              </a:ext>
-            </a:extLst>
-          </p:cNvPr>
-          <p:cNvSpPr>
-            <a:spLocks noGrp="1"/>
-          </p:cNvSpPr>
-          <p:nvPr>
-            <p:ph type="dt" sz="half" idx="10"/>
-          </p:nvPr>
-        </p:nvSpPr>
-        <p:spPr/>
-        <p:txBody>
-          <a:bodyPr/>
-          <a:lstStyle/>
-          <a:p>
-            <a:fld id="{5DC19ACD-4AE4-4C27-B305-CA0EE24A3A52}" type="datetime1">
-              <a:rPr lang="en-IN" smtClean="0"/>
-              <a:t>03-07-2025</a:t>
-            </a:fld>
-            <a:endParaRPr lang="en-IN"/>
-          </a:p>
-        </p:txBody>
-      </p:sp>
-      <p:sp>
-        <p:nvSpPr>
-          <p:cNvPr id="5" name="Footer Placeholder 4">
-            <a:extLst>
-              <a:ext uri="{FF2B5EF4-FFF2-40B4-BE49-F238E27FC236}">
-                <a16:creationId xmlns:a16="http://schemas.microsoft.com/office/drawing/2014/main" id="{414CFD88-F862-B881-6846-3EC7128FA8F7}"/>
-              </a:ext>
-            </a:extLst>
-          </p:cNvPr>
-          <p:cNvSpPr>
-            <a:spLocks noGrp="1"/>
-          </p:cNvSpPr>
-          <p:nvPr>
-            <p:ph type="ftr" sz="quarter" idx="11"/>
-          </p:nvPr>
-        </p:nvSpPr>
-        <p:spPr/>
-        <p:txBody>
-          <a:bodyPr/>
-          <a:lstStyle/>
-          <a:p>
-            <a:r>
-              <a:rPr lang="en-US"/>
-              <a:t>Core Course Project –Zeroth Review</a:t>
-            </a:r>
-            <a:endParaRPr lang="en-IN"/>
-          </a:p>
-        </p:txBody>
-      </p:sp>
-      <p:sp>
-        <p:nvSpPr>
-          <p:cNvPr id="6" name="Slide Number Placeholder 5">
-            <a:extLst>
-              <a:ext uri="{FF2B5EF4-FFF2-40B4-BE49-F238E27FC236}">
-                <a16:creationId xmlns:a16="http://schemas.microsoft.com/office/drawing/2014/main" id="{08701F46-1EB2-E8F4-3563-E64240F086A5}"/>
-              </a:ext>
-            </a:extLst>
-          </p:cNvPr>
-          <p:cNvSpPr>
-            <a:spLocks noGrp="1"/>
-          </p:cNvSpPr>
-          <p:nvPr>
-            <p:ph type="sldNum" sz="quarter" idx="12"/>
-          </p:nvPr>
-        </p:nvSpPr>
-        <p:spPr/>
-        <p:txBody>
-          <a:bodyPr/>
-          <a:lstStyle/>
-          <a:p>
-            <a:fld id="{343B738A-3D1A-4C2D-866B-2574A134247C}" type="slidenum">
-              <a:rPr lang="en-IN" smtClean="0"/>
-              <a:t>5</a:t>
             </a:fld>
             <a:endParaRPr lang="en-IN"/>
           </a:p>
@@ -8796,7 +5399,976 @@
 </p:sld>
 </file>
 
+<file path=ppt/slides/slide5.xml><?xml version="1.0" encoding="utf-8"?>
+<p:sld xmlns:a="http://schemas.openxmlformats.org/drawingml/2006/main" xmlns:r="http://schemas.openxmlformats.org/officeDocument/2006/relationships" xmlns:p="http://schemas.openxmlformats.org/presentationml/2006/main">
+  <p:cSld>
+    <p:spTree>
+      <p:nvGrpSpPr>
+        <p:cNvPr id="1" name=""/>
+        <p:cNvGrpSpPr/>
+        <p:nvPr/>
+      </p:nvGrpSpPr>
+      <p:grpSpPr>
+        <a:xfrm>
+          <a:off x="0" y="0"/>
+          <a:ext cx="0" cy="0"/>
+          <a:chOff x="0" y="0"/>
+          <a:chExt cx="0" cy="0"/>
+        </a:xfrm>
+      </p:grpSpPr>
+      <p:sp>
+        <p:nvSpPr>
+          <p:cNvPr id="4" name="Date Placeholder 3">
+            <a:extLst>
+              <a:ext uri="{FF2B5EF4-FFF2-40B4-BE49-F238E27FC236}">
+                <a16:creationId xmlns:a16="http://schemas.microsoft.com/office/drawing/2014/main" id="{5E6CCF1E-E89E-626A-2201-05264BABC5BB}"/>
+              </a:ext>
+            </a:extLst>
+          </p:cNvPr>
+          <p:cNvSpPr>
+            <a:spLocks noGrp="1"/>
+          </p:cNvSpPr>
+          <p:nvPr>
+            <p:ph type="dt" sz="half" idx="10"/>
+          </p:nvPr>
+        </p:nvSpPr>
+        <p:spPr/>
+        <p:txBody>
+          <a:bodyPr/>
+          <a:lstStyle/>
+          <a:p>
+            <a:fld id="{5DC19ACD-4AE4-4C27-B305-CA0EE24A3A52}" type="datetime1">
+              <a:rPr lang="en-IN" smtClean="0"/>
+              <a:t>04-07-2025</a:t>
+            </a:fld>
+            <a:endParaRPr lang="en-IN"/>
+          </a:p>
+        </p:txBody>
+      </p:sp>
+      <p:sp>
+        <p:nvSpPr>
+          <p:cNvPr id="5" name="Footer Placeholder 4">
+            <a:extLst>
+              <a:ext uri="{FF2B5EF4-FFF2-40B4-BE49-F238E27FC236}">
+                <a16:creationId xmlns:a16="http://schemas.microsoft.com/office/drawing/2014/main" id="{1D5A3ACB-A531-BD84-97C6-7EB200F71F98}"/>
+              </a:ext>
+            </a:extLst>
+          </p:cNvPr>
+          <p:cNvSpPr>
+            <a:spLocks noGrp="1"/>
+          </p:cNvSpPr>
+          <p:nvPr>
+            <p:ph type="ftr" sz="quarter" idx="11"/>
+          </p:nvPr>
+        </p:nvSpPr>
+        <p:spPr/>
+        <p:txBody>
+          <a:bodyPr/>
+          <a:lstStyle/>
+          <a:p>
+            <a:r>
+              <a:rPr lang="en-US"/>
+              <a:t>Core Course Project –Zeroth Review</a:t>
+            </a:r>
+            <a:endParaRPr lang="en-IN"/>
+          </a:p>
+        </p:txBody>
+      </p:sp>
+      <p:sp>
+        <p:nvSpPr>
+          <p:cNvPr id="6" name="Slide Number Placeholder 5">
+            <a:extLst>
+              <a:ext uri="{FF2B5EF4-FFF2-40B4-BE49-F238E27FC236}">
+                <a16:creationId xmlns:a16="http://schemas.microsoft.com/office/drawing/2014/main" id="{A3A60A4F-0D90-F54A-EDB6-1E787F422889}"/>
+              </a:ext>
+            </a:extLst>
+          </p:cNvPr>
+          <p:cNvSpPr>
+            <a:spLocks noGrp="1"/>
+          </p:cNvSpPr>
+          <p:nvPr>
+            <p:ph type="sldNum" sz="quarter" idx="12"/>
+          </p:nvPr>
+        </p:nvSpPr>
+        <p:spPr/>
+        <p:txBody>
+          <a:bodyPr/>
+          <a:lstStyle/>
+          <a:p>
+            <a:fld id="{343B738A-3D1A-4C2D-866B-2574A134247C}" type="slidenum">
+              <a:rPr lang="en-IN" smtClean="0"/>
+              <a:t>5</a:t>
+            </a:fld>
+            <a:endParaRPr lang="en-IN"/>
+          </a:p>
+        </p:txBody>
+      </p:sp>
+      <p:pic>
+        <p:nvPicPr>
+          <p:cNvPr id="1026" name="Picture 2">
+            <a:extLst>
+              <a:ext uri="{FF2B5EF4-FFF2-40B4-BE49-F238E27FC236}">
+                <a16:creationId xmlns:a16="http://schemas.microsoft.com/office/drawing/2014/main" id="{5B26A17B-61D8-CB9E-1F45-6263AD33E2CD}"/>
+              </a:ext>
+            </a:extLst>
+          </p:cNvPr>
+          <p:cNvPicPr>
+            <a:picLocks noChangeAspect="1" noChangeArrowheads="1"/>
+          </p:cNvPicPr>
+          <p:nvPr/>
+        </p:nvPicPr>
+        <p:blipFill>
+          <a:blip r:embed="rId2">
+            <a:extLst>
+              <a:ext uri="{28A0092B-C50C-407E-A947-70E740481C1C}">
+                <a14:useLocalDpi xmlns:a14="http://schemas.microsoft.com/office/drawing/2010/main" val="0"/>
+              </a:ext>
+            </a:extLst>
+          </a:blip>
+          <a:srcRect/>
+          <a:stretch>
+            <a:fillRect/>
+          </a:stretch>
+        </p:blipFill>
+        <p:spPr bwMode="auto">
+          <a:xfrm>
+            <a:off x="3183566" y="1385184"/>
+            <a:ext cx="6798634" cy="2468574"/>
+          </a:xfrm>
+          <a:prstGeom prst="rect">
+            <a:avLst/>
+          </a:prstGeom>
+          <a:noFill/>
+          <a:extLst>
+            <a:ext uri="{909E8E84-426E-40DD-AFC4-6F175D3DCCD1}">
+              <a14:hiddenFill xmlns:a14="http://schemas.microsoft.com/office/drawing/2010/main">
+                <a:solidFill>
+                  <a:srgbClr val="FFFFFF"/>
+                </a:solidFill>
+              </a14:hiddenFill>
+            </a:ext>
+          </a:extLst>
+        </p:spPr>
+      </p:pic>
+      <p:pic>
+        <p:nvPicPr>
+          <p:cNvPr id="8" name="Picture 7">
+            <a:extLst>
+              <a:ext uri="{FF2B5EF4-FFF2-40B4-BE49-F238E27FC236}">
+                <a16:creationId xmlns:a16="http://schemas.microsoft.com/office/drawing/2014/main" id="{20873800-61BF-232F-7A89-00797802566D}"/>
+              </a:ext>
+            </a:extLst>
+          </p:cNvPr>
+          <p:cNvPicPr>
+            <a:picLocks noChangeAspect="1"/>
+          </p:cNvPicPr>
+          <p:nvPr/>
+        </p:nvPicPr>
+        <p:blipFill>
+          <a:blip r:embed="rId3"/>
+          <a:stretch>
+            <a:fillRect/>
+          </a:stretch>
+        </p:blipFill>
+        <p:spPr>
+          <a:xfrm>
+            <a:off x="3096075" y="2735806"/>
+            <a:ext cx="970650" cy="761775"/>
+          </a:xfrm>
+          <a:prstGeom prst="rect">
+            <a:avLst/>
+          </a:prstGeom>
+        </p:spPr>
+      </p:pic>
+      <p:cxnSp>
+        <p:nvCxnSpPr>
+          <p:cNvPr id="3" name="Straight Arrow Connector 2">
+            <a:extLst>
+              <a:ext uri="{FF2B5EF4-FFF2-40B4-BE49-F238E27FC236}">
+                <a16:creationId xmlns:a16="http://schemas.microsoft.com/office/drawing/2014/main" id="{A90A8ADF-183E-B5D8-C2CD-7EFC35B9B0A2}"/>
+              </a:ext>
+            </a:extLst>
+          </p:cNvPr>
+          <p:cNvCxnSpPr/>
+          <p:nvPr/>
+        </p:nvCxnSpPr>
+        <p:spPr>
+          <a:xfrm>
+            <a:off x="1987826" y="3429000"/>
+            <a:ext cx="8080513" cy="0"/>
+          </a:xfrm>
+          <a:prstGeom prst="straightConnector1">
+            <a:avLst/>
+          </a:prstGeom>
+          <a:ln w="44450">
+            <a:tailEnd type="triangle"/>
+          </a:ln>
+        </p:spPr>
+        <p:style>
+          <a:lnRef idx="3">
+            <a:schemeClr val="dk1"/>
+          </a:lnRef>
+          <a:fillRef idx="0">
+            <a:schemeClr val="dk1"/>
+          </a:fillRef>
+          <a:effectRef idx="2">
+            <a:schemeClr val="dk1"/>
+          </a:effectRef>
+          <a:fontRef idx="minor">
+            <a:schemeClr val="tx1"/>
+          </a:fontRef>
+        </p:style>
+      </p:cxnSp>
+    </p:spTree>
+    <p:extLst>
+      <p:ext uri="{BB962C8B-B14F-4D97-AF65-F5344CB8AC3E}">
+        <p14:creationId xmlns:p14="http://schemas.microsoft.com/office/powerpoint/2010/main" val="2493237284"/>
+      </p:ext>
+    </p:extLst>
+  </p:cSld>
+  <p:clrMapOvr>
+    <a:masterClrMapping/>
+  </p:clrMapOvr>
+</p:sld>
+</file>
+
 <file path=ppt/slides/slide6.xml><?xml version="1.0" encoding="utf-8"?>
+<p:sld xmlns:a="http://schemas.openxmlformats.org/drawingml/2006/main" xmlns:r="http://schemas.openxmlformats.org/officeDocument/2006/relationships" xmlns:p="http://schemas.openxmlformats.org/presentationml/2006/main">
+  <p:cSld>
+    <p:spTree>
+      <p:nvGrpSpPr>
+        <p:cNvPr id="1" name=""/>
+        <p:cNvGrpSpPr/>
+        <p:nvPr/>
+      </p:nvGrpSpPr>
+      <p:grpSpPr>
+        <a:xfrm>
+          <a:off x="0" y="0"/>
+          <a:ext cx="0" cy="0"/>
+          <a:chOff x="0" y="0"/>
+          <a:chExt cx="0" cy="0"/>
+        </a:xfrm>
+      </p:grpSpPr>
+      <p:sp>
+        <p:nvSpPr>
+          <p:cNvPr id="4" name="Date Placeholder 3">
+            <a:extLst>
+              <a:ext uri="{FF2B5EF4-FFF2-40B4-BE49-F238E27FC236}">
+                <a16:creationId xmlns:a16="http://schemas.microsoft.com/office/drawing/2014/main" id="{169FF1A9-CE03-BC8E-C77F-25A15C52447C}"/>
+              </a:ext>
+            </a:extLst>
+          </p:cNvPr>
+          <p:cNvSpPr>
+            <a:spLocks noGrp="1"/>
+          </p:cNvSpPr>
+          <p:nvPr>
+            <p:ph type="dt" sz="half" idx="10"/>
+          </p:nvPr>
+        </p:nvSpPr>
+        <p:spPr/>
+        <p:txBody>
+          <a:bodyPr/>
+          <a:lstStyle/>
+          <a:p>
+            <a:fld id="{5DC19ACD-4AE4-4C27-B305-CA0EE24A3A52}" type="datetime1">
+              <a:rPr lang="en-IN" smtClean="0"/>
+              <a:t>04-07-2025</a:t>
+            </a:fld>
+            <a:endParaRPr lang="en-IN"/>
+          </a:p>
+        </p:txBody>
+      </p:sp>
+      <p:sp>
+        <p:nvSpPr>
+          <p:cNvPr id="5" name="Footer Placeholder 4">
+            <a:extLst>
+              <a:ext uri="{FF2B5EF4-FFF2-40B4-BE49-F238E27FC236}">
+                <a16:creationId xmlns:a16="http://schemas.microsoft.com/office/drawing/2014/main" id="{D6A8C690-8126-26FD-127C-7326C3EDCCC9}"/>
+              </a:ext>
+            </a:extLst>
+          </p:cNvPr>
+          <p:cNvSpPr>
+            <a:spLocks noGrp="1"/>
+          </p:cNvSpPr>
+          <p:nvPr>
+            <p:ph type="ftr" sz="quarter" idx="11"/>
+          </p:nvPr>
+        </p:nvSpPr>
+        <p:spPr/>
+        <p:txBody>
+          <a:bodyPr/>
+          <a:lstStyle/>
+          <a:p>
+            <a:r>
+              <a:rPr lang="en-US"/>
+              <a:t>Core Course Project –Zeroth Review</a:t>
+            </a:r>
+            <a:endParaRPr lang="en-IN"/>
+          </a:p>
+        </p:txBody>
+      </p:sp>
+      <p:sp>
+        <p:nvSpPr>
+          <p:cNvPr id="6" name="Slide Number Placeholder 5">
+            <a:extLst>
+              <a:ext uri="{FF2B5EF4-FFF2-40B4-BE49-F238E27FC236}">
+                <a16:creationId xmlns:a16="http://schemas.microsoft.com/office/drawing/2014/main" id="{DBAF995C-B1C7-DDB3-F174-4E098CECC971}"/>
+              </a:ext>
+            </a:extLst>
+          </p:cNvPr>
+          <p:cNvSpPr>
+            <a:spLocks noGrp="1"/>
+          </p:cNvSpPr>
+          <p:nvPr>
+            <p:ph type="sldNum" sz="quarter" idx="12"/>
+          </p:nvPr>
+        </p:nvSpPr>
+        <p:spPr/>
+        <p:txBody>
+          <a:bodyPr/>
+          <a:lstStyle/>
+          <a:p>
+            <a:fld id="{343B738A-3D1A-4C2D-866B-2574A134247C}" type="slidenum">
+              <a:rPr lang="en-IN" smtClean="0"/>
+              <a:t>6</a:t>
+            </a:fld>
+            <a:endParaRPr lang="en-IN"/>
+          </a:p>
+        </p:txBody>
+      </p:sp>
+      <p:pic>
+        <p:nvPicPr>
+          <p:cNvPr id="1028" name="Picture 4">
+            <a:extLst>
+              <a:ext uri="{FF2B5EF4-FFF2-40B4-BE49-F238E27FC236}">
+                <a16:creationId xmlns:a16="http://schemas.microsoft.com/office/drawing/2014/main" id="{1DC524BE-7441-A184-018B-D5A7C89D6D26}"/>
+              </a:ext>
+            </a:extLst>
+          </p:cNvPr>
+          <p:cNvPicPr>
+            <a:picLocks noChangeAspect="1" noChangeArrowheads="1"/>
+          </p:cNvPicPr>
+          <p:nvPr/>
+        </p:nvPicPr>
+        <p:blipFill>
+          <a:blip r:embed="rId2">
+            <a:extLst>
+              <a:ext uri="{28A0092B-C50C-407E-A947-70E740481C1C}">
+                <a14:useLocalDpi xmlns:a14="http://schemas.microsoft.com/office/drawing/2010/main" val="0"/>
+              </a:ext>
+            </a:extLst>
+          </a:blip>
+          <a:srcRect/>
+          <a:stretch>
+            <a:fillRect/>
+          </a:stretch>
+        </p:blipFill>
+        <p:spPr bwMode="auto">
+          <a:xfrm>
+            <a:off x="1885950" y="350520"/>
+            <a:ext cx="9258300" cy="5943600"/>
+          </a:xfrm>
+          <a:prstGeom prst="rect">
+            <a:avLst/>
+          </a:prstGeom>
+          <a:noFill/>
+          <a:extLst>
+            <a:ext uri="{909E8E84-426E-40DD-AFC4-6F175D3DCCD1}">
+              <a14:hiddenFill xmlns:a14="http://schemas.microsoft.com/office/drawing/2010/main">
+                <a:solidFill>
+                  <a:srgbClr val="FFFFFF"/>
+                </a:solidFill>
+              </a14:hiddenFill>
+            </a:ext>
+          </a:extLst>
+        </p:spPr>
+      </p:pic>
+      <p:sp>
+        <p:nvSpPr>
+          <p:cNvPr id="2" name="Rectangle 1">
+            <a:extLst>
+              <a:ext uri="{FF2B5EF4-FFF2-40B4-BE49-F238E27FC236}">
+                <a16:creationId xmlns:a16="http://schemas.microsoft.com/office/drawing/2014/main" id="{5ECB94CA-DB76-E71E-7B49-683A431E2AC8}"/>
+              </a:ext>
+            </a:extLst>
+          </p:cNvPr>
+          <p:cNvSpPr/>
+          <p:nvPr/>
+        </p:nvSpPr>
+        <p:spPr>
+          <a:xfrm>
+            <a:off x="2110740" y="1676400"/>
+            <a:ext cx="1828800" cy="3459480"/>
+          </a:xfrm>
+          <a:prstGeom prst="rect">
+            <a:avLst/>
+          </a:prstGeom>
+          <a:solidFill>
+            <a:schemeClr val="bg1"/>
+          </a:solidFill>
+          <a:ln>
+            <a:solidFill>
+              <a:schemeClr val="bg1"/>
+            </a:solidFill>
+          </a:ln>
+        </p:spPr>
+        <p:style>
+          <a:lnRef idx="2">
+            <a:schemeClr val="accent1">
+              <a:shade val="15000"/>
+            </a:schemeClr>
+          </a:lnRef>
+          <a:fillRef idx="1">
+            <a:schemeClr val="accent1"/>
+          </a:fillRef>
+          <a:effectRef idx="0">
+            <a:schemeClr val="accent1"/>
+          </a:effectRef>
+          <a:fontRef idx="minor">
+            <a:schemeClr val="lt1"/>
+          </a:fontRef>
+        </p:style>
+        <p:txBody>
+          <a:bodyPr rtlCol="0" anchor="ctr"/>
+          <a:lstStyle/>
+          <a:p>
+            <a:pPr algn="ctr"/>
+            <a:endParaRPr lang="en-IN"/>
+          </a:p>
+        </p:txBody>
+      </p:sp>
+      <p:sp>
+        <p:nvSpPr>
+          <p:cNvPr id="3" name="Rectangle 2">
+            <a:extLst>
+              <a:ext uri="{FF2B5EF4-FFF2-40B4-BE49-F238E27FC236}">
+                <a16:creationId xmlns:a16="http://schemas.microsoft.com/office/drawing/2014/main" id="{F025EE7D-6EDD-B91A-00BD-DAD45E6408EE}"/>
+              </a:ext>
+            </a:extLst>
+          </p:cNvPr>
+          <p:cNvSpPr/>
+          <p:nvPr/>
+        </p:nvSpPr>
+        <p:spPr>
+          <a:xfrm>
+            <a:off x="3474720" y="1738630"/>
+            <a:ext cx="2461260" cy="3976370"/>
+          </a:xfrm>
+          <a:prstGeom prst="rect">
+            <a:avLst/>
+          </a:prstGeom>
+          <a:solidFill>
+            <a:schemeClr val="bg1"/>
+          </a:solidFill>
+          <a:ln>
+            <a:solidFill>
+              <a:schemeClr val="bg1"/>
+            </a:solidFill>
+          </a:ln>
+        </p:spPr>
+        <p:style>
+          <a:lnRef idx="2">
+            <a:schemeClr val="accent1">
+              <a:shade val="15000"/>
+            </a:schemeClr>
+          </a:lnRef>
+          <a:fillRef idx="1">
+            <a:schemeClr val="accent1"/>
+          </a:fillRef>
+          <a:effectRef idx="0">
+            <a:schemeClr val="accent1"/>
+          </a:effectRef>
+          <a:fontRef idx="minor">
+            <a:schemeClr val="lt1"/>
+          </a:fontRef>
+        </p:style>
+        <p:txBody>
+          <a:bodyPr rtlCol="0" anchor="ctr"/>
+          <a:lstStyle/>
+          <a:p>
+            <a:pPr algn="ctr"/>
+            <a:endParaRPr lang="en-IN" dirty="0"/>
+          </a:p>
+        </p:txBody>
+      </p:sp>
+      <p:sp>
+        <p:nvSpPr>
+          <p:cNvPr id="7" name="Rectangle 6">
+            <a:extLst>
+              <a:ext uri="{FF2B5EF4-FFF2-40B4-BE49-F238E27FC236}">
+                <a16:creationId xmlns:a16="http://schemas.microsoft.com/office/drawing/2014/main" id="{E075FEC2-246B-7E8C-BF44-576291046624}"/>
+              </a:ext>
+            </a:extLst>
+          </p:cNvPr>
+          <p:cNvSpPr/>
+          <p:nvPr/>
+        </p:nvSpPr>
+        <p:spPr>
+          <a:xfrm>
+            <a:off x="5783580" y="1828800"/>
+            <a:ext cx="2019300" cy="4031615"/>
+          </a:xfrm>
+          <a:prstGeom prst="rect">
+            <a:avLst/>
+          </a:prstGeom>
+          <a:solidFill>
+            <a:schemeClr val="bg1"/>
+          </a:solidFill>
+          <a:ln>
+            <a:solidFill>
+              <a:schemeClr val="bg1"/>
+            </a:solidFill>
+          </a:ln>
+        </p:spPr>
+        <p:style>
+          <a:lnRef idx="2">
+            <a:schemeClr val="accent1">
+              <a:shade val="15000"/>
+            </a:schemeClr>
+          </a:lnRef>
+          <a:fillRef idx="1">
+            <a:schemeClr val="accent1"/>
+          </a:fillRef>
+          <a:effectRef idx="0">
+            <a:schemeClr val="accent1"/>
+          </a:effectRef>
+          <a:fontRef idx="minor">
+            <a:schemeClr val="lt1"/>
+          </a:fontRef>
+        </p:style>
+        <p:txBody>
+          <a:bodyPr rtlCol="0" anchor="ctr"/>
+          <a:lstStyle/>
+          <a:p>
+            <a:pPr algn="ctr"/>
+            <a:endParaRPr lang="en-IN"/>
+          </a:p>
+        </p:txBody>
+      </p:sp>
+      <p:sp>
+        <p:nvSpPr>
+          <p:cNvPr id="8" name="Rectangle 7">
+            <a:extLst>
+              <a:ext uri="{FF2B5EF4-FFF2-40B4-BE49-F238E27FC236}">
+                <a16:creationId xmlns:a16="http://schemas.microsoft.com/office/drawing/2014/main" id="{FD1F854F-4C89-7117-3891-4DC664384EB5}"/>
+              </a:ext>
+            </a:extLst>
+          </p:cNvPr>
+          <p:cNvSpPr/>
+          <p:nvPr/>
+        </p:nvSpPr>
+        <p:spPr>
+          <a:xfrm>
+            <a:off x="7475220" y="2255520"/>
+            <a:ext cx="1828800" cy="3459480"/>
+          </a:xfrm>
+          <a:prstGeom prst="rect">
+            <a:avLst/>
+          </a:prstGeom>
+          <a:solidFill>
+            <a:schemeClr val="bg1"/>
+          </a:solidFill>
+          <a:ln>
+            <a:solidFill>
+              <a:schemeClr val="bg1"/>
+            </a:solidFill>
+          </a:ln>
+        </p:spPr>
+        <p:style>
+          <a:lnRef idx="2">
+            <a:schemeClr val="accent1">
+              <a:shade val="15000"/>
+            </a:schemeClr>
+          </a:lnRef>
+          <a:fillRef idx="1">
+            <a:schemeClr val="accent1"/>
+          </a:fillRef>
+          <a:effectRef idx="0">
+            <a:schemeClr val="accent1"/>
+          </a:effectRef>
+          <a:fontRef idx="minor">
+            <a:schemeClr val="lt1"/>
+          </a:fontRef>
+        </p:style>
+        <p:txBody>
+          <a:bodyPr rtlCol="0" anchor="ctr"/>
+          <a:lstStyle/>
+          <a:p>
+            <a:pPr algn="ctr"/>
+            <a:endParaRPr lang="en-IN"/>
+          </a:p>
+        </p:txBody>
+      </p:sp>
+      <p:sp>
+        <p:nvSpPr>
+          <p:cNvPr id="9" name="Rectangle 8">
+            <a:extLst>
+              <a:ext uri="{FF2B5EF4-FFF2-40B4-BE49-F238E27FC236}">
+                <a16:creationId xmlns:a16="http://schemas.microsoft.com/office/drawing/2014/main" id="{DE86C43C-F127-9658-67DD-0F5033939380}"/>
+              </a:ext>
+            </a:extLst>
+          </p:cNvPr>
+          <p:cNvSpPr/>
+          <p:nvPr/>
+        </p:nvSpPr>
+        <p:spPr>
+          <a:xfrm>
+            <a:off x="9166860" y="1828800"/>
+            <a:ext cx="1828800" cy="4031615"/>
+          </a:xfrm>
+          <a:prstGeom prst="rect">
+            <a:avLst/>
+          </a:prstGeom>
+          <a:solidFill>
+            <a:schemeClr val="bg1"/>
+          </a:solidFill>
+          <a:ln>
+            <a:solidFill>
+              <a:schemeClr val="bg1"/>
+            </a:solidFill>
+          </a:ln>
+        </p:spPr>
+        <p:style>
+          <a:lnRef idx="2">
+            <a:schemeClr val="accent1">
+              <a:shade val="15000"/>
+            </a:schemeClr>
+          </a:lnRef>
+          <a:fillRef idx="1">
+            <a:schemeClr val="accent1"/>
+          </a:fillRef>
+          <a:effectRef idx="0">
+            <a:schemeClr val="accent1"/>
+          </a:effectRef>
+          <a:fontRef idx="minor">
+            <a:schemeClr val="lt1"/>
+          </a:fontRef>
+        </p:style>
+        <p:txBody>
+          <a:bodyPr rtlCol="0" anchor="ctr"/>
+          <a:lstStyle/>
+          <a:p>
+            <a:pPr algn="ctr"/>
+            <a:endParaRPr lang="en-IN" dirty="0"/>
+          </a:p>
+        </p:txBody>
+      </p:sp>
+    </p:spTree>
+    <p:extLst>
+      <p:ext uri="{BB962C8B-B14F-4D97-AF65-F5344CB8AC3E}">
+        <p14:creationId xmlns:p14="http://schemas.microsoft.com/office/powerpoint/2010/main" val="3274781086"/>
+      </p:ext>
+    </p:extLst>
+  </p:cSld>
+  <p:clrMapOvr>
+    <a:masterClrMapping/>
+  </p:clrMapOvr>
+  <p:timing>
+    <p:tnLst>
+      <p:par>
+        <p:cTn id="1" dur="indefinite" restart="never" nodeType="tmRoot">
+          <p:childTnLst>
+            <p:seq concurrent="1" nextAc="seek">
+              <p:cTn id="2" dur="indefinite" nodeType="mainSeq">
+                <p:childTnLst>
+                  <p:par>
+                    <p:cTn id="3" fill="hold">
+                      <p:stCondLst>
+                        <p:cond delay="indefinite"/>
+                      </p:stCondLst>
+                      <p:childTnLst>
+                        <p:par>
+                          <p:cTn id="4" fill="hold">
+                            <p:stCondLst>
+                              <p:cond delay="0"/>
+                            </p:stCondLst>
+                            <p:childTnLst>
+                              <p:par>
+                                <p:cTn id="5" presetID="16" presetClass="exit" presetSubtype="21" fill="hold" grpId="0" nodeType="clickEffect">
+                                  <p:stCondLst>
+                                    <p:cond delay="0"/>
+                                  </p:stCondLst>
+                                  <p:childTnLst>
+                                    <p:animEffect transition="out" filter="barn(inVertical)">
+                                      <p:cBhvr>
+                                        <p:cTn id="6" dur="500"/>
+                                        <p:tgtEl>
+                                          <p:spTgt spid="2"/>
+                                        </p:tgtEl>
+                                      </p:cBhvr>
+                                    </p:animEffect>
+                                    <p:set>
+                                      <p:cBhvr>
+                                        <p:cTn id="7" dur="1" fill="hold">
+                                          <p:stCondLst>
+                                            <p:cond delay="499"/>
+                                          </p:stCondLst>
+                                        </p:cTn>
+                                        <p:tgtEl>
+                                          <p:spTgt spid="2"/>
+                                        </p:tgtEl>
+                                        <p:attrNameLst>
+                                          <p:attrName>style.visibility</p:attrName>
+                                        </p:attrNameLst>
+                                      </p:cBhvr>
+                                      <p:to>
+                                        <p:strVal val="hidden"/>
+                                      </p:to>
+                                    </p:set>
+                                  </p:childTnLst>
+                                </p:cTn>
+                              </p:par>
+                            </p:childTnLst>
+                          </p:cTn>
+                        </p:par>
+                      </p:childTnLst>
+                    </p:cTn>
+                  </p:par>
+                  <p:par>
+                    <p:cTn id="8" fill="hold">
+                      <p:stCondLst>
+                        <p:cond delay="indefinite"/>
+                      </p:stCondLst>
+                      <p:childTnLst>
+                        <p:par>
+                          <p:cTn id="9" fill="hold">
+                            <p:stCondLst>
+                              <p:cond delay="0"/>
+                            </p:stCondLst>
+                            <p:childTnLst>
+                              <p:par>
+                                <p:cTn id="10" presetID="16" presetClass="exit" presetSubtype="21" fill="hold" grpId="0" nodeType="clickEffect">
+                                  <p:stCondLst>
+                                    <p:cond delay="0"/>
+                                  </p:stCondLst>
+                                  <p:childTnLst>
+                                    <p:animEffect transition="out" filter="barn(inVertical)">
+                                      <p:cBhvr>
+                                        <p:cTn id="11" dur="500"/>
+                                        <p:tgtEl>
+                                          <p:spTgt spid="3"/>
+                                        </p:tgtEl>
+                                      </p:cBhvr>
+                                    </p:animEffect>
+                                    <p:set>
+                                      <p:cBhvr>
+                                        <p:cTn id="12" dur="1" fill="hold">
+                                          <p:stCondLst>
+                                            <p:cond delay="499"/>
+                                          </p:stCondLst>
+                                        </p:cTn>
+                                        <p:tgtEl>
+                                          <p:spTgt spid="3"/>
+                                        </p:tgtEl>
+                                        <p:attrNameLst>
+                                          <p:attrName>style.visibility</p:attrName>
+                                        </p:attrNameLst>
+                                      </p:cBhvr>
+                                      <p:to>
+                                        <p:strVal val="hidden"/>
+                                      </p:to>
+                                    </p:set>
+                                  </p:childTnLst>
+                                </p:cTn>
+                              </p:par>
+                            </p:childTnLst>
+                          </p:cTn>
+                        </p:par>
+                      </p:childTnLst>
+                    </p:cTn>
+                  </p:par>
+                  <p:par>
+                    <p:cTn id="13" fill="hold">
+                      <p:stCondLst>
+                        <p:cond delay="indefinite"/>
+                      </p:stCondLst>
+                      <p:childTnLst>
+                        <p:par>
+                          <p:cTn id="14" fill="hold">
+                            <p:stCondLst>
+                              <p:cond delay="0"/>
+                            </p:stCondLst>
+                            <p:childTnLst>
+                              <p:par>
+                                <p:cTn id="15" presetID="16" presetClass="exit" presetSubtype="21" fill="hold" grpId="0" nodeType="clickEffect">
+                                  <p:stCondLst>
+                                    <p:cond delay="0"/>
+                                  </p:stCondLst>
+                                  <p:childTnLst>
+                                    <p:animEffect transition="out" filter="barn(inVertical)">
+                                      <p:cBhvr>
+                                        <p:cTn id="16" dur="500"/>
+                                        <p:tgtEl>
+                                          <p:spTgt spid="7"/>
+                                        </p:tgtEl>
+                                      </p:cBhvr>
+                                    </p:animEffect>
+                                    <p:set>
+                                      <p:cBhvr>
+                                        <p:cTn id="17" dur="1" fill="hold">
+                                          <p:stCondLst>
+                                            <p:cond delay="499"/>
+                                          </p:stCondLst>
+                                        </p:cTn>
+                                        <p:tgtEl>
+                                          <p:spTgt spid="7"/>
+                                        </p:tgtEl>
+                                        <p:attrNameLst>
+                                          <p:attrName>style.visibility</p:attrName>
+                                        </p:attrNameLst>
+                                      </p:cBhvr>
+                                      <p:to>
+                                        <p:strVal val="hidden"/>
+                                      </p:to>
+                                    </p:set>
+                                  </p:childTnLst>
+                                </p:cTn>
+                              </p:par>
+                            </p:childTnLst>
+                          </p:cTn>
+                        </p:par>
+                      </p:childTnLst>
+                    </p:cTn>
+                  </p:par>
+                  <p:par>
+                    <p:cTn id="18" fill="hold">
+                      <p:stCondLst>
+                        <p:cond delay="indefinite"/>
+                      </p:stCondLst>
+                      <p:childTnLst>
+                        <p:par>
+                          <p:cTn id="19" fill="hold">
+                            <p:stCondLst>
+                              <p:cond delay="0"/>
+                            </p:stCondLst>
+                            <p:childTnLst>
+                              <p:par>
+                                <p:cTn id="20" presetID="16" presetClass="exit" presetSubtype="21" fill="hold" grpId="0" nodeType="clickEffect">
+                                  <p:stCondLst>
+                                    <p:cond delay="0"/>
+                                  </p:stCondLst>
+                                  <p:childTnLst>
+                                    <p:animEffect transition="out" filter="barn(inVertical)">
+                                      <p:cBhvr>
+                                        <p:cTn id="21" dur="500"/>
+                                        <p:tgtEl>
+                                          <p:spTgt spid="8"/>
+                                        </p:tgtEl>
+                                      </p:cBhvr>
+                                    </p:animEffect>
+                                    <p:set>
+                                      <p:cBhvr>
+                                        <p:cTn id="22" dur="1" fill="hold">
+                                          <p:stCondLst>
+                                            <p:cond delay="499"/>
+                                          </p:stCondLst>
+                                        </p:cTn>
+                                        <p:tgtEl>
+                                          <p:spTgt spid="8"/>
+                                        </p:tgtEl>
+                                        <p:attrNameLst>
+                                          <p:attrName>style.visibility</p:attrName>
+                                        </p:attrNameLst>
+                                      </p:cBhvr>
+                                      <p:to>
+                                        <p:strVal val="hidden"/>
+                                      </p:to>
+                                    </p:set>
+                                  </p:childTnLst>
+                                </p:cTn>
+                              </p:par>
+                            </p:childTnLst>
+                          </p:cTn>
+                        </p:par>
+                      </p:childTnLst>
+                    </p:cTn>
+                  </p:par>
+                  <p:par>
+                    <p:cTn id="23" fill="hold">
+                      <p:stCondLst>
+                        <p:cond delay="indefinite"/>
+                      </p:stCondLst>
+                      <p:childTnLst>
+                        <p:par>
+                          <p:cTn id="24" fill="hold">
+                            <p:stCondLst>
+                              <p:cond delay="0"/>
+                            </p:stCondLst>
+                            <p:childTnLst>
+                              <p:par>
+                                <p:cTn id="25" presetID="16" presetClass="exit" presetSubtype="21" fill="hold" grpId="0" nodeType="clickEffect">
+                                  <p:stCondLst>
+                                    <p:cond delay="0"/>
+                                  </p:stCondLst>
+                                  <p:childTnLst>
+                                    <p:animEffect transition="out" filter="barn(inVertical)">
+                                      <p:cBhvr>
+                                        <p:cTn id="26" dur="500"/>
+                                        <p:tgtEl>
+                                          <p:spTgt spid="9"/>
+                                        </p:tgtEl>
+                                      </p:cBhvr>
+                                    </p:animEffect>
+                                    <p:set>
+                                      <p:cBhvr>
+                                        <p:cTn id="27" dur="1" fill="hold">
+                                          <p:stCondLst>
+                                            <p:cond delay="499"/>
+                                          </p:stCondLst>
+                                        </p:cTn>
+                                        <p:tgtEl>
+                                          <p:spTgt spid="9"/>
+                                        </p:tgtEl>
+                                        <p:attrNameLst>
+                                          <p:attrName>style.visibility</p:attrName>
+                                        </p:attrNameLst>
+                                      </p:cBhvr>
+                                      <p:to>
+                                        <p:strVal val="hidden"/>
+                                      </p:to>
+                                    </p:set>
+                                  </p:childTnLst>
+                                </p:cTn>
+                              </p:par>
+                            </p:childTnLst>
+                          </p:cTn>
+                        </p:par>
+                      </p:childTnLst>
+                    </p:cTn>
+                  </p:par>
+                </p:childTnLst>
+              </p:cTn>
+              <p:prevCondLst>
+                <p:cond evt="onPrev" delay="0">
+                  <p:tgtEl>
+                    <p:sldTgt/>
+                  </p:tgtEl>
+                </p:cond>
+              </p:prevCondLst>
+              <p:nextCondLst>
+                <p:cond evt="onNext" delay="0">
+                  <p:tgtEl>
+                    <p:sldTgt/>
+                  </p:tgtEl>
+                </p:cond>
+              </p:nextCondLst>
+            </p:seq>
+          </p:childTnLst>
+        </p:cTn>
+      </p:par>
+    </p:tnLst>
+    <p:bldLst>
+      <p:bldP spid="2" grpId="0" animBg="1"/>
+      <p:bldP spid="3" grpId="0" animBg="1"/>
+      <p:bldP spid="7" grpId="0" animBg="1"/>
+      <p:bldP spid="8" grpId="0" animBg="1"/>
+      <p:bldP spid="9" grpId="0" animBg="1"/>
+    </p:bldLst>
+  </p:timing>
+</p:sld>
+</file>
+
+<file path=ppt/slides/slide7.xml><?xml version="1.0" encoding="utf-8"?>
 <p:sld xmlns:a="http://schemas.openxmlformats.org/drawingml/2006/main" xmlns:r="http://schemas.openxmlformats.org/officeDocument/2006/relationships" xmlns:p="http://schemas.openxmlformats.org/presentationml/2006/main">
   <p:cSld>
     <p:bg>
@@ -8886,7 +6458,7 @@
           <a:p>
             <a:fld id="{5DC19ACD-4AE4-4C27-B305-CA0EE24A3A52}" type="datetime1">
               <a:rPr lang="en-IN" smtClean="0"/>
-              <a:t>03-07-2025</a:t>
+              <a:t>04-07-2025</a:t>
             </a:fld>
             <a:endParaRPr lang="en-IN"/>
           </a:p>
@@ -8944,7 +6516,7 @@
           <a:p>
             <a:fld id="{343B738A-3D1A-4C2D-866B-2574A134247C}" type="slidenum">
               <a:rPr lang="en-IN" smtClean="0"/>
-              <a:t>6</a:t>
+              <a:t>7</a:t>
             </a:fld>
             <a:endParaRPr lang="en-IN"/>
           </a:p>
@@ -13058,7 +10630,7 @@
 </p:sld>
 </file>
 
-<file path=ppt/slides/slide7.xml><?xml version="1.0" encoding="utf-8"?>
+<file path=ppt/slides/slide8.xml><?xml version="1.0" encoding="utf-8"?>
 <p:sld xmlns:a="http://schemas.openxmlformats.org/drawingml/2006/main" xmlns:r="http://schemas.openxmlformats.org/officeDocument/2006/relationships" xmlns:p="http://schemas.openxmlformats.org/presentationml/2006/main">
   <p:cSld>
     <p:spTree>
@@ -13098,7 +10670,7 @@
           <a:p>
             <a:fld id="{5DC19ACD-4AE4-4C27-B305-CA0EE24A3A52}" type="datetime1">
               <a:rPr lang="en-IN" smtClean="0"/>
-              <a:t>03-07-2025</a:t>
+              <a:t>04-07-2025</a:t>
             </a:fld>
             <a:endParaRPr lang="en-IN"/>
           </a:p>
@@ -13156,110 +10728,12 @@
           <a:p>
             <a:fld id="{343B738A-3D1A-4C2D-866B-2574A134247C}" type="slidenum">
               <a:rPr lang="en-IN" smtClean="0"/>
-              <a:t>7</a:t>
+              <a:t>8</a:t>
             </a:fld>
             <a:endParaRPr lang="en-IN"/>
           </a:p>
         </p:txBody>
       </p:sp>
-      <p:grpSp>
-        <p:nvGrpSpPr>
-          <p:cNvPr id="11" name="Group 10">
-            <a:extLst>
-              <a:ext uri="{FF2B5EF4-FFF2-40B4-BE49-F238E27FC236}">
-                <a16:creationId xmlns:a16="http://schemas.microsoft.com/office/drawing/2014/main" id="{BFF5D72E-E9F6-9D87-D6C2-1DD7B2ED85C2}"/>
-              </a:ext>
-            </a:extLst>
-          </p:cNvPr>
-          <p:cNvGrpSpPr/>
-          <p:nvPr/>
-        </p:nvGrpSpPr>
-        <p:grpSpPr>
-          <a:xfrm>
-            <a:off x="-623627" y="715621"/>
-            <a:ext cx="12815627" cy="5068818"/>
-            <a:chOff x="-623627" y="1510749"/>
-            <a:chExt cx="12815627" cy="5068818"/>
-          </a:xfrm>
-        </p:grpSpPr>
-        <p:pic>
-          <p:nvPicPr>
-            <p:cNvPr id="2054" name="Picture 6">
-              <a:extLst>
-                <a:ext uri="{FF2B5EF4-FFF2-40B4-BE49-F238E27FC236}">
-                  <a16:creationId xmlns:a16="http://schemas.microsoft.com/office/drawing/2014/main" id="{E435DB69-15F4-5148-18DE-79AD1A3D1BD5}"/>
-                </a:ext>
-              </a:extLst>
-            </p:cNvPr>
-            <p:cNvPicPr>
-              <a:picLocks noChangeAspect="1" noChangeArrowheads="1"/>
-            </p:cNvPicPr>
-            <p:nvPr/>
-          </p:nvPicPr>
-          <p:blipFill>
-            <a:blip r:embed="rId2">
-              <a:extLst>
-                <a:ext uri="{28A0092B-C50C-407E-A947-70E740481C1C}">
-                  <a14:useLocalDpi xmlns:a14="http://schemas.microsoft.com/office/drawing/2010/main" val="0"/>
-                </a:ext>
-              </a:extLst>
-            </a:blip>
-            <a:srcRect/>
-            <a:stretch>
-              <a:fillRect/>
-            </a:stretch>
-          </p:blipFill>
-          <p:spPr bwMode="auto">
-            <a:xfrm>
-              <a:off x="-623627" y="1510749"/>
-              <a:ext cx="12815627" cy="5068818"/>
-            </a:xfrm>
-            <a:prstGeom prst="rect">
-              <a:avLst/>
-            </a:prstGeom>
-            <a:noFill/>
-            <a:extLst>
-              <a:ext uri="{909E8E84-426E-40DD-AFC4-6F175D3DCCD1}">
-                <a14:hiddenFill xmlns:a14="http://schemas.microsoft.com/office/drawing/2010/main">
-                  <a:solidFill>
-                    <a:srgbClr val="FFFFFF"/>
-                  </a:solidFill>
-                </a14:hiddenFill>
-              </a:ext>
-            </a:extLst>
-          </p:spPr>
-        </p:pic>
-        <p:pic>
-          <p:nvPicPr>
-            <p:cNvPr id="9" name="Picture 8">
-              <a:extLst>
-                <a:ext uri="{FF2B5EF4-FFF2-40B4-BE49-F238E27FC236}">
-                  <a16:creationId xmlns:a16="http://schemas.microsoft.com/office/drawing/2014/main" id="{7C262475-D13B-F0AF-737B-415BAAE3E6D2}"/>
-                </a:ext>
-              </a:extLst>
-            </p:cNvPr>
-            <p:cNvPicPr>
-              <a:picLocks noChangeAspect="1"/>
-            </p:cNvPicPr>
-            <p:nvPr/>
-          </p:nvPicPr>
-          <p:blipFill>
-            <a:blip r:embed="rId3"/>
-            <a:stretch>
-              <a:fillRect/>
-            </a:stretch>
-          </p:blipFill>
-          <p:spPr>
-            <a:xfrm>
-              <a:off x="3190979" y="1913234"/>
-              <a:ext cx="4382638" cy="685896"/>
-            </a:xfrm>
-            <a:prstGeom prst="rect">
-              <a:avLst/>
-            </a:prstGeom>
-          </p:spPr>
-        </p:pic>
-      </p:grpSp>
       <p:sp>
         <p:nvSpPr>
           <p:cNvPr id="10" name="TextBox 9">
@@ -13300,52 +10774,179 @@
           </a:p>
         </p:txBody>
       </p:sp>
-      <p:sp>
-        <p:nvSpPr>
-          <p:cNvPr id="12" name="Rectangle 11">
-            <a:extLst>
-              <a:ext uri="{FF2B5EF4-FFF2-40B4-BE49-F238E27FC236}">
-                <a16:creationId xmlns:a16="http://schemas.microsoft.com/office/drawing/2014/main" id="{354FF751-99C7-E36D-2391-91A1E721BF92}"/>
-              </a:ext>
-            </a:extLst>
-          </p:cNvPr>
-          <p:cNvSpPr/>
+      <p:grpSp>
+        <p:nvGrpSpPr>
+          <p:cNvPr id="2" name="Group 1">
+            <a:extLst>
+              <a:ext uri="{FF2B5EF4-FFF2-40B4-BE49-F238E27FC236}">
+                <a16:creationId xmlns:a16="http://schemas.microsoft.com/office/drawing/2014/main" id="{8102C982-BCB1-2B80-8DE8-64D8CF20DA31}"/>
+              </a:ext>
+            </a:extLst>
+          </p:cNvPr>
+          <p:cNvGrpSpPr/>
           <p:nvPr/>
-        </p:nvSpPr>
-        <p:spPr>
+        </p:nvGrpSpPr>
+        <p:grpSpPr>
           <a:xfrm>
-            <a:off x="0" y="4055165"/>
-            <a:ext cx="1540565" cy="715618"/>
+            <a:off x="0" y="451007"/>
+            <a:ext cx="11399520" cy="5709596"/>
+            <a:chOff x="-471227" y="786287"/>
+            <a:chExt cx="12815627" cy="5068818"/>
           </a:xfrm>
-          <a:prstGeom prst="rect">
-            <a:avLst/>
-          </a:prstGeom>
-        </p:spPr>
-        <p:style>
-          <a:lnRef idx="2">
-            <a:schemeClr val="accent1">
-              <a:shade val="15000"/>
-            </a:schemeClr>
-          </a:lnRef>
-          <a:fillRef idx="1">
-            <a:schemeClr val="accent1"/>
-          </a:fillRef>
-          <a:effectRef idx="0">
-            <a:schemeClr val="accent1"/>
-          </a:effectRef>
-          <a:fontRef idx="minor">
-            <a:schemeClr val="lt1"/>
-          </a:fontRef>
-        </p:style>
-        <p:txBody>
-          <a:bodyPr rtlCol="0" anchor="ctr"/>
-          <a:lstStyle/>
-          <a:p>
-            <a:pPr algn="ctr"/>
-            <a:endParaRPr lang="en-IN"/>
-          </a:p>
-        </p:txBody>
-      </p:sp>
+        </p:grpSpPr>
+        <p:grpSp>
+          <p:nvGrpSpPr>
+            <p:cNvPr id="11" name="Group 10">
+              <a:extLst>
+                <a:ext uri="{FF2B5EF4-FFF2-40B4-BE49-F238E27FC236}">
+                  <a16:creationId xmlns:a16="http://schemas.microsoft.com/office/drawing/2014/main" id="{BFF5D72E-E9F6-9D87-D6C2-1DD7B2ED85C2}"/>
+                </a:ext>
+              </a:extLst>
+            </p:cNvPr>
+            <p:cNvGrpSpPr/>
+            <p:nvPr/>
+          </p:nvGrpSpPr>
+          <p:grpSpPr>
+            <a:xfrm>
+              <a:off x="-471227" y="786287"/>
+              <a:ext cx="12815627" cy="5068818"/>
+              <a:chOff x="-623627" y="1510749"/>
+              <a:chExt cx="12815627" cy="5068818"/>
+            </a:xfrm>
+          </p:grpSpPr>
+          <p:pic>
+            <p:nvPicPr>
+              <p:cNvPr id="2054" name="Picture 6">
+                <a:extLst>
+                  <a:ext uri="{FF2B5EF4-FFF2-40B4-BE49-F238E27FC236}">
+                    <a16:creationId xmlns:a16="http://schemas.microsoft.com/office/drawing/2014/main" id="{E435DB69-15F4-5148-18DE-79AD1A3D1BD5}"/>
+                  </a:ext>
+                </a:extLst>
+              </p:cNvPr>
+              <p:cNvPicPr>
+                <a:picLocks noChangeAspect="1" noChangeArrowheads="1"/>
+              </p:cNvPicPr>
+              <p:nvPr/>
+            </p:nvPicPr>
+            <p:blipFill>
+              <a:blip r:embed="rId2">
+                <a:extLst>
+                  <a:ext uri="{28A0092B-C50C-407E-A947-70E740481C1C}">
+                    <a14:useLocalDpi xmlns:a14="http://schemas.microsoft.com/office/drawing/2010/main" val="0"/>
+                  </a:ext>
+                </a:extLst>
+              </a:blip>
+              <a:srcRect/>
+              <a:stretch>
+                <a:fillRect/>
+              </a:stretch>
+            </p:blipFill>
+            <p:spPr bwMode="auto">
+              <a:xfrm>
+                <a:off x="-623627" y="1510749"/>
+                <a:ext cx="12815627" cy="5068818"/>
+              </a:xfrm>
+              <a:prstGeom prst="rect">
+                <a:avLst/>
+              </a:prstGeom>
+              <a:noFill/>
+              <a:extLst>
+                <a:ext uri="{909E8E84-426E-40DD-AFC4-6F175D3DCCD1}">
+                  <a14:hiddenFill xmlns:a14="http://schemas.microsoft.com/office/drawing/2010/main">
+                    <a:solidFill>
+                      <a:srgbClr val="FFFFFF"/>
+                    </a:solidFill>
+                  </a14:hiddenFill>
+                </a:ext>
+              </a:extLst>
+            </p:spPr>
+          </p:pic>
+          <p:pic>
+            <p:nvPicPr>
+              <p:cNvPr id="9" name="Picture 8">
+                <a:extLst>
+                  <a:ext uri="{FF2B5EF4-FFF2-40B4-BE49-F238E27FC236}">
+                    <a16:creationId xmlns:a16="http://schemas.microsoft.com/office/drawing/2014/main" id="{7C262475-D13B-F0AF-737B-415BAAE3E6D2}"/>
+                  </a:ext>
+                </a:extLst>
+              </p:cNvPr>
+              <p:cNvPicPr>
+                <a:picLocks noChangeAspect="1"/>
+              </p:cNvPicPr>
+              <p:nvPr/>
+            </p:nvPicPr>
+            <p:blipFill>
+              <a:blip r:embed="rId3"/>
+              <a:stretch>
+                <a:fillRect/>
+              </a:stretch>
+            </p:blipFill>
+            <p:spPr>
+              <a:xfrm>
+                <a:off x="3190979" y="1913234"/>
+                <a:ext cx="4382638" cy="685896"/>
+              </a:xfrm>
+              <a:prstGeom prst="rect">
+                <a:avLst/>
+              </a:prstGeom>
+            </p:spPr>
+          </p:pic>
+        </p:grpSp>
+        <p:sp>
+          <p:nvSpPr>
+            <p:cNvPr id="12" name="Rectangle 11">
+              <a:extLst>
+                <a:ext uri="{FF2B5EF4-FFF2-40B4-BE49-F238E27FC236}">
+                  <a16:creationId xmlns:a16="http://schemas.microsoft.com/office/drawing/2014/main" id="{354FF751-99C7-E36D-2391-91A1E721BF92}"/>
+                </a:ext>
+              </a:extLst>
+            </p:cNvPr>
+            <p:cNvSpPr/>
+            <p:nvPr/>
+          </p:nvSpPr>
+          <p:spPr>
+            <a:xfrm>
+              <a:off x="0" y="4055165"/>
+              <a:ext cx="1540565" cy="715618"/>
+            </a:xfrm>
+            <a:prstGeom prst="rect">
+              <a:avLst/>
+            </a:prstGeom>
+            <a:solidFill>
+              <a:schemeClr val="bg1"/>
+            </a:solidFill>
+            <a:ln>
+              <a:solidFill>
+                <a:schemeClr val="bg1"/>
+              </a:solidFill>
+            </a:ln>
+          </p:spPr>
+          <p:style>
+            <a:lnRef idx="2">
+              <a:schemeClr val="accent1">
+                <a:shade val="15000"/>
+              </a:schemeClr>
+            </a:lnRef>
+            <a:fillRef idx="1">
+              <a:schemeClr val="accent1"/>
+            </a:fillRef>
+            <a:effectRef idx="0">
+              <a:schemeClr val="accent1"/>
+            </a:effectRef>
+            <a:fontRef idx="minor">
+              <a:schemeClr val="lt1"/>
+            </a:fontRef>
+          </p:style>
+          <p:txBody>
+            <a:bodyPr rtlCol="0" anchor="ctr"/>
+            <a:lstStyle/>
+            <a:p>
+              <a:pPr algn="ctr"/>
+              <a:endParaRPr lang="en-IN" dirty="0"/>
+            </a:p>
+          </p:txBody>
+        </p:sp>
+      </p:grpSp>
     </p:spTree>
     <p:extLst>
       <p:ext uri="{BB962C8B-B14F-4D97-AF65-F5344CB8AC3E}">
@@ -13359,13 +10960,16 @@
 </p:sld>
 </file>
 
-<file path=ppt/slides/slide8.xml><?xml version="1.0" encoding="utf-8"?>
+<file path=ppt/slides/slide9.xml><?xml version="1.0" encoding="utf-8"?>
 <p:sld xmlns:a="http://schemas.openxmlformats.org/drawingml/2006/main" xmlns:r="http://schemas.openxmlformats.org/officeDocument/2006/relationships" xmlns:p="http://schemas.openxmlformats.org/presentationml/2006/main">
   <p:cSld>
     <p:bg>
       <p:bgPr>
-        <a:blipFill>
-          <a:blip r:embed="rId2"/>
+        <a:blipFill dpi="0" rotWithShape="1">
+          <a:blip r:embed="rId3">
+            <a:lum/>
+          </a:blip>
+          <a:srcRect/>
           <a:stretch>
             <a:fillRect/>
           </a:stretch>
@@ -13389,66 +10993,10 @@
       </p:grpSpPr>
       <p:sp>
         <p:nvSpPr>
-          <p:cNvPr id="2" name="Title 1">
-            <a:extLst>
-              <a:ext uri="{FF2B5EF4-FFF2-40B4-BE49-F238E27FC236}">
-                <a16:creationId xmlns:a16="http://schemas.microsoft.com/office/drawing/2014/main" id="{6C706C31-FBAE-C0E8-8B60-1128F3CA2006}"/>
-              </a:ext>
-            </a:extLst>
-          </p:cNvPr>
-          <p:cNvSpPr>
-            <a:spLocks noGrp="1"/>
-          </p:cNvSpPr>
-          <p:nvPr>
-            <p:ph type="title"/>
-          </p:nvPr>
-        </p:nvSpPr>
-        <p:spPr>
-          <a:xfrm>
-            <a:off x="430695" y="0"/>
-            <a:ext cx="10515600" cy="1325563"/>
-          </a:xfrm>
-        </p:spPr>
-        <p:txBody>
-          <a:bodyPr/>
-          <a:lstStyle/>
-          <a:p>
-            <a:endParaRPr lang="en-IN" dirty="0"/>
-          </a:p>
-        </p:txBody>
-      </p:sp>
-      <p:graphicFrame>
-        <p:nvGraphicFramePr>
-          <p:cNvPr id="7" name="Content Placeholder 6">
-            <a:extLst>
-              <a:ext uri="{FF2B5EF4-FFF2-40B4-BE49-F238E27FC236}">
-                <a16:creationId xmlns:a16="http://schemas.microsoft.com/office/drawing/2014/main" id="{8B7A0636-F6D2-95C5-5608-C9544BDBEFDA}"/>
-              </a:ext>
-            </a:extLst>
-          </p:cNvPr>
-          <p:cNvGraphicFramePr>
-            <a:graphicFrameLocks noGrp="1"/>
-          </p:cNvGraphicFramePr>
-          <p:nvPr>
-            <p:ph idx="1"/>
-          </p:nvPr>
-        </p:nvGraphicFramePr>
-        <p:xfrm>
-          <a:off x="-2948608" y="1335243"/>
-          <a:ext cx="12569686" cy="4187514"/>
-        </p:xfrm>
-        <a:graphic>
-          <a:graphicData uri="http://schemas.openxmlformats.org/drawingml/2006/diagram">
-            <dgm:relIds xmlns:dgm="http://schemas.openxmlformats.org/drawingml/2006/diagram" xmlns:r="http://schemas.openxmlformats.org/officeDocument/2006/relationships" r:dm="rId3" r:lo="rId4" r:qs="rId5" r:cs="rId6"/>
-          </a:graphicData>
-        </a:graphic>
-      </p:graphicFrame>
-      <p:sp>
-        <p:nvSpPr>
-          <p:cNvPr id="4" name="Date Placeholder 3">
-            <a:extLst>
-              <a:ext uri="{FF2B5EF4-FFF2-40B4-BE49-F238E27FC236}">
-                <a16:creationId xmlns:a16="http://schemas.microsoft.com/office/drawing/2014/main" id="{8D6780F4-5CE7-85EA-9593-EFE735366E86}"/>
+          <p:cNvPr id="2" name="Date Placeholder 1">
+            <a:extLst>
+              <a:ext uri="{FF2B5EF4-FFF2-40B4-BE49-F238E27FC236}">
+                <a16:creationId xmlns:a16="http://schemas.microsoft.com/office/drawing/2014/main" id="{E500A8B1-95C4-4D66-4295-7F8D1C4A1014}"/>
               </a:ext>
             </a:extLst>
           </p:cNvPr>
@@ -13464,9 +11012,9 @@
           <a:bodyPr/>
           <a:lstStyle/>
           <a:p>
-            <a:fld id="{5DC19ACD-4AE4-4C27-B305-CA0EE24A3A52}" type="datetime1">
+            <a:fld id="{ADC119ED-5D95-48C3-8C59-90E70F15746F}" type="datetime1">
               <a:rPr lang="en-IN" smtClean="0"/>
-              <a:t>03-07-2025</a:t>
+              <a:t>04-07-2025</a:t>
             </a:fld>
             <a:endParaRPr lang="en-IN"/>
           </a:p>
@@ -13474,10 +11022,10 @@
       </p:sp>
       <p:sp>
         <p:nvSpPr>
-          <p:cNvPr id="5" name="Footer Placeholder 4">
-            <a:extLst>
-              <a:ext uri="{FF2B5EF4-FFF2-40B4-BE49-F238E27FC236}">
-                <a16:creationId xmlns:a16="http://schemas.microsoft.com/office/drawing/2014/main" id="{5077E856-1300-A876-6A5C-E466486FEB03}"/>
+          <p:cNvPr id="3" name="Footer Placeholder 2">
+            <a:extLst>
+              <a:ext uri="{FF2B5EF4-FFF2-40B4-BE49-F238E27FC236}">
+                <a16:creationId xmlns:a16="http://schemas.microsoft.com/office/drawing/2014/main" id="{C0981AE9-8F3B-5009-D1EE-34316CB1277D}"/>
               </a:ext>
             </a:extLst>
           </p:cNvPr>
@@ -13503,10 +11051,10 @@
       </p:sp>
       <p:sp>
         <p:nvSpPr>
-          <p:cNvPr id="6" name="Slide Number Placeholder 5">
-            <a:extLst>
-              <a:ext uri="{FF2B5EF4-FFF2-40B4-BE49-F238E27FC236}">
-                <a16:creationId xmlns:a16="http://schemas.microsoft.com/office/drawing/2014/main" id="{4F6AF495-5889-43FB-5A38-16B26B5659DA}"/>
+          <p:cNvPr id="4" name="Slide Number Placeholder 3">
+            <a:extLst>
+              <a:ext uri="{FF2B5EF4-FFF2-40B4-BE49-F238E27FC236}">
+                <a16:creationId xmlns:a16="http://schemas.microsoft.com/office/drawing/2014/main" id="{4E4D5991-DDFE-2C4D-A1F2-37A0A28A9A97}"/>
               </a:ext>
             </a:extLst>
           </p:cNvPr>
@@ -13524,7 +11072,7 @@
           <a:p>
             <a:fld id="{343B738A-3D1A-4C2D-866B-2574A134247C}" type="slidenum">
               <a:rPr lang="en-IN" smtClean="0"/>
-              <a:t>8</a:t>
+              <a:t>9</a:t>
             </a:fld>
             <a:endParaRPr lang="en-IN"/>
           </a:p>
@@ -13533,13 +11081,33 @@
     </p:spTree>
     <p:extLst>
       <p:ext uri="{BB962C8B-B14F-4D97-AF65-F5344CB8AC3E}">
-        <p14:creationId xmlns:p14="http://schemas.microsoft.com/office/powerpoint/2010/main" val="1661839101"/>
+        <p14:creationId xmlns:p14="http://schemas.microsoft.com/office/powerpoint/2010/main" val="785267798"/>
       </p:ext>
     </p:extLst>
   </p:cSld>
   <p:clrMapOvr>
     <a:masterClrMapping/>
   </p:clrMapOvr>
+  <mc:AlternateContent xmlns:mc="http://schemas.openxmlformats.org/markup-compatibility/2006">
+    <mc:Choice xmlns:p14="http://schemas.microsoft.com/office/powerpoint/2010/main" Requires="p14">
+      <p:transition spd="slow" p14:dur="2000">
+        <p:sndAc>
+          <p:stSnd>
+            <p:snd r:embed="rId2" name="bomb.wav"/>
+          </p:stSnd>
+        </p:sndAc>
+      </p:transition>
+    </mc:Choice>
+    <mc:Fallback>
+      <p:transition spd="slow">
+        <p:sndAc>
+          <p:stSnd>
+            <p:snd r:embed="rId2" name="bomb.wav"/>
+          </p:stSnd>
+        </p:sndAc>
+      </p:transition>
+    </mc:Fallback>
+  </mc:AlternateContent>
 </p:sld>
 </file>
 
